--- a/2024/0320_BostonDotNetArch/GetStartedWithWinUI3.pptx
+++ b/2024/0320_BostonDotNetArch/GetStartedWithWinUI3.pptx
@@ -5,11 +5,13 @@
     <p:sldMasterId id="2147483840" r:id="rId1"/>
   </p:sldMasterIdLst>
   <p:notesMasterIdLst>
-    <p:notesMasterId r:id="rId4"/>
+    <p:notesMasterId r:id="rId6"/>
   </p:notesMasterIdLst>
   <p:sldIdLst>
     <p:sldId id="256" r:id="rId2"/>
     <p:sldId id="257" r:id="rId3"/>
+    <p:sldId id="258" r:id="rId4"/>
+    <p:sldId id="259" r:id="rId5"/>
   </p:sldIdLst>
   <p:sldSz cx="12192000" cy="6858000"/>
   <p:notesSz cx="6858000" cy="9144000"/>
@@ -108,6 +110,11 @@
       </a:defRPr>
     </a:lvl9pPr>
   </p:defaultTextStyle>
+  <p:extLst>
+    <p:ext uri="{EFAFB233-063F-42B5-8137-9DF3F51BA10A}">
+      <p15:sldGuideLst xmlns:p15="http://schemas.microsoft.com/office/powerpoint/2012/main"/>
+    </p:ext>
+  </p:extLst>
 </p:presentation>
 </file>
 
@@ -720,6 +727,123 @@
     <p:extLst>
       <p:ext uri="{BB962C8B-B14F-4D97-AF65-F5344CB8AC3E}">
         <p14:creationId xmlns:p14="http://schemas.microsoft.com/office/powerpoint/2010/main" val="3951489967"/>
+      </p:ext>
+    </p:extLst>
+  </p:cSld>
+  <p:clrMapOvr>
+    <a:masterClrMapping/>
+  </p:clrMapOvr>
+</p:notes>
+</file>
+
+<file path=ppt/notesSlides/notesSlide3.xml><?xml version="1.0" encoding="utf-8"?>
+<p:notes xmlns:a="http://schemas.openxmlformats.org/drawingml/2006/main" xmlns:r="http://schemas.openxmlformats.org/officeDocument/2006/relationships" xmlns:p="http://schemas.openxmlformats.org/presentationml/2006/main">
+  <p:cSld>
+    <p:spTree>
+      <p:nvGrpSpPr>
+        <p:cNvPr id="1" name=""/>
+        <p:cNvGrpSpPr/>
+        <p:nvPr/>
+      </p:nvGrpSpPr>
+      <p:grpSpPr>
+        <a:xfrm>
+          <a:off x="0" y="0"/>
+          <a:ext cx="0" cy="0"/>
+          <a:chOff x="0" y="0"/>
+          <a:chExt cx="0" cy="0"/>
+        </a:xfrm>
+      </p:grpSpPr>
+      <p:sp>
+        <p:nvSpPr>
+          <p:cNvPr id="2" name="Slide Image Placeholder 1"/>
+          <p:cNvSpPr>
+            <a:spLocks noGrp="1" noRot="1" noChangeAspect="1"/>
+          </p:cNvSpPr>
+          <p:nvPr>
+            <p:ph type="sldImg"/>
+          </p:nvPr>
+        </p:nvSpPr>
+        <p:spPr/>
+      </p:sp>
+      <p:sp>
+        <p:nvSpPr>
+          <p:cNvPr id="3" name="Notes Placeholder 2"/>
+          <p:cNvSpPr>
+            <a:spLocks noGrp="1"/>
+          </p:cNvSpPr>
+          <p:nvPr>
+            <p:ph type="body" idx="1"/>
+          </p:nvPr>
+        </p:nvSpPr>
+        <p:spPr/>
+        <p:txBody>
+          <a:bodyPr/>
+          <a:lstStyle/>
+          <a:p>
+            <a:r>
+              <a:rPr lang="en-US" dirty="0"/>
+              <a:t>Our next event, </a:t>
+            </a:r>
+            <a:r>
+              <a:rPr lang="en-US" dirty="0" err="1"/>
+              <a:t>TechBash</a:t>
+            </a:r>
+            <a:r>
+              <a:rPr lang="en-US" dirty="0"/>
+              <a:t> 2024, is coming up in September.</a:t>
+            </a:r>
+          </a:p>
+          <a:p>
+            <a:endParaRPr lang="en-US" dirty="0"/>
+          </a:p>
+          <a:p>
+            <a:r>
+              <a:rPr lang="en-US" dirty="0"/>
+              <a:t>It’s a conference at the Kalahari Resort in the Poconos with 3-day and 4-day options. We have an awesome time every year. It has the food, speakers, and content of a big event like </a:t>
+            </a:r>
+            <a:r>
+              <a:rPr lang="en-US" dirty="0" err="1"/>
+              <a:t>VSLive</a:t>
+            </a:r>
+            <a:r>
+              <a:rPr lang="en-US" dirty="0"/>
+              <a:t> or Microsoft Build with a size of a large code camp or other regional conference. You can bring your whole family for the water park, Thursday Game Night, and our Friday Family Day sessions for </a:t>
+            </a:r>
+            <a:r>
+              <a:rPr lang="en-US"/>
+              <a:t>kids.</a:t>
+            </a:r>
+            <a:endParaRPr lang="en-US" dirty="0"/>
+          </a:p>
+        </p:txBody>
+      </p:sp>
+      <p:sp>
+        <p:nvSpPr>
+          <p:cNvPr id="4" name="Slide Number Placeholder 3"/>
+          <p:cNvSpPr>
+            <a:spLocks noGrp="1"/>
+          </p:cNvSpPr>
+          <p:nvPr>
+            <p:ph type="sldNum" sz="quarter" idx="5"/>
+          </p:nvPr>
+        </p:nvSpPr>
+        <p:spPr/>
+        <p:txBody>
+          <a:bodyPr/>
+          <a:lstStyle/>
+          <a:p>
+            <a:fld id="{B24C3CE9-E430-0042-A738-50E8105E4176}" type="slidenum">
+              <a:rPr lang="en-US" smtClean="0"/>
+              <a:t>3</a:t>
+            </a:fld>
+            <a:endParaRPr lang="en-US"/>
+          </a:p>
+        </p:txBody>
+      </p:sp>
+    </p:spTree>
+    <p:extLst>
+      <p:ext uri="{BB962C8B-B14F-4D97-AF65-F5344CB8AC3E}">
+        <p14:creationId xmlns:p14="http://schemas.microsoft.com/office/powerpoint/2010/main" val="1958153512"/>
       </p:ext>
     </p:extLst>
   </p:cSld>
@@ -3965,6 +4089,14 @@
 <file path=ppt/slides/slide1.xml><?xml version="1.0" encoding="utf-8"?>
 <p:sld xmlns:a="http://schemas.openxmlformats.org/drawingml/2006/main" xmlns:r="http://schemas.openxmlformats.org/officeDocument/2006/relationships" xmlns:p="http://schemas.openxmlformats.org/presentationml/2006/main">
   <p:cSld>
+    <p:bg>
+      <p:bgPr>
+        <a:solidFill>
+          <a:schemeClr val="bg1"/>
+        </a:solidFill>
+        <a:effectLst/>
+      </p:bgPr>
+    </p:bg>
     <p:spTree>
       <p:nvGrpSpPr>
         <p:cNvPr id="1" name=""/>
@@ -3979,6 +4111,193 @@
           <a:chExt cx="0" cy="0"/>
         </a:xfrm>
       </p:grpSpPr>
+      <p:sp useBgFill="1">
+        <p:nvSpPr>
+          <p:cNvPr id="8" name="Rectangle 7">
+            <a:extLst>
+              <a:ext uri="{FF2B5EF4-FFF2-40B4-BE49-F238E27FC236}">
+                <a16:creationId xmlns:a16="http://schemas.microsoft.com/office/drawing/2014/main" id="{90EB472E-7CA6-4C2D-81E9-CD39A44F0B83}"/>
+              </a:ext>
+              <a:ext uri="{C183D7F6-B498-43B3-948B-1728B52AA6E4}">
+                <adec:decorative xmlns:adec="http://schemas.microsoft.com/office/drawing/2017/decorative" val="1"/>
+              </a:ext>
+            </a:extLst>
+          </p:cNvPr>
+          <p:cNvSpPr>
+            <a:spLocks noGrp="1" noRot="1" noChangeAspect="1" noMove="1" noResize="1" noEditPoints="1" noAdjustHandles="1" noChangeArrowheads="1" noChangeShapeType="1" noTextEdit="1"/>
+          </p:cNvSpPr>
+          <p:nvPr>
+            <p:extLst>
+              <p:ext uri="{386F3935-93C4-4BCD-93E2-E3B085C9AB24}">
+                <p16:designElem xmlns:p16="http://schemas.microsoft.com/office/powerpoint/2015/main" val="1"/>
+              </p:ext>
+            </p:extLst>
+          </p:nvPr>
+        </p:nvSpPr>
+        <p:spPr>
+          <a:xfrm>
+            <a:off x="0" y="0"/>
+            <a:ext cx="12192000" cy="6858000"/>
+          </a:xfrm>
+          <a:prstGeom prst="rect">
+            <a:avLst/>
+          </a:prstGeom>
+          <a:ln>
+            <a:noFill/>
+          </a:ln>
+        </p:spPr>
+        <p:style>
+          <a:lnRef idx="2">
+            <a:schemeClr val="accent1">
+              <a:shade val="50000"/>
+            </a:schemeClr>
+          </a:lnRef>
+          <a:fillRef idx="1">
+            <a:schemeClr val="accent1"/>
+          </a:fillRef>
+          <a:effectRef idx="0">
+            <a:schemeClr val="accent1"/>
+          </a:effectRef>
+          <a:fontRef idx="minor">
+            <a:schemeClr val="lt1"/>
+          </a:fontRef>
+        </p:style>
+        <p:txBody>
+          <a:bodyPr rtlCol="0" anchor="ctr"/>
+          <a:lstStyle/>
+          <a:p>
+            <a:pPr algn="ctr"/>
+            <a:endParaRPr lang="en-US" dirty="0"/>
+          </a:p>
+        </p:txBody>
+      </p:sp>
+      <p:sp>
+        <p:nvSpPr>
+          <p:cNvPr id="10" name="Rectangle 9">
+            <a:extLst>
+              <a:ext uri="{FF2B5EF4-FFF2-40B4-BE49-F238E27FC236}">
+                <a16:creationId xmlns:a16="http://schemas.microsoft.com/office/drawing/2014/main" id="{AE0A0486-F672-4FEF-A0A9-E6C3B7E3A545}"/>
+              </a:ext>
+              <a:ext uri="{C183D7F6-B498-43B3-948B-1728B52AA6E4}">
+                <adec:decorative xmlns:adec="http://schemas.microsoft.com/office/drawing/2017/decorative" val="1"/>
+              </a:ext>
+            </a:extLst>
+          </p:cNvPr>
+          <p:cNvSpPr>
+            <a:spLocks noGrp="1" noRot="1" noChangeAspect="1" noMove="1" noResize="1" noEditPoints="1" noAdjustHandles="1" noChangeArrowheads="1" noChangeShapeType="1" noTextEdit="1"/>
+          </p:cNvSpPr>
+          <p:nvPr>
+            <p:extLst>
+              <p:ext uri="{386F3935-93C4-4BCD-93E2-E3B085C9AB24}">
+                <p16:designElem xmlns:p16="http://schemas.microsoft.com/office/powerpoint/2015/main" val="1"/>
+              </p:ext>
+            </p:extLst>
+          </p:nvPr>
+        </p:nvSpPr>
+        <p:spPr>
+          <a:xfrm>
+            <a:off x="0" y="761999"/>
+            <a:ext cx="3289875" cy="5334001"/>
+          </a:xfrm>
+          <a:prstGeom prst="rect">
+            <a:avLst/>
+          </a:prstGeom>
+          <a:solidFill>
+            <a:srgbClr val="C8C8C8">
+              <a:alpha val="70000"/>
+            </a:srgbClr>
+          </a:solidFill>
+          <a:ln>
+            <a:noFill/>
+          </a:ln>
+        </p:spPr>
+        <p:style>
+          <a:lnRef idx="2">
+            <a:schemeClr val="accent1">
+              <a:shade val="50000"/>
+            </a:schemeClr>
+          </a:lnRef>
+          <a:fillRef idx="1">
+            <a:schemeClr val="accent1"/>
+          </a:fillRef>
+          <a:effectRef idx="0">
+            <a:schemeClr val="accent1"/>
+          </a:effectRef>
+          <a:fontRef idx="minor">
+            <a:schemeClr val="lt1"/>
+          </a:fontRef>
+        </p:style>
+        <p:txBody>
+          <a:bodyPr rtlCol="0" anchor="ctr"/>
+          <a:lstStyle/>
+          <a:p>
+            <a:pPr algn="ctr"/>
+            <a:endParaRPr lang="en-US"/>
+          </a:p>
+        </p:txBody>
+      </p:sp>
+      <p:sp>
+        <p:nvSpPr>
+          <p:cNvPr id="12" name="Rectangle 11">
+            <a:extLst>
+              <a:ext uri="{FF2B5EF4-FFF2-40B4-BE49-F238E27FC236}">
+                <a16:creationId xmlns:a16="http://schemas.microsoft.com/office/drawing/2014/main" id="{4689BC21-5566-4B70-91EA-44B4299CB337}"/>
+              </a:ext>
+              <a:ext uri="{C183D7F6-B498-43B3-948B-1728B52AA6E4}">
+                <adec:decorative xmlns:adec="http://schemas.microsoft.com/office/drawing/2017/decorative" val="1"/>
+              </a:ext>
+            </a:extLst>
+          </p:cNvPr>
+          <p:cNvSpPr>
+            <a:spLocks noGrp="1" noRot="1" noChangeAspect="1" noMove="1" noResize="1" noEditPoints="1" noAdjustHandles="1" noChangeArrowheads="1" noChangeShapeType="1" noTextEdit="1"/>
+          </p:cNvSpPr>
+          <p:nvPr>
+            <p:extLst>
+              <p:ext uri="{386F3935-93C4-4BCD-93E2-E3B085C9AB24}">
+                <p16:designElem xmlns:p16="http://schemas.microsoft.com/office/powerpoint/2015/main" val="1"/>
+              </p:ext>
+            </p:extLst>
+          </p:nvPr>
+        </p:nvSpPr>
+        <p:spPr>
+          <a:xfrm>
+            <a:off x="3411870" y="761999"/>
+            <a:ext cx="8790301" cy="3810001"/>
+          </a:xfrm>
+          <a:prstGeom prst="rect">
+            <a:avLst/>
+          </a:prstGeom>
+          <a:solidFill>
+            <a:schemeClr val="accent1"/>
+          </a:solidFill>
+          <a:ln>
+            <a:noFill/>
+          </a:ln>
+        </p:spPr>
+        <p:style>
+          <a:lnRef idx="2">
+            <a:schemeClr val="accent1">
+              <a:shade val="50000"/>
+            </a:schemeClr>
+          </a:lnRef>
+          <a:fillRef idx="1">
+            <a:schemeClr val="accent1"/>
+          </a:fillRef>
+          <a:effectRef idx="0">
+            <a:schemeClr val="accent1"/>
+          </a:effectRef>
+          <a:fontRef idx="minor">
+            <a:schemeClr val="lt1"/>
+          </a:fontRef>
+        </p:style>
+        <p:txBody>
+          <a:bodyPr/>
+          <a:lstStyle/>
+          <a:p>
+            <a:endParaRPr lang="en-US"/>
+          </a:p>
+        </p:txBody>
+      </p:sp>
       <p:sp>
         <p:nvSpPr>
           <p:cNvPr id="2" name="Title 1">
@@ -3995,15 +4314,84 @@
             <p:ph type="ctrTitle"/>
           </p:nvPr>
         </p:nvSpPr>
-        <p:spPr/>
+        <p:spPr>
+          <a:xfrm>
+            <a:off x="3722622" y="1298448"/>
+            <a:ext cx="7187529" cy="2951819"/>
+          </a:xfrm>
+        </p:spPr>
+        <p:txBody>
+          <a:bodyPr anchor="b">
+            <a:normAutofit/>
+          </a:bodyPr>
+          <a:lstStyle/>
+          <a:p>
+            <a:r>
+              <a:rPr lang="en-US" sz="5800"/>
+              <a:t>Getting Started with WinUI 3 &amp; Windows App SDK</a:t>
+            </a:r>
+          </a:p>
+        </p:txBody>
+      </p:sp>
+      <p:sp>
+        <p:nvSpPr>
+          <p:cNvPr id="14" name="Rectangle 13">
+            <a:extLst>
+              <a:ext uri="{FF2B5EF4-FFF2-40B4-BE49-F238E27FC236}">
+                <a16:creationId xmlns:a16="http://schemas.microsoft.com/office/drawing/2014/main" id="{7F1FCE6A-97BC-41EB-809A-50936E0F940B}"/>
+              </a:ext>
+              <a:ext uri="{C183D7F6-B498-43B3-948B-1728B52AA6E4}">
+                <adec:decorative xmlns:adec="http://schemas.microsoft.com/office/drawing/2017/decorative" val="1"/>
+              </a:ext>
+            </a:extLst>
+          </p:cNvPr>
+          <p:cNvSpPr>
+            <a:spLocks noGrp="1" noRot="1" noChangeAspect="1" noMove="1" noResize="1" noEditPoints="1" noAdjustHandles="1" noChangeArrowheads="1" noChangeShapeType="1" noTextEdit="1"/>
+          </p:cNvSpPr>
+          <p:nvPr>
+            <p:extLst>
+              <p:ext uri="{386F3935-93C4-4BCD-93E2-E3B085C9AB24}">
+                <p16:designElem xmlns:p16="http://schemas.microsoft.com/office/powerpoint/2015/main" val="1"/>
+              </p:ext>
+            </p:extLst>
+          </p:nvPr>
+        </p:nvSpPr>
+        <p:spPr>
+          <a:xfrm>
+            <a:off x="3400889" y="4684418"/>
+            <a:ext cx="8801282" cy="1411582"/>
+          </a:xfrm>
+          <a:prstGeom prst="rect">
+            <a:avLst/>
+          </a:prstGeom>
+          <a:solidFill>
+            <a:srgbClr val="595959"/>
+          </a:solidFill>
+          <a:ln>
+            <a:noFill/>
+          </a:ln>
+        </p:spPr>
+        <p:style>
+          <a:lnRef idx="2">
+            <a:schemeClr val="accent1">
+              <a:shade val="50000"/>
+            </a:schemeClr>
+          </a:lnRef>
+          <a:fillRef idx="1">
+            <a:schemeClr val="accent1"/>
+          </a:fillRef>
+          <a:effectRef idx="0">
+            <a:schemeClr val="accent1"/>
+          </a:effectRef>
+          <a:fontRef idx="minor">
+            <a:schemeClr val="lt1"/>
+          </a:fontRef>
+        </p:style>
         <p:txBody>
           <a:bodyPr/>
           <a:lstStyle/>
           <a:p>
-            <a:r>
-              <a:rPr lang="en-US" dirty="0"/>
-              <a:t>Getting Started with WinUI 3 &amp; Windows App SDK</a:t>
-            </a:r>
+            <a:endParaRPr lang="en-US"/>
           </a:p>
         </p:txBody>
       </p:sp>
@@ -4023,13 +4411,24 @@
             <p:ph type="subTitle" idx="1"/>
           </p:nvPr>
         </p:nvSpPr>
-        <p:spPr/>
-        <p:txBody>
-          <a:bodyPr/>
-          <a:lstStyle/>
-          <a:p>
-            <a:r>
-              <a:rPr lang="en-US" dirty="0"/>
+        <p:spPr>
+          <a:xfrm>
+            <a:off x="3722622" y="5006151"/>
+            <a:ext cx="7187529" cy="768116"/>
+          </a:xfrm>
+        </p:spPr>
+        <p:txBody>
+          <a:bodyPr anchor="t">
+            <a:normAutofit/>
+          </a:bodyPr>
+          <a:lstStyle/>
+          <a:p>
+            <a:r>
+              <a:rPr lang="en-US" sz="2400">
+                <a:solidFill>
+                  <a:schemeClr val="accent1"/>
+                </a:solidFill>
+              </a:rPr>
               <a:t>Alvin Ashcraft</a:t>
             </a:r>
           </a:p>
@@ -4051,6 +4450,14 @@
 <file path=ppt/slides/slide2.xml><?xml version="1.0" encoding="utf-8"?>
 <p:sld xmlns:a="http://schemas.openxmlformats.org/drawingml/2006/main" xmlns:r="http://schemas.openxmlformats.org/officeDocument/2006/relationships" xmlns:p="http://schemas.openxmlformats.org/presentationml/2006/main">
   <p:cSld>
+    <p:bg>
+      <p:bgPr>
+        <a:solidFill>
+          <a:schemeClr val="bg1"/>
+        </a:solidFill>
+        <a:effectLst/>
+      </p:bgPr>
+    </p:bg>
     <p:spTree>
       <p:nvGrpSpPr>
         <p:cNvPr id="1" name=""/>
@@ -4065,6 +4472,166 @@
           <a:chExt cx="0" cy="0"/>
         </a:xfrm>
       </p:grpSpPr>
+      <p:sp useBgFill="1">
+        <p:nvSpPr>
+          <p:cNvPr id="9" name="Rectangle 8">
+            <a:extLst>
+              <a:ext uri="{FF2B5EF4-FFF2-40B4-BE49-F238E27FC236}">
+                <a16:creationId xmlns:a16="http://schemas.microsoft.com/office/drawing/2014/main" id="{886D4068-D045-48B0-9A00-198F2FE4B57C}"/>
+              </a:ext>
+              <a:ext uri="{C183D7F6-B498-43B3-948B-1728B52AA6E4}">
+                <adec:decorative xmlns:adec="http://schemas.microsoft.com/office/drawing/2017/decorative" val="1"/>
+              </a:ext>
+            </a:extLst>
+          </p:cNvPr>
+          <p:cNvSpPr>
+            <a:spLocks noGrp="1" noRot="1" noChangeAspect="1" noMove="1" noResize="1" noEditPoints="1" noAdjustHandles="1" noChangeArrowheads="1" noChangeShapeType="1" noTextEdit="1"/>
+          </p:cNvSpPr>
+          <p:nvPr>
+            <p:extLst>
+              <p:ext uri="{386F3935-93C4-4BCD-93E2-E3B085C9AB24}">
+                <p16:designElem xmlns:p16="http://schemas.microsoft.com/office/powerpoint/2015/main" val="1"/>
+              </p:ext>
+            </p:extLst>
+          </p:nvPr>
+        </p:nvSpPr>
+        <p:spPr>
+          <a:xfrm>
+            <a:off x="0" y="0"/>
+            <a:ext cx="12192000" cy="6858000"/>
+          </a:xfrm>
+          <a:prstGeom prst="rect">
+            <a:avLst/>
+          </a:prstGeom>
+          <a:ln>
+            <a:noFill/>
+          </a:ln>
+        </p:spPr>
+        <p:style>
+          <a:lnRef idx="2">
+            <a:schemeClr val="accent1">
+              <a:shade val="50000"/>
+            </a:schemeClr>
+          </a:lnRef>
+          <a:fillRef idx="1">
+            <a:schemeClr val="accent1"/>
+          </a:fillRef>
+          <a:effectRef idx="0">
+            <a:schemeClr val="accent1"/>
+          </a:effectRef>
+          <a:fontRef idx="minor">
+            <a:schemeClr val="lt1"/>
+          </a:fontRef>
+        </p:style>
+        <p:txBody>
+          <a:bodyPr rtlCol="0" anchor="ctr"/>
+          <a:lstStyle/>
+          <a:p>
+            <a:pPr algn="ctr"/>
+            <a:endParaRPr lang="en-US"/>
+          </a:p>
+        </p:txBody>
+      </p:sp>
+      <p:pic>
+        <p:nvPicPr>
+          <p:cNvPr id="5" name="Picture 4" descr="Computer script on a screen">
+            <a:extLst>
+              <a:ext uri="{FF2B5EF4-FFF2-40B4-BE49-F238E27FC236}">
+                <a16:creationId xmlns:a16="http://schemas.microsoft.com/office/drawing/2014/main" id="{567C4EB5-5A06-9820-F948-33AADEB58F9C}"/>
+              </a:ext>
+            </a:extLst>
+          </p:cNvPr>
+          <p:cNvPicPr>
+            <a:picLocks noChangeAspect="1"/>
+          </p:cNvPicPr>
+          <p:nvPr/>
+        </p:nvPicPr>
+        <p:blipFill rotWithShape="1">
+          <a:blip r:embed="rId3">
+            <a:duotone>
+              <a:schemeClr val="bg2">
+                <a:shade val="45000"/>
+                <a:satMod val="135000"/>
+              </a:schemeClr>
+              <a:prstClr val="white"/>
+            </a:duotone>
+            <a:alphaModFix amt="25000"/>
+          </a:blip>
+          <a:srcRect t="6027" r="-1" b="9682"/>
+          <a:stretch/>
+        </p:blipFill>
+        <p:spPr>
+          <a:xfrm>
+            <a:off x="20" y="1"/>
+            <a:ext cx="12188932" cy="6858000"/>
+          </a:xfrm>
+          <a:prstGeom prst="rect">
+            <a:avLst/>
+          </a:prstGeom>
+        </p:spPr>
+      </p:pic>
+      <p:sp>
+        <p:nvSpPr>
+          <p:cNvPr id="11" name="Rectangle 10">
+            <a:extLst>
+              <a:ext uri="{FF2B5EF4-FFF2-40B4-BE49-F238E27FC236}">
+                <a16:creationId xmlns:a16="http://schemas.microsoft.com/office/drawing/2014/main" id="{12664C4B-AAE2-4AA0-8918-134E8086F37E}"/>
+              </a:ext>
+              <a:ext uri="{C183D7F6-B498-43B3-948B-1728B52AA6E4}">
+                <adec:decorative xmlns:adec="http://schemas.microsoft.com/office/drawing/2017/decorative" val="1"/>
+              </a:ext>
+            </a:extLst>
+          </p:cNvPr>
+          <p:cNvSpPr>
+            <a:spLocks noGrp="1" noRot="1" noChangeAspect="1" noMove="1" noResize="1" noEditPoints="1" noAdjustHandles="1" noChangeArrowheads="1" noChangeShapeType="1" noTextEdit="1"/>
+          </p:cNvSpPr>
+          <p:nvPr>
+            <p:extLst>
+              <p:ext uri="{386F3935-93C4-4BCD-93E2-E3B085C9AB24}">
+                <p16:designElem xmlns:p16="http://schemas.microsoft.com/office/powerpoint/2015/main" val="1"/>
+              </p:ext>
+            </p:extLst>
+          </p:nvPr>
+        </p:nvSpPr>
+        <p:spPr>
+          <a:xfrm>
+            <a:off x="1" y="758952"/>
+            <a:ext cx="3443590" cy="5330952"/>
+          </a:xfrm>
+          <a:prstGeom prst="rect">
+            <a:avLst/>
+          </a:prstGeom>
+          <a:solidFill>
+            <a:schemeClr val="accent1"/>
+          </a:solidFill>
+          <a:ln>
+            <a:noFill/>
+          </a:ln>
+        </p:spPr>
+        <p:style>
+          <a:lnRef idx="2">
+            <a:schemeClr val="accent1">
+              <a:shade val="50000"/>
+            </a:schemeClr>
+          </a:lnRef>
+          <a:fillRef idx="1">
+            <a:schemeClr val="accent1"/>
+          </a:fillRef>
+          <a:effectRef idx="0">
+            <a:schemeClr val="accent1"/>
+          </a:effectRef>
+          <a:fontRef idx="minor">
+            <a:schemeClr val="lt1"/>
+          </a:fontRef>
+        </p:style>
+        <p:txBody>
+          <a:bodyPr/>
+          <a:lstStyle/>
+          <a:p>
+            <a:endParaRPr lang="en-US"/>
+          </a:p>
+        </p:txBody>
+      </p:sp>
       <p:sp>
         <p:nvSpPr>
           <p:cNvPr id="2" name="Title 1">
@@ -4081,9 +4648,16 @@
             <p:ph type="title"/>
           </p:nvPr>
         </p:nvSpPr>
-        <p:spPr/>
-        <p:txBody>
-          <a:bodyPr/>
+        <p:spPr>
+          <a:xfrm>
+            <a:off x="252919" y="1123837"/>
+            <a:ext cx="2947482" cy="4601183"/>
+          </a:xfrm>
+        </p:spPr>
+        <p:txBody>
+          <a:bodyPr>
+            <a:normAutofit/>
+          </a:bodyPr>
           <a:lstStyle/>
           <a:p>
             <a:r>
@@ -4109,108 +4683,82 @@
             <p:ph idx="1"/>
           </p:nvPr>
         </p:nvSpPr>
-        <p:spPr/>
-        <p:txBody>
-          <a:bodyPr/>
+        <p:spPr>
+          <a:xfrm>
+            <a:off x="3869268" y="864108"/>
+            <a:ext cx="7315200" cy="5120640"/>
+          </a:xfrm>
+        </p:spPr>
+        <p:txBody>
+          <a:bodyPr>
+            <a:normAutofit/>
+          </a:bodyPr>
           <a:lstStyle/>
           <a:p>
             <a:pPr rtl="0" fontAlgn="base">
-              <a:lnSpc>
-                <a:spcPct val="90000"/>
-              </a:lnSpc>
               <a:buFont typeface="Arial" panose="020B0604020202020204" pitchFamily="34" charset="0"/>
               <a:buChar char="•"/>
             </a:pPr>
             <a:r>
-              <a:rPr lang="en-US" sz="1500" b="0" i="0" u="none" strike="noStrike" cap="all" dirty="0">
-                <a:solidFill>
-                  <a:schemeClr val="tx1"/>
-                </a:solidFill>
+              <a:rPr lang="en-US" b="0" i="0" u="none" strike="noStrike" cap="all">
                 <a:effectLst/>
                 <a:latin typeface="Tw Cen MT" panose="020B0602020104020603" pitchFamily="34" charset="77"/>
               </a:rPr>
               <a:t>SOFTWARE DEVELOPER &amp; ARCHITECT FOR 25+ YEARS</a:t>
             </a:r>
             <a:r>
-              <a:rPr lang="en-US" sz="1500" b="0" i="0" dirty="0">
-                <a:solidFill>
-                  <a:schemeClr val="tx1"/>
-                </a:solidFill>
+              <a:rPr lang="en-US" b="0" i="0">
                 <a:effectLst/>
                 <a:latin typeface="Tw Cen MT" panose="020B0602020104020603" pitchFamily="34" charset="77"/>
               </a:rPr>
               <a:t>​</a:t>
             </a:r>
-            <a:endParaRPr lang="en-US" sz="1500" b="0" i="0" dirty="0">
-              <a:solidFill>
-                <a:schemeClr val="tx1"/>
-              </a:solidFill>
+            <a:endParaRPr lang="en-US" b="0" i="0">
               <a:effectLst/>
               <a:latin typeface="Arial" panose="020B0604020202020204" pitchFamily="34" charset="0"/>
             </a:endParaRPr>
           </a:p>
           <a:p>
             <a:pPr lvl="1" fontAlgn="base">
-              <a:lnSpc>
-                <a:spcPct val="90000"/>
-              </a:lnSpc>
               <a:buFont typeface="Arial" panose="020B0604020202020204" pitchFamily="34" charset="0"/>
               <a:buChar char="•"/>
             </a:pPr>
             <a:r>
-              <a:rPr lang="en-US" sz="1500" b="0" i="0" u="none" strike="noStrike" cap="all" dirty="0">
-                <a:solidFill>
-                  <a:schemeClr val="tx1"/>
-                </a:solidFill>
+              <a:rPr lang="en-US" b="0" i="0" u="none" strike="noStrike" cap="all">
                 <a:effectLst/>
                 <a:latin typeface="Tw Cen MT" panose="020B0602020104020603" pitchFamily="34" charset="77"/>
               </a:rPr>
               <a:t>.NET / C# / WPF / ANGULAR / SQL SERVER</a:t>
             </a:r>
             <a:r>
-              <a:rPr lang="en-US" sz="1500" b="0" i="0" dirty="0">
-                <a:solidFill>
-                  <a:schemeClr val="tx1"/>
-                </a:solidFill>
+              <a:rPr lang="en-US" b="0" i="0">
                 <a:effectLst/>
                 <a:latin typeface="Tw Cen MT" panose="020B0602020104020603" pitchFamily="34" charset="77"/>
               </a:rPr>
               <a:t>​</a:t>
             </a:r>
-            <a:endParaRPr lang="en-US" sz="1500" b="0" i="0" dirty="0">
-              <a:solidFill>
-                <a:schemeClr val="tx1"/>
-              </a:solidFill>
+            <a:endParaRPr lang="en-US" b="0" i="0">
               <a:effectLst/>
               <a:latin typeface="Arial" panose="020B0604020202020204" pitchFamily="34" charset="0"/>
             </a:endParaRPr>
           </a:p>
           <a:p>
             <a:pPr rtl="0" fontAlgn="base">
-              <a:lnSpc>
-                <a:spcPct val="90000"/>
-              </a:lnSpc>
               <a:buFont typeface="Arial" panose="020B0604020202020204" pitchFamily="34" charset="0"/>
               <a:buChar char="•"/>
             </a:pPr>
             <a:r>
-              <a:rPr lang="en-US" sz="1500" b="0" i="0" u="none" strike="noStrike" cap="all" dirty="0">
-                <a:solidFill>
-                  <a:schemeClr val="tx1"/>
-                </a:solidFill>
+              <a:rPr lang="en-US" b="0" i="0" u="none" strike="noStrike" cap="all">
                 <a:effectLst/>
                 <a:latin typeface="Tw Cen MT" panose="020B0602020104020603" pitchFamily="34" charset="77"/>
               </a:rPr>
               <a:t>MORNING DEW LINK BLOG – </a:t>
             </a:r>
             <a:r>
-              <a:rPr lang="en-US" sz="1500" b="0" i="0" u="sng" strike="noStrike" cap="all" dirty="0" err="1">
-                <a:solidFill>
-                  <a:schemeClr val="tx1"/>
-                </a:solidFill>
+              <a:rPr lang="en-US" b="0" i="0" u="sng" strike="noStrike" cap="all" err="1">
                 <a:effectLst/>
                 <a:latin typeface="Tw Cen MT" panose="020B0602020104020603" pitchFamily="34" charset="77"/>
-                <a:hlinkClick r:id="rId3">
+                <a:hlinkClick r:id="rId4">
                   <a:extLst>
                     <a:ext uri="{A12FA001-AC4F-418D-AE19-62706E023703}">
                       <ahyp:hlinkClr xmlns:ahyp="http://schemas.microsoft.com/office/drawing/2018/hyperlinkcolor" val="tx"/>
@@ -4221,308 +4769,206 @@
               <a:t>WWW.ALVINASHCRAFT.Co</a:t>
             </a:r>
             <a:r>
-              <a:rPr lang="en-US" sz="1500" b="0" i="0" u="sng" strike="noStrike" cap="all" dirty="0" err="1">
-                <a:solidFill>
-                  <a:schemeClr val="tx1"/>
-                </a:solidFill>
+              <a:rPr lang="en-US" b="0" i="0" u="sng" strike="noStrike" cap="all" err="1">
                 <a:effectLst/>
                 <a:latin typeface="Tw Cen MT" panose="020B0602020104020603" pitchFamily="34" charset="77"/>
               </a:rPr>
               <a:t>m</a:t>
             </a:r>
-            <a:endParaRPr lang="en-US" sz="1500" b="0" i="0" dirty="0">
-              <a:solidFill>
-                <a:schemeClr val="tx1"/>
-              </a:solidFill>
+            <a:endParaRPr lang="en-US" b="0" i="0">
               <a:effectLst/>
               <a:latin typeface="Arial" panose="020B0604020202020204" pitchFamily="34" charset="0"/>
             </a:endParaRPr>
           </a:p>
           <a:p>
             <a:pPr lvl="1" fontAlgn="base">
-              <a:lnSpc>
-                <a:spcPct val="90000"/>
-              </a:lnSpc>
               <a:buFont typeface="Arial" panose="020B0604020202020204" pitchFamily="34" charset="0"/>
               <a:buChar char="•"/>
             </a:pPr>
             <a:r>
-              <a:rPr lang="en-US" sz="1500" b="0" i="0" u="none" strike="noStrike" cap="all" dirty="0">
-                <a:solidFill>
-                  <a:schemeClr val="tx1"/>
-                </a:solidFill>
+              <a:rPr lang="en-US" b="0" i="0" u="none" strike="noStrike" cap="all">
                 <a:effectLst/>
                 <a:latin typeface="Tw Cen MT" panose="020B0602020104020603" pitchFamily="34" charset="77"/>
               </a:rPr>
               <a:t>DAILY LINKS FOR DEVELOPERS SINCE 2007</a:t>
             </a:r>
             <a:r>
-              <a:rPr lang="en-US" sz="1500" b="0" i="0" dirty="0">
-                <a:solidFill>
-                  <a:schemeClr val="tx1"/>
-                </a:solidFill>
+              <a:rPr lang="en-US" b="0" i="0">
                 <a:effectLst/>
                 <a:latin typeface="Tw Cen MT" panose="020B0602020104020603" pitchFamily="34" charset="77"/>
               </a:rPr>
               <a:t>​</a:t>
             </a:r>
-            <a:endParaRPr lang="en-US" sz="1500" b="0" i="0" dirty="0">
-              <a:solidFill>
-                <a:schemeClr val="tx1"/>
-              </a:solidFill>
+            <a:endParaRPr lang="en-US" b="0" i="0">
               <a:effectLst/>
               <a:latin typeface="Arial" panose="020B0604020202020204" pitchFamily="34" charset="0"/>
             </a:endParaRPr>
           </a:p>
           <a:p>
             <a:pPr rtl="0" fontAlgn="base">
-              <a:lnSpc>
-                <a:spcPct val="90000"/>
-              </a:lnSpc>
               <a:buFont typeface="Arial" panose="020B0604020202020204" pitchFamily="34" charset="0"/>
               <a:buChar char="•"/>
             </a:pPr>
             <a:r>
-              <a:rPr lang="en-US" sz="1500" b="0" i="0" u="none" strike="noStrike" cap="all" dirty="0">
-                <a:solidFill>
-                  <a:schemeClr val="tx1"/>
-                </a:solidFill>
+              <a:rPr lang="en-US" b="0" i="0" u="none" strike="noStrike" cap="all">
                 <a:effectLst/>
                 <a:latin typeface="Tw Cen MT" panose="020B0602020104020603" pitchFamily="34" charset="77"/>
               </a:rPr>
               <a:t>AUTHOR OF 3 BOOKS</a:t>
             </a:r>
             <a:r>
-              <a:rPr lang="en-US" sz="1500" b="0" i="0" dirty="0">
-                <a:solidFill>
-                  <a:schemeClr val="tx1"/>
-                </a:solidFill>
+              <a:rPr lang="en-US" b="0" i="0">
                 <a:effectLst/>
                 <a:latin typeface="Tw Cen MT" panose="020B0602020104020603" pitchFamily="34" charset="77"/>
               </a:rPr>
               <a:t>​ - </a:t>
             </a:r>
             <a:r>
-              <a:rPr lang="en-US" sz="1500" b="0" i="0" dirty="0" err="1">
-                <a:solidFill>
-                  <a:schemeClr val="tx1"/>
-                </a:solidFill>
+              <a:rPr lang="en-US" b="0" i="0" err="1">
                 <a:effectLst/>
                 <a:latin typeface="Tw Cen MT" panose="020B0602020104020603" pitchFamily="34" charset="77"/>
               </a:rPr>
               <a:t>Packt</a:t>
             </a:r>
             <a:r>
-              <a:rPr lang="en-US" sz="1500" b="0" i="0" dirty="0">
-                <a:solidFill>
-                  <a:schemeClr val="tx1"/>
-                </a:solidFill>
+              <a:rPr lang="en-US" b="0" i="0">
                 <a:effectLst/>
                 <a:latin typeface="Tw Cen MT" panose="020B0602020104020603" pitchFamily="34" charset="77"/>
               </a:rPr>
               <a:t> Publishing</a:t>
             </a:r>
-            <a:endParaRPr lang="en-US" sz="1500" b="0" i="0" dirty="0">
-              <a:solidFill>
-                <a:schemeClr val="tx1"/>
-              </a:solidFill>
+            <a:endParaRPr lang="en-US" b="0" i="0">
               <a:effectLst/>
               <a:latin typeface="Arial" panose="020B0604020202020204" pitchFamily="34" charset="0"/>
             </a:endParaRPr>
           </a:p>
           <a:p>
             <a:pPr lvl="1" fontAlgn="base">
-              <a:lnSpc>
-                <a:spcPct val="90000"/>
-              </a:lnSpc>
               <a:buFont typeface="Arial" panose="020B0604020202020204" pitchFamily="34" charset="0"/>
               <a:buChar char="•"/>
             </a:pPr>
             <a:r>
-              <a:rPr lang="en-US" sz="1500" b="0" i="0" u="none" strike="noStrike" cap="all" dirty="0">
-                <a:solidFill>
-                  <a:schemeClr val="tx1"/>
-                </a:solidFill>
+              <a:rPr lang="en-US" b="0" i="0" u="none" strike="noStrike" cap="all">
                 <a:effectLst/>
                 <a:latin typeface="Tw Cen MT" panose="020B0602020104020603" pitchFamily="34" charset="77"/>
               </a:rPr>
               <a:t>LEARN WINUI 3 (1ST &amp; 2ND EDITIONS)</a:t>
             </a:r>
             <a:r>
-              <a:rPr lang="en-US" sz="1500" b="0" i="0" dirty="0">
-                <a:solidFill>
-                  <a:schemeClr val="tx1"/>
-                </a:solidFill>
+              <a:rPr lang="en-US" b="0" i="0">
                 <a:effectLst/>
                 <a:latin typeface="Tw Cen MT" panose="020B0602020104020603" pitchFamily="34" charset="77"/>
               </a:rPr>
               <a:t>​</a:t>
             </a:r>
-            <a:endParaRPr lang="en-US" sz="1500" b="0" i="0" dirty="0">
-              <a:solidFill>
-                <a:schemeClr val="tx1"/>
-              </a:solidFill>
+            <a:endParaRPr lang="en-US" b="0" i="0">
               <a:effectLst/>
               <a:latin typeface="Arial" panose="020B0604020202020204" pitchFamily="34" charset="0"/>
             </a:endParaRPr>
           </a:p>
           <a:p>
             <a:pPr lvl="1" fontAlgn="base">
-              <a:lnSpc>
-                <a:spcPct val="90000"/>
-              </a:lnSpc>
               <a:buFont typeface="Arial" panose="020B0604020202020204" pitchFamily="34" charset="0"/>
               <a:buChar char="•"/>
             </a:pPr>
             <a:r>
-              <a:rPr lang="en-US" sz="1500" b="0" i="0" u="none" strike="noStrike" cap="all" dirty="0">
-                <a:solidFill>
-                  <a:schemeClr val="tx1"/>
-                </a:solidFill>
+              <a:rPr lang="en-US" b="0" i="0" u="none" strike="noStrike" cap="all">
                 <a:effectLst/>
                 <a:latin typeface="Tw Cen MT" panose="020B0602020104020603" pitchFamily="34" charset="77"/>
               </a:rPr>
               <a:t>PARALLEL PROGRAMMING AND CONCURRENCY WITH C# 10 AND .NET 6</a:t>
             </a:r>
             <a:r>
-              <a:rPr lang="en-US" sz="1500" b="0" i="0" dirty="0">
-                <a:solidFill>
-                  <a:schemeClr val="tx1"/>
-                </a:solidFill>
+              <a:rPr lang="en-US" b="0" i="0">
                 <a:effectLst/>
                 <a:latin typeface="Tw Cen MT" panose="020B0602020104020603" pitchFamily="34" charset="77"/>
               </a:rPr>
               <a:t>​</a:t>
             </a:r>
-            <a:endParaRPr lang="en-US" sz="1500" b="0" i="0" dirty="0">
-              <a:solidFill>
-                <a:schemeClr val="tx1"/>
-              </a:solidFill>
+            <a:endParaRPr lang="en-US" b="0" i="0">
               <a:effectLst/>
               <a:latin typeface="Arial" panose="020B0604020202020204" pitchFamily="34" charset="0"/>
             </a:endParaRPr>
           </a:p>
           <a:p>
             <a:pPr rtl="0" fontAlgn="base">
-              <a:lnSpc>
-                <a:spcPct val="90000"/>
-              </a:lnSpc>
               <a:buFont typeface="Arial" panose="020B0604020202020204" pitchFamily="34" charset="0"/>
               <a:buChar char="•"/>
             </a:pPr>
             <a:r>
-              <a:rPr lang="en-US" sz="1500" b="0" i="0" u="none" strike="noStrike" cap="all" dirty="0">
-                <a:solidFill>
-                  <a:schemeClr val="tx1"/>
-                </a:solidFill>
+              <a:rPr lang="en-US" b="0" i="0" u="none" strike="noStrike" cap="all">
                 <a:effectLst/>
                 <a:latin typeface="Tw Cen MT" panose="020B0602020104020603" pitchFamily="34" charset="77"/>
               </a:rPr>
               <a:t>JOINED MICROSOFT in March 2022</a:t>
             </a:r>
             <a:r>
-              <a:rPr lang="en-US" sz="1500" b="0" i="0" dirty="0">
-                <a:solidFill>
-                  <a:schemeClr val="tx1"/>
-                </a:solidFill>
+              <a:rPr lang="en-US" b="0" i="0">
                 <a:effectLst/>
                 <a:latin typeface="Tw Cen MT" panose="020B0602020104020603" pitchFamily="34" charset="77"/>
               </a:rPr>
               <a:t>​ - Sr. Content Developer</a:t>
             </a:r>
-            <a:endParaRPr lang="en-US" sz="1500" b="0" i="0" dirty="0">
-              <a:solidFill>
-                <a:schemeClr val="tx1"/>
-              </a:solidFill>
+            <a:endParaRPr lang="en-US" b="0" i="0">
               <a:effectLst/>
               <a:latin typeface="Arial" panose="020B0604020202020204" pitchFamily="34" charset="0"/>
             </a:endParaRPr>
           </a:p>
           <a:p>
             <a:pPr lvl="1" fontAlgn="base">
-              <a:lnSpc>
-                <a:spcPct val="90000"/>
-              </a:lnSpc>
               <a:buFont typeface="Arial" panose="020B0604020202020204" pitchFamily="34" charset="0"/>
               <a:buChar char="•"/>
             </a:pPr>
             <a:r>
-              <a:rPr lang="en-US" sz="1500" b="0" i="0" u="none" strike="noStrike" cap="all" dirty="0">
-                <a:solidFill>
-                  <a:schemeClr val="tx1"/>
-                </a:solidFill>
+              <a:rPr lang="en-US" b="0" i="0" u="none" strike="noStrike" cap="all">
                 <a:effectLst/>
                 <a:latin typeface="Tw Cen MT" panose="020B0602020104020603" pitchFamily="34" charset="77"/>
               </a:rPr>
               <a:t>CONTENT TEAM &gt; SKILLING ORG &gt; COMMERCE &amp; ECOSYSTEMS</a:t>
             </a:r>
             <a:r>
-              <a:rPr lang="en-US" sz="1500" b="0" i="0" dirty="0">
-                <a:solidFill>
-                  <a:schemeClr val="tx1"/>
-                </a:solidFill>
+              <a:rPr lang="en-US" b="0" i="0">
                 <a:effectLst/>
                 <a:latin typeface="Tw Cen MT" panose="020B0602020104020603" pitchFamily="34" charset="77"/>
               </a:rPr>
               <a:t>​</a:t>
             </a:r>
-            <a:endParaRPr lang="en-US" sz="1500" b="0" i="0" dirty="0">
-              <a:solidFill>
-                <a:schemeClr val="tx1"/>
-              </a:solidFill>
+            <a:endParaRPr lang="en-US" b="0" i="0">
               <a:effectLst/>
               <a:latin typeface="Arial" panose="020B0604020202020204" pitchFamily="34" charset="0"/>
             </a:endParaRPr>
           </a:p>
           <a:p>
             <a:pPr lvl="1" fontAlgn="base">
-              <a:lnSpc>
-                <a:spcPct val="90000"/>
-              </a:lnSpc>
               <a:buFont typeface="Arial" panose="020B0604020202020204" pitchFamily="34" charset="0"/>
               <a:buChar char="•"/>
             </a:pPr>
             <a:r>
-              <a:rPr lang="en-US" sz="1500" b="0" i="0" u="none" strike="noStrike" cap="all" dirty="0">
-                <a:solidFill>
-                  <a:schemeClr val="tx1"/>
-                </a:solidFill>
+              <a:rPr lang="en-US" b="0" i="0" u="none" strike="noStrike" cap="all">
                 <a:effectLst/>
                 <a:latin typeface="Tw Cen MT" panose="020B0602020104020603" pitchFamily="34" charset="77"/>
               </a:rPr>
               <a:t>WINDOWS Developer Documentation (WIN32/UWP/WINDOWS APP SDK)</a:t>
             </a:r>
             <a:r>
-              <a:rPr lang="en-US" sz="1500" b="0" i="0" dirty="0">
-                <a:solidFill>
-                  <a:schemeClr val="tx1"/>
-                </a:solidFill>
+              <a:rPr lang="en-US" b="0" i="0">
                 <a:effectLst/>
                 <a:latin typeface="Tw Cen MT" panose="020B0602020104020603" pitchFamily="34" charset="77"/>
               </a:rPr>
               <a:t>​</a:t>
             </a:r>
-            <a:endParaRPr lang="en-US" sz="1500" b="0" i="0" dirty="0">
-              <a:solidFill>
-                <a:schemeClr val="tx1"/>
-              </a:solidFill>
+            <a:endParaRPr lang="en-US" b="0" i="0">
               <a:effectLst/>
               <a:latin typeface="Arial" panose="020B0604020202020204" pitchFamily="34" charset="0"/>
             </a:endParaRPr>
           </a:p>
           <a:p>
             <a:pPr rtl="0" fontAlgn="base">
-              <a:lnSpc>
-                <a:spcPct val="90000"/>
-              </a:lnSpc>
               <a:buFont typeface="Arial" panose="020B0604020202020204" pitchFamily="34" charset="0"/>
               <a:buChar char="•"/>
             </a:pPr>
             <a:r>
-              <a:rPr lang="en-US" sz="1500" b="0" i="0" u="none" strike="noStrike" cap="all" dirty="0">
-                <a:solidFill>
-                  <a:schemeClr val="tx1"/>
-                </a:solidFill>
+              <a:rPr lang="en-US" b="0" i="0" u="none" strike="noStrike" cap="all">
                 <a:effectLst/>
                 <a:latin typeface="Tw Cen MT" panose="020B0602020104020603" pitchFamily="34" charset="77"/>
               </a:rPr>
@@ -4531,37 +4977,25 @@
           </a:p>
           <a:p>
             <a:pPr lvl="1" fontAlgn="base">
-              <a:lnSpc>
-                <a:spcPct val="90000"/>
-              </a:lnSpc>
               <a:buFont typeface="Arial" panose="020B0604020202020204" pitchFamily="34" charset="0"/>
               <a:buChar char="•"/>
             </a:pPr>
             <a:r>
-              <a:rPr lang="en-US" sz="1500" b="0" i="0" u="none" strike="noStrike" cap="all" dirty="0">
-                <a:solidFill>
-                  <a:schemeClr val="tx1"/>
-                </a:solidFill>
+              <a:rPr lang="en-US" b="0" i="0" u="none" strike="noStrike" cap="all">
                 <a:effectLst/>
                 <a:latin typeface="Tw Cen MT" panose="020B0602020104020603" pitchFamily="34" charset="77"/>
               </a:rPr>
               <a:t>ORGANIZER Since </a:t>
             </a:r>
             <a:r>
-              <a:rPr lang="en-US" sz="1500" b="0" i="0" u="none" strike="noStrike" cap="all" dirty="0" err="1">
-                <a:solidFill>
-                  <a:schemeClr val="tx1"/>
-                </a:solidFill>
+              <a:rPr lang="en-US" b="0" i="0" u="none" strike="noStrike" cap="all" err="1">
                 <a:effectLst/>
                 <a:latin typeface="Tw Cen MT" panose="020B0602020104020603" pitchFamily="34" charset="77"/>
               </a:rPr>
               <a:t>TechBash</a:t>
             </a:r>
             <a:r>
-              <a:rPr lang="en-US" sz="1500" b="0" i="0" u="none" strike="noStrike" cap="all" dirty="0">
-                <a:solidFill>
-                  <a:schemeClr val="tx1"/>
-                </a:solidFill>
+              <a:rPr lang="en-US" b="0" i="0" u="none" strike="noStrike" cap="all">
                 <a:effectLst/>
                 <a:latin typeface="Tw Cen MT" panose="020B0602020104020603" pitchFamily="34" charset="77"/>
               </a:rPr>
@@ -4570,17 +5004,11 @@
           </a:p>
           <a:p>
             <a:pPr lvl="1" fontAlgn="base">
-              <a:lnSpc>
-                <a:spcPct val="90000"/>
-              </a:lnSpc>
               <a:buFont typeface="Arial" panose="020B0604020202020204" pitchFamily="34" charset="0"/>
               <a:buChar char="•"/>
             </a:pPr>
             <a:r>
-              <a:rPr lang="en-US" sz="1500" b="0" i="0" u="none" strike="noStrike" cap="all" dirty="0">
-                <a:solidFill>
-                  <a:schemeClr val="tx1"/>
-                </a:solidFill>
+              <a:rPr lang="en-US" b="0" i="0" u="none" strike="noStrike" cap="all">
                 <a:effectLst/>
                 <a:latin typeface="Tw Cen MT" panose="020B0602020104020603" pitchFamily="34" charset="77"/>
               </a:rPr>
@@ -4589,10 +5017,1126 @@
           </a:p>
         </p:txBody>
       </p:sp>
+      <p:sp>
+        <p:nvSpPr>
+          <p:cNvPr id="13" name="Rectangle 12">
+            <a:extLst>
+              <a:ext uri="{FF2B5EF4-FFF2-40B4-BE49-F238E27FC236}">
+                <a16:creationId xmlns:a16="http://schemas.microsoft.com/office/drawing/2014/main" id="{616F9FD8-4CFE-4C77-8F29-5D801C57E2AB}"/>
+              </a:ext>
+              <a:ext uri="{C183D7F6-B498-43B3-948B-1728B52AA6E4}">
+                <adec:decorative xmlns:adec="http://schemas.microsoft.com/office/drawing/2017/decorative" val="1"/>
+              </a:ext>
+            </a:extLst>
+          </p:cNvPr>
+          <p:cNvSpPr>
+            <a:spLocks noGrp="1" noRot="1" noChangeAspect="1" noMove="1" noResize="1" noEditPoints="1" noAdjustHandles="1" noChangeArrowheads="1" noChangeShapeType="1" noTextEdit="1"/>
+          </p:cNvSpPr>
+          <p:nvPr>
+            <p:extLst>
+              <p:ext uri="{386F3935-93C4-4BCD-93E2-E3B085C9AB24}">
+                <p16:designElem xmlns:p16="http://schemas.microsoft.com/office/powerpoint/2015/main" val="1"/>
+              </p:ext>
+            </p:extLst>
+          </p:nvPr>
+        </p:nvSpPr>
+        <p:spPr>
+          <a:xfrm>
+            <a:off x="11815864" y="758952"/>
+            <a:ext cx="384048" cy="5330952"/>
+          </a:xfrm>
+          <a:prstGeom prst="rect">
+            <a:avLst/>
+          </a:prstGeom>
+          <a:solidFill>
+            <a:srgbClr val="C8C8C8">
+              <a:alpha val="49804"/>
+            </a:srgbClr>
+          </a:solidFill>
+          <a:ln>
+            <a:noFill/>
+          </a:ln>
+        </p:spPr>
+        <p:style>
+          <a:lnRef idx="2">
+            <a:schemeClr val="accent1">
+              <a:shade val="50000"/>
+            </a:schemeClr>
+          </a:lnRef>
+          <a:fillRef idx="1">
+            <a:schemeClr val="accent1"/>
+          </a:fillRef>
+          <a:effectRef idx="0">
+            <a:schemeClr val="accent1"/>
+          </a:effectRef>
+          <a:fontRef idx="minor">
+            <a:schemeClr val="lt1"/>
+          </a:fontRef>
+        </p:style>
+        <p:txBody>
+          <a:bodyPr/>
+          <a:lstStyle/>
+          <a:p>
+            <a:endParaRPr lang="en-US"/>
+          </a:p>
+        </p:txBody>
+      </p:sp>
     </p:spTree>
     <p:extLst>
       <p:ext uri="{BB962C8B-B14F-4D97-AF65-F5344CB8AC3E}">
         <p14:creationId xmlns:p14="http://schemas.microsoft.com/office/powerpoint/2010/main" val="2629560714"/>
+      </p:ext>
+    </p:extLst>
+  </p:cSld>
+  <p:clrMapOvr>
+    <a:masterClrMapping/>
+  </p:clrMapOvr>
+</p:sld>
+</file>
+
+<file path=ppt/slides/slide3.xml><?xml version="1.0" encoding="utf-8"?>
+<p:sld xmlns:a="http://schemas.openxmlformats.org/drawingml/2006/main" xmlns:r="http://schemas.openxmlformats.org/officeDocument/2006/relationships" xmlns:p="http://schemas.openxmlformats.org/presentationml/2006/main">
+  <p:cSld>
+    <p:spTree>
+      <p:nvGrpSpPr>
+        <p:cNvPr id="1" name=""/>
+        <p:cNvGrpSpPr/>
+        <p:nvPr/>
+      </p:nvGrpSpPr>
+      <p:grpSpPr>
+        <a:xfrm>
+          <a:off x="0" y="0"/>
+          <a:ext cx="0" cy="0"/>
+          <a:chOff x="0" y="0"/>
+          <a:chExt cx="0" cy="0"/>
+        </a:xfrm>
+      </p:grpSpPr>
+      <p:sp>
+        <p:nvSpPr>
+          <p:cNvPr id="13" name="Rectangle 12">
+            <a:extLst>
+              <a:ext uri="{FF2B5EF4-FFF2-40B4-BE49-F238E27FC236}">
+                <a16:creationId xmlns:a16="http://schemas.microsoft.com/office/drawing/2014/main" id="{EF6A578F-CEAC-4062-B6A7-640B1A396BCF}"/>
+              </a:ext>
+            </a:extLst>
+          </p:cNvPr>
+          <p:cNvSpPr/>
+          <p:nvPr/>
+        </p:nvSpPr>
+        <p:spPr>
+          <a:xfrm>
+            <a:off x="0" y="1122303"/>
+            <a:ext cx="12192000" cy="5735697"/>
+          </a:xfrm>
+          <a:prstGeom prst="rect">
+            <a:avLst/>
+          </a:prstGeom>
+          <a:solidFill>
+            <a:srgbClr val="E3F1FA"/>
+          </a:solidFill>
+          <a:ln>
+            <a:noFill/>
+          </a:ln>
+        </p:spPr>
+        <p:style>
+          <a:lnRef idx="2">
+            <a:schemeClr val="accent1">
+              <a:shade val="50000"/>
+            </a:schemeClr>
+          </a:lnRef>
+          <a:fillRef idx="1">
+            <a:schemeClr val="accent1"/>
+          </a:fillRef>
+          <a:effectRef idx="0">
+            <a:schemeClr val="accent1"/>
+          </a:effectRef>
+          <a:fontRef idx="minor">
+            <a:schemeClr val="lt1"/>
+          </a:fontRef>
+        </p:style>
+        <p:txBody>
+          <a:bodyPr rtlCol="0" anchor="ctr"/>
+          <a:lstStyle/>
+          <a:p>
+            <a:pPr algn="ctr"/>
+            <a:endParaRPr lang="en-US"/>
+          </a:p>
+        </p:txBody>
+      </p:sp>
+      <p:sp>
+        <p:nvSpPr>
+          <p:cNvPr id="2" name="Rectangle 1">
+            <a:extLst>
+              <a:ext uri="{FF2B5EF4-FFF2-40B4-BE49-F238E27FC236}">
+                <a16:creationId xmlns:a16="http://schemas.microsoft.com/office/drawing/2014/main" id="{47ADA133-D8C7-4CA7-8F73-DBA01B8D925C}"/>
+              </a:ext>
+            </a:extLst>
+          </p:cNvPr>
+          <p:cNvSpPr/>
+          <p:nvPr/>
+        </p:nvSpPr>
+        <p:spPr>
+          <a:xfrm>
+            <a:off x="1" y="-1"/>
+            <a:ext cx="12192000" cy="1050587"/>
+          </a:xfrm>
+          <a:prstGeom prst="rect">
+            <a:avLst/>
+          </a:prstGeom>
+          <a:solidFill>
+            <a:schemeClr val="bg1"/>
+          </a:solidFill>
+          <a:ln>
+            <a:noFill/>
+          </a:ln>
+        </p:spPr>
+        <p:style>
+          <a:lnRef idx="2">
+            <a:schemeClr val="accent1">
+              <a:shade val="50000"/>
+            </a:schemeClr>
+          </a:lnRef>
+          <a:fillRef idx="1">
+            <a:schemeClr val="accent1"/>
+          </a:fillRef>
+          <a:effectRef idx="0">
+            <a:schemeClr val="accent1"/>
+          </a:effectRef>
+          <a:fontRef idx="minor">
+            <a:schemeClr val="lt1"/>
+          </a:fontRef>
+        </p:style>
+        <p:txBody>
+          <a:bodyPr rtlCol="0" anchor="ctr"/>
+          <a:lstStyle/>
+          <a:p>
+            <a:pPr algn="ctr"/>
+            <a:endParaRPr lang="en-US" dirty="0"/>
+          </a:p>
+        </p:txBody>
+      </p:sp>
+      <p:pic>
+        <p:nvPicPr>
+          <p:cNvPr id="4" name="Picture 4" descr="A picture containing text, map&#10;&#10;Description generated with very high confidence">
+            <a:extLst>
+              <a:ext uri="{FF2B5EF4-FFF2-40B4-BE49-F238E27FC236}">
+                <a16:creationId xmlns:a16="http://schemas.microsoft.com/office/drawing/2014/main" id="{2F15CFF6-EB6F-4E50-BCC9-09B91C4E1B1C}"/>
+              </a:ext>
+            </a:extLst>
+          </p:cNvPr>
+          <p:cNvPicPr>
+            <a:picLocks noChangeAspect="1"/>
+          </p:cNvPicPr>
+          <p:nvPr/>
+        </p:nvPicPr>
+        <p:blipFill>
+          <a:blip r:embed="rId3"/>
+          <a:stretch>
+            <a:fillRect/>
+          </a:stretch>
+        </p:blipFill>
+        <p:spPr>
+          <a:xfrm>
+            <a:off x="7782965" y="1290158"/>
+            <a:ext cx="4251873" cy="2574681"/>
+          </a:xfrm>
+          <a:prstGeom prst="rect">
+            <a:avLst/>
+          </a:prstGeom>
+        </p:spPr>
+      </p:pic>
+      <p:sp>
+        <p:nvSpPr>
+          <p:cNvPr id="8" name="TextBox 7">
+            <a:extLst>
+              <a:ext uri="{FF2B5EF4-FFF2-40B4-BE49-F238E27FC236}">
+                <a16:creationId xmlns:a16="http://schemas.microsoft.com/office/drawing/2014/main" id="{DA79E18D-A6D8-4DDA-8EA0-0B22236190BC}"/>
+              </a:ext>
+            </a:extLst>
+          </p:cNvPr>
+          <p:cNvSpPr txBox="1"/>
+          <p:nvPr/>
+        </p:nvSpPr>
+        <p:spPr>
+          <a:xfrm>
+            <a:off x="157162" y="1334645"/>
+            <a:ext cx="11153775" cy="4291944"/>
+          </a:xfrm>
+          <a:prstGeom prst="rect">
+            <a:avLst/>
+          </a:prstGeom>
+          <a:noFill/>
+        </p:spPr>
+        <p:txBody>
+          <a:bodyPr rot="0" spcFirstLastPara="0" vertOverflow="overflow" horzOverflow="overflow" vert="horz" wrap="square" lIns="91440" tIns="45720" rIns="91440" bIns="45720" numCol="1" spcCol="0" rtlCol="0" fromWordArt="0" anchor="t" anchorCtr="0" forceAA="0" compatLnSpc="1">
+            <a:prstTxWarp prst="textNoShape">
+              <a:avLst/>
+            </a:prstTxWarp>
+            <a:spAutoFit/>
+          </a:bodyPr>
+          <a:lstStyle/>
+          <a:p>
+            <a:pPr marL="342900" indent="-342900">
+              <a:lnSpc>
+                <a:spcPct val="125000"/>
+              </a:lnSpc>
+              <a:buFont typeface="Wingdings" panose="05000000000000000000" pitchFamily="2" charset="2"/>
+              <a:buChar char="§"/>
+            </a:pPr>
+            <a:r>
+              <a:rPr lang="en-US" sz="2200" dirty="0">
+                <a:solidFill>
+                  <a:srgbClr val="121921"/>
+                </a:solidFill>
+                <a:latin typeface="Source Sans Pro" panose="020B0503030403020204" pitchFamily="34" charset="0"/>
+                <a:ea typeface="Source Sans Pro" panose="020B0503030403020204" pitchFamily="34" charset="0"/>
+                <a:cs typeface="Arial"/>
+              </a:rPr>
+              <a:t>Amazing speakers with fresh content.</a:t>
+            </a:r>
+            <a:endParaRPr lang="en-US" sz="2400" dirty="0">
+              <a:cs typeface="Calibri" panose="020F0502020204030204"/>
+            </a:endParaRPr>
+          </a:p>
+          <a:p>
+            <a:pPr marL="342900" indent="-342900">
+              <a:lnSpc>
+                <a:spcPct val="125000"/>
+              </a:lnSpc>
+              <a:buFont typeface="Wingdings" panose="05000000000000000000" pitchFamily="2" charset="2"/>
+              <a:buChar char="§"/>
+            </a:pPr>
+            <a:r>
+              <a:rPr lang="en-US" sz="2200" dirty="0">
+                <a:solidFill>
+                  <a:srgbClr val="121921"/>
+                </a:solidFill>
+                <a:latin typeface="Source Sans Pro" panose="020B0503030403020204" pitchFamily="34" charset="0"/>
+                <a:ea typeface="Source Sans Pro" panose="020B0503030403020204" pitchFamily="34" charset="0"/>
+                <a:cs typeface="Arial"/>
+              </a:rPr>
+              <a:t>A fraction of the cost of the more crowded conferences.</a:t>
+            </a:r>
+          </a:p>
+          <a:p>
+            <a:pPr>
+              <a:lnSpc>
+                <a:spcPct val="125000"/>
+              </a:lnSpc>
+            </a:pPr>
+            <a:r>
+              <a:rPr lang="en-US" sz="2200" dirty="0">
+                <a:solidFill>
+                  <a:srgbClr val="121921"/>
+                </a:solidFill>
+                <a:latin typeface="Source Sans Pro"/>
+                <a:ea typeface="Source Sans Pro"/>
+                <a:cs typeface="Arial"/>
+              </a:rPr>
+              <a:t>         - 3-day conference plus lodging for ~$1000 </a:t>
+            </a:r>
+          </a:p>
+          <a:p>
+            <a:pPr marL="342900" indent="-342900">
+              <a:lnSpc>
+                <a:spcPct val="125000"/>
+              </a:lnSpc>
+              <a:buFont typeface="Wingdings" panose="05000000000000000000" pitchFamily="2" charset="2"/>
+              <a:buChar char="§"/>
+            </a:pPr>
+            <a:r>
+              <a:rPr lang="en-US" sz="2200" dirty="0">
+                <a:solidFill>
+                  <a:srgbClr val="121921"/>
+                </a:solidFill>
+                <a:latin typeface="Source Sans Pro"/>
+                <a:ea typeface="Source Sans Pro"/>
+                <a:cs typeface="Arial"/>
+              </a:rPr>
+              <a:t>4</a:t>
+            </a:r>
+            <a:r>
+              <a:rPr lang="en-US" sz="2200" baseline="30000" dirty="0">
+                <a:solidFill>
+                  <a:srgbClr val="121921"/>
+                </a:solidFill>
+                <a:latin typeface="Source Sans Pro"/>
+                <a:ea typeface="Source Sans Pro"/>
+                <a:cs typeface="Arial"/>
+              </a:rPr>
+              <a:t>th</a:t>
+            </a:r>
+            <a:r>
+              <a:rPr lang="en-US" sz="2200" dirty="0">
+                <a:solidFill>
+                  <a:srgbClr val="121921"/>
+                </a:solidFill>
+                <a:latin typeface="Source Sans Pro"/>
+                <a:ea typeface="Source Sans Pro"/>
+                <a:cs typeface="Arial"/>
+              </a:rPr>
+              <a:t> day of pre-conference workshops available.</a:t>
+            </a:r>
+          </a:p>
+          <a:p>
+            <a:pPr marL="342900" indent="-342900">
+              <a:lnSpc>
+                <a:spcPct val="125000"/>
+              </a:lnSpc>
+              <a:buFont typeface="Wingdings" panose="05000000000000000000" pitchFamily="2" charset="2"/>
+              <a:buChar char="§"/>
+            </a:pPr>
+            <a:r>
+              <a:rPr lang="en-US" sz="2200" dirty="0">
+                <a:solidFill>
+                  <a:srgbClr val="121921"/>
+                </a:solidFill>
+                <a:latin typeface="Source Sans Pro"/>
+                <a:ea typeface="Source Sans Pro"/>
+                <a:cs typeface="Arial"/>
+              </a:rPr>
+              <a:t>Kalahari Resort Poconos – easy drive from major NE cities.</a:t>
+            </a:r>
+            <a:endParaRPr lang="en-US" sz="2200" dirty="0">
+              <a:solidFill>
+                <a:srgbClr val="121921"/>
+              </a:solidFill>
+              <a:latin typeface="Source Sans Pro"/>
+              <a:ea typeface="Source Sans Pro"/>
+              <a:cs typeface="Calibri"/>
+            </a:endParaRPr>
+          </a:p>
+          <a:p>
+            <a:pPr marL="342900" indent="-342900">
+              <a:lnSpc>
+                <a:spcPct val="125000"/>
+              </a:lnSpc>
+              <a:buFont typeface="Wingdings" panose="05000000000000000000" pitchFamily="2" charset="2"/>
+              <a:buChar char="§"/>
+            </a:pPr>
+            <a:r>
+              <a:rPr lang="en-US" sz="2200" dirty="0">
+                <a:solidFill>
+                  <a:srgbClr val="121921"/>
+                </a:solidFill>
+                <a:latin typeface="Source Sans Pro"/>
+                <a:ea typeface="Source Sans Pro"/>
+                <a:cs typeface="Arial"/>
+              </a:rPr>
+              <a:t>World-class keynote speakers.</a:t>
+            </a:r>
+          </a:p>
+          <a:p>
+            <a:pPr marL="342900" indent="-342900">
+              <a:lnSpc>
+                <a:spcPct val="125000"/>
+              </a:lnSpc>
+              <a:buFont typeface="Wingdings" panose="05000000000000000000" pitchFamily="2" charset="2"/>
+              <a:buChar char="§"/>
+            </a:pPr>
+            <a:r>
+              <a:rPr lang="en-US" sz="2200" dirty="0">
+                <a:solidFill>
+                  <a:srgbClr val="121921"/>
+                </a:solidFill>
+                <a:latin typeface="Source Sans Pro"/>
+                <a:ea typeface="Source Sans Pro"/>
+                <a:cs typeface="Arial"/>
+              </a:rPr>
+              <a:t>In addition to the sessions, you get a great hallway track,                                                                amazing food, attendee Welcome Reception, Game Night &amp; more!</a:t>
+            </a:r>
+          </a:p>
+          <a:p>
+            <a:pPr marL="342900" indent="-342900">
+              <a:lnSpc>
+                <a:spcPct val="125000"/>
+              </a:lnSpc>
+              <a:buFont typeface="Wingdings" panose="05000000000000000000" pitchFamily="2" charset="2"/>
+              <a:buChar char="§"/>
+            </a:pPr>
+            <a:r>
+              <a:rPr lang="en-US" sz="2200" dirty="0">
+                <a:solidFill>
+                  <a:srgbClr val="121921"/>
+                </a:solidFill>
+                <a:latin typeface="Source Sans Pro"/>
+                <a:ea typeface="Source Sans Pro"/>
+                <a:cs typeface="Arial"/>
+              </a:rPr>
+              <a:t>Family Day Friday - full day of kids' sessions, free for attendees' families.</a:t>
+            </a:r>
+          </a:p>
+          <a:p>
+            <a:pPr marL="342900" indent="-342900">
+              <a:lnSpc>
+                <a:spcPct val="125000"/>
+              </a:lnSpc>
+              <a:buFont typeface="Wingdings" panose="05000000000000000000" pitchFamily="2" charset="2"/>
+              <a:buChar char="§"/>
+            </a:pPr>
+            <a:r>
+              <a:rPr lang="en-US" sz="2200" dirty="0">
+                <a:solidFill>
+                  <a:srgbClr val="121921"/>
+                </a:solidFill>
+                <a:latin typeface="Source Sans Pro"/>
+                <a:ea typeface="Source Sans Pro"/>
+                <a:cs typeface="Arial"/>
+              </a:rPr>
+              <a:t>Discounted hotel rooms with free water park access: stay, learn &amp; play all week!</a:t>
+            </a:r>
+          </a:p>
+        </p:txBody>
+      </p:sp>
+      <p:sp>
+        <p:nvSpPr>
+          <p:cNvPr id="9" name="TextBox 8">
+            <a:extLst>
+              <a:ext uri="{FF2B5EF4-FFF2-40B4-BE49-F238E27FC236}">
+                <a16:creationId xmlns:a16="http://schemas.microsoft.com/office/drawing/2014/main" id="{3E93AAE9-B6FF-416F-900F-43D38126E2F1}"/>
+              </a:ext>
+            </a:extLst>
+          </p:cNvPr>
+          <p:cNvSpPr txBox="1"/>
+          <p:nvPr/>
+        </p:nvSpPr>
+        <p:spPr>
+          <a:xfrm>
+            <a:off x="3313691" y="6194580"/>
+            <a:ext cx="5564615" cy="461665"/>
+          </a:xfrm>
+          <a:prstGeom prst="rect">
+            <a:avLst/>
+          </a:prstGeom>
+          <a:noFill/>
+        </p:spPr>
+        <p:txBody>
+          <a:bodyPr rot="0" spcFirstLastPara="0" vertOverflow="overflow" horzOverflow="overflow" vert="horz" wrap="square" lIns="91440" tIns="45720" rIns="91440" bIns="45720" numCol="1" spcCol="0" rtlCol="0" fromWordArt="0" anchor="t" anchorCtr="0" forceAA="0" compatLnSpc="1">
+            <a:prstTxWarp prst="textNoShape">
+              <a:avLst/>
+            </a:prstTxWarp>
+            <a:spAutoFit/>
+          </a:bodyPr>
+          <a:lstStyle/>
+          <a:p>
+            <a:r>
+              <a:rPr lang="en-US" sz="2400" dirty="0">
+                <a:solidFill>
+                  <a:srgbClr val="121921"/>
+                </a:solidFill>
+                <a:latin typeface="Source Sans Pro Black" panose="020B0803030403020204" pitchFamily="34" charset="0"/>
+                <a:ea typeface="Source Sans Pro" panose="020B0503030403020204" pitchFamily="34" charset="0"/>
+                <a:cs typeface="Segoe UI"/>
+                <a:hlinkClick r:id="rId4">
+                  <a:extLst>
+                    <a:ext uri="{A12FA001-AC4F-418D-AE19-62706E023703}">
+                      <ahyp:hlinkClr xmlns:ahyp="http://schemas.microsoft.com/office/drawing/2018/hyperlinkcolor" val="tx"/>
+                    </a:ext>
+                  </a:extLst>
+                </a:hlinkClick>
+              </a:rPr>
+              <a:t>https://techbash.com</a:t>
+            </a:r>
+            <a:r>
+              <a:rPr lang="en-US" sz="2400" dirty="0">
+                <a:solidFill>
+                  <a:srgbClr val="121921"/>
+                </a:solidFill>
+                <a:latin typeface="Source Sans Pro" panose="020B0503030403020204" pitchFamily="34" charset="0"/>
+                <a:ea typeface="Source Sans Pro" panose="020B0503030403020204" pitchFamily="34" charset="0"/>
+              </a:rPr>
+              <a:t> or </a:t>
+            </a:r>
+            <a:r>
+              <a:rPr lang="en-US" sz="2400" dirty="0">
+                <a:solidFill>
+                  <a:srgbClr val="121921"/>
+                </a:solidFill>
+                <a:latin typeface="Source Sans Pro Black" panose="020B0803030403020204" pitchFamily="34" charset="0"/>
+                <a:ea typeface="Source Sans Pro" panose="020B0503030403020204" pitchFamily="34" charset="0"/>
+              </a:rPr>
+              <a:t>@techbash</a:t>
+            </a:r>
+            <a:endParaRPr lang="en-US" sz="2400" dirty="0">
+              <a:solidFill>
+                <a:srgbClr val="121921"/>
+              </a:solidFill>
+              <a:latin typeface="Source Sans Pro Black" panose="020B0803030403020204" pitchFamily="34" charset="0"/>
+              <a:ea typeface="Source Sans Pro" panose="020B0503030403020204" pitchFamily="34" charset="0"/>
+              <a:cs typeface="Calibri"/>
+            </a:endParaRPr>
+          </a:p>
+        </p:txBody>
+      </p:sp>
+      <p:pic>
+        <p:nvPicPr>
+          <p:cNvPr id="10" name="Picture 10" descr="A picture containing indoor, building, table&#10;&#10;Description generated with high confidence">
+            <a:extLst>
+              <a:ext uri="{FF2B5EF4-FFF2-40B4-BE49-F238E27FC236}">
+                <a16:creationId xmlns:a16="http://schemas.microsoft.com/office/drawing/2014/main" id="{A92F3EB1-8376-4601-B443-DFB7DE3FFAA7}"/>
+              </a:ext>
+            </a:extLst>
+          </p:cNvPr>
+          <p:cNvPicPr>
+            <a:picLocks noChangeAspect="1"/>
+          </p:cNvPicPr>
+          <p:nvPr/>
+        </p:nvPicPr>
+        <p:blipFill>
+          <a:blip r:embed="rId5"/>
+          <a:stretch>
+            <a:fillRect/>
+          </a:stretch>
+        </p:blipFill>
+        <p:spPr>
+          <a:xfrm>
+            <a:off x="10663238" y="4077181"/>
+            <a:ext cx="1371600" cy="1695450"/>
+          </a:xfrm>
+          <a:prstGeom prst="rect">
+            <a:avLst/>
+          </a:prstGeom>
+        </p:spPr>
+      </p:pic>
+      <p:pic>
+        <p:nvPicPr>
+          <p:cNvPr id="5" name="Picture 4" descr="A close up of a logo&#10;&#10;Description automatically generated">
+            <a:extLst>
+              <a:ext uri="{FF2B5EF4-FFF2-40B4-BE49-F238E27FC236}">
+                <a16:creationId xmlns:a16="http://schemas.microsoft.com/office/drawing/2014/main" id="{5750C9C9-120D-4C81-BB23-3B8D109EA19A}"/>
+              </a:ext>
+            </a:extLst>
+          </p:cNvPr>
+          <p:cNvPicPr>
+            <a:picLocks noChangeAspect="1"/>
+          </p:cNvPicPr>
+          <p:nvPr/>
+        </p:nvPicPr>
+        <p:blipFill>
+          <a:blip r:embed="rId6" cstate="print">
+            <a:extLst>
+              <a:ext uri="{28A0092B-C50C-407E-A947-70E740481C1C}">
+                <a14:useLocalDpi xmlns:a14="http://schemas.microsoft.com/office/drawing/2010/main" val="0"/>
+              </a:ext>
+            </a:extLst>
+          </a:blip>
+          <a:stretch>
+            <a:fillRect/>
+          </a:stretch>
+        </p:blipFill>
+        <p:spPr>
+          <a:xfrm>
+            <a:off x="-1" y="1058824"/>
+            <a:ext cx="12192000" cy="71717"/>
+          </a:xfrm>
+          <a:prstGeom prst="rect">
+            <a:avLst/>
+          </a:prstGeom>
+        </p:spPr>
+      </p:pic>
+      <p:pic>
+        <p:nvPicPr>
+          <p:cNvPr id="11" name="Picture 10">
+            <a:extLst>
+              <a:ext uri="{FF2B5EF4-FFF2-40B4-BE49-F238E27FC236}">
+                <a16:creationId xmlns:a16="http://schemas.microsoft.com/office/drawing/2014/main" id="{E2AA25F2-6048-4660-B47E-23A873B0ADF3}"/>
+              </a:ext>
+            </a:extLst>
+          </p:cNvPr>
+          <p:cNvPicPr>
+            <a:picLocks noChangeAspect="1"/>
+          </p:cNvPicPr>
+          <p:nvPr/>
+        </p:nvPicPr>
+        <p:blipFill>
+          <a:blip r:embed="rId7" cstate="print">
+            <a:extLst>
+              <a:ext uri="{28A0092B-C50C-407E-A947-70E740481C1C}">
+                <a14:useLocalDpi xmlns:a14="http://schemas.microsoft.com/office/drawing/2010/main" val="0"/>
+              </a:ext>
+            </a:extLst>
+          </a:blip>
+          <a:srcRect/>
+          <a:stretch/>
+        </p:blipFill>
+        <p:spPr>
+          <a:xfrm>
+            <a:off x="174593" y="136187"/>
+            <a:ext cx="3977356" cy="772662"/>
+          </a:xfrm>
+          <a:prstGeom prst="rect">
+            <a:avLst/>
+          </a:prstGeom>
+        </p:spPr>
+      </p:pic>
+      <p:sp>
+        <p:nvSpPr>
+          <p:cNvPr id="12" name="TextBox 11">
+            <a:extLst>
+              <a:ext uri="{FF2B5EF4-FFF2-40B4-BE49-F238E27FC236}">
+                <a16:creationId xmlns:a16="http://schemas.microsoft.com/office/drawing/2014/main" id="{938AB65C-AA84-47D6-9062-85EA15816E10}"/>
+              </a:ext>
+            </a:extLst>
+          </p:cNvPr>
+          <p:cNvSpPr txBox="1"/>
+          <p:nvPr/>
+        </p:nvSpPr>
+        <p:spPr>
+          <a:xfrm>
+            <a:off x="4230877" y="302926"/>
+            <a:ext cx="7882196" cy="584775"/>
+          </a:xfrm>
+          <a:prstGeom prst="rect">
+            <a:avLst/>
+          </a:prstGeom>
+          <a:noFill/>
+        </p:spPr>
+        <p:txBody>
+          <a:bodyPr rot="0" spcFirstLastPara="0" vertOverflow="overflow" horzOverflow="overflow" vert="horz" wrap="square" lIns="91440" tIns="45720" rIns="91440" bIns="45720" numCol="1" spcCol="0" rtlCol="0" fromWordArt="0" anchor="t" anchorCtr="0" forceAA="0" compatLnSpc="1">
+            <a:prstTxWarp prst="textNoShape">
+              <a:avLst/>
+            </a:prstTxWarp>
+            <a:noAutofit/>
+          </a:bodyPr>
+          <a:lstStyle/>
+          <a:p>
+            <a:pPr algn="r"/>
+            <a:r>
+              <a:rPr lang="en-US" sz="3200" dirty="0">
+                <a:solidFill>
+                  <a:srgbClr val="121921"/>
+                </a:solidFill>
+                <a:latin typeface="Oswald"/>
+                <a:cs typeface="Segoe UI"/>
+              </a:rPr>
+              <a:t>September 24-27, 2024 | Pocono Manor, PA</a:t>
+            </a:r>
+            <a:endParaRPr lang="en-US" sz="3200" dirty="0">
+              <a:solidFill>
+                <a:srgbClr val="121921"/>
+              </a:solidFill>
+              <a:latin typeface="Oswald"/>
+              <a:cs typeface="Calibri"/>
+            </a:endParaRPr>
+          </a:p>
+        </p:txBody>
+      </p:sp>
+    </p:spTree>
+    <p:extLst>
+      <p:ext uri="{BB962C8B-B14F-4D97-AF65-F5344CB8AC3E}">
+        <p14:creationId xmlns:p14="http://schemas.microsoft.com/office/powerpoint/2010/main" val="3575180801"/>
+      </p:ext>
+    </p:extLst>
+  </p:cSld>
+  <p:clrMapOvr>
+    <a:masterClrMapping/>
+  </p:clrMapOvr>
+</p:sld>
+</file>
+
+<file path=ppt/slides/slide4.xml><?xml version="1.0" encoding="utf-8"?>
+<p:sld xmlns:a="http://schemas.openxmlformats.org/drawingml/2006/main" xmlns:r="http://schemas.openxmlformats.org/officeDocument/2006/relationships" xmlns:p="http://schemas.openxmlformats.org/presentationml/2006/main">
+  <p:cSld>
+    <p:bg>
+      <p:bgPr>
+        <a:solidFill>
+          <a:schemeClr val="bg1"/>
+        </a:solidFill>
+        <a:effectLst/>
+      </p:bgPr>
+    </p:bg>
+    <p:spTree>
+      <p:nvGrpSpPr>
+        <p:cNvPr id="1" name=""/>
+        <p:cNvGrpSpPr/>
+        <p:nvPr/>
+      </p:nvGrpSpPr>
+      <p:grpSpPr>
+        <a:xfrm>
+          <a:off x="0" y="0"/>
+          <a:ext cx="0" cy="0"/>
+          <a:chOff x="0" y="0"/>
+          <a:chExt cx="0" cy="0"/>
+        </a:xfrm>
+      </p:grpSpPr>
+      <p:sp useBgFill="1">
+        <p:nvSpPr>
+          <p:cNvPr id="8" name="Rectangle 7">
+            <a:extLst>
+              <a:ext uri="{FF2B5EF4-FFF2-40B4-BE49-F238E27FC236}">
+                <a16:creationId xmlns:a16="http://schemas.microsoft.com/office/drawing/2014/main" id="{80516254-1D9F-4F3A-9870-3A3280BE2BFE}"/>
+              </a:ext>
+              <a:ext uri="{C183D7F6-B498-43B3-948B-1728B52AA6E4}">
+                <adec:decorative xmlns:adec="http://schemas.microsoft.com/office/drawing/2017/decorative" val="1"/>
+              </a:ext>
+            </a:extLst>
+          </p:cNvPr>
+          <p:cNvSpPr>
+            <a:spLocks noGrp="1" noRot="1" noChangeAspect="1" noMove="1" noResize="1" noEditPoints="1" noAdjustHandles="1" noChangeArrowheads="1" noChangeShapeType="1" noTextEdit="1"/>
+          </p:cNvSpPr>
+          <p:nvPr>
+            <p:extLst>
+              <p:ext uri="{386F3935-93C4-4BCD-93E2-E3B085C9AB24}">
+                <p16:designElem xmlns:p16="http://schemas.microsoft.com/office/powerpoint/2015/main" val="1"/>
+              </p:ext>
+            </p:extLst>
+          </p:nvPr>
+        </p:nvSpPr>
+        <p:spPr>
+          <a:xfrm>
+            <a:off x="0" y="0"/>
+            <a:ext cx="12192000" cy="6858000"/>
+          </a:xfrm>
+          <a:prstGeom prst="rect">
+            <a:avLst/>
+          </a:prstGeom>
+          <a:ln>
+            <a:noFill/>
+          </a:ln>
+        </p:spPr>
+        <p:style>
+          <a:lnRef idx="2">
+            <a:schemeClr val="accent1">
+              <a:shade val="50000"/>
+            </a:schemeClr>
+          </a:lnRef>
+          <a:fillRef idx="1">
+            <a:schemeClr val="accent1"/>
+          </a:fillRef>
+          <a:effectRef idx="0">
+            <a:schemeClr val="accent1"/>
+          </a:effectRef>
+          <a:fontRef idx="minor">
+            <a:schemeClr val="lt1"/>
+          </a:fontRef>
+        </p:style>
+        <p:txBody>
+          <a:bodyPr/>
+          <a:lstStyle/>
+          <a:p>
+            <a:endParaRPr lang="en-US"/>
+          </a:p>
+        </p:txBody>
+      </p:sp>
+      <p:sp>
+        <p:nvSpPr>
+          <p:cNvPr id="2" name="Title 1">
+            <a:extLst>
+              <a:ext uri="{FF2B5EF4-FFF2-40B4-BE49-F238E27FC236}">
+                <a16:creationId xmlns:a16="http://schemas.microsoft.com/office/drawing/2014/main" id="{8BBE3C20-A0C9-C2AA-2014-30F0E3AD9181}"/>
+              </a:ext>
+            </a:extLst>
+          </p:cNvPr>
+          <p:cNvSpPr>
+            <a:spLocks noGrp="1"/>
+          </p:cNvSpPr>
+          <p:nvPr>
+            <p:ph type="title"/>
+          </p:nvPr>
+        </p:nvSpPr>
+        <p:spPr>
+          <a:xfrm>
+            <a:off x="1539116" y="864108"/>
+            <a:ext cx="3073914" cy="5120639"/>
+          </a:xfrm>
+        </p:spPr>
+        <p:txBody>
+          <a:bodyPr>
+            <a:normAutofit/>
+          </a:bodyPr>
+          <a:lstStyle/>
+          <a:p>
+            <a:pPr algn="r"/>
+            <a:r>
+              <a:rPr lang="en-US">
+                <a:solidFill>
+                  <a:schemeClr val="tx1">
+                    <a:lumMod val="85000"/>
+                    <a:lumOff val="15000"/>
+                  </a:schemeClr>
+                </a:solidFill>
+              </a:rPr>
+              <a:t>Agenda</a:t>
+            </a:r>
+          </a:p>
+        </p:txBody>
+      </p:sp>
+      <p:sp>
+        <p:nvSpPr>
+          <p:cNvPr id="10" name="Rectangle 9">
+            <a:extLst>
+              <a:ext uri="{FF2B5EF4-FFF2-40B4-BE49-F238E27FC236}">
+                <a16:creationId xmlns:a16="http://schemas.microsoft.com/office/drawing/2014/main" id="{FC14672B-27A5-4CDA-ABAF-5E4CF4B41C23}"/>
+              </a:ext>
+              <a:ext uri="{C183D7F6-B498-43B3-948B-1728B52AA6E4}">
+                <adec:decorative xmlns:adec="http://schemas.microsoft.com/office/drawing/2017/decorative" val="1"/>
+              </a:ext>
+            </a:extLst>
+          </p:cNvPr>
+          <p:cNvSpPr>
+            <a:spLocks noGrp="1" noRot="1" noChangeAspect="1" noMove="1" noResize="1" noEditPoints="1" noAdjustHandles="1" noChangeArrowheads="1" noChangeShapeType="1" noTextEdit="1"/>
+          </p:cNvSpPr>
+          <p:nvPr>
+            <p:extLst>
+              <p:ext uri="{386F3935-93C4-4BCD-93E2-E3B085C9AB24}">
+                <p16:designElem xmlns:p16="http://schemas.microsoft.com/office/powerpoint/2015/main" val="1"/>
+              </p:ext>
+            </p:extLst>
+          </p:nvPr>
+        </p:nvSpPr>
+        <p:spPr>
+          <a:xfrm>
+            <a:off x="0" y="761999"/>
+            <a:ext cx="1286934" cy="5334001"/>
+          </a:xfrm>
+          <a:prstGeom prst="rect">
+            <a:avLst/>
+          </a:prstGeom>
+          <a:solidFill>
+            <a:schemeClr val="accent1"/>
+          </a:solidFill>
+          <a:ln>
+            <a:noFill/>
+          </a:ln>
+        </p:spPr>
+        <p:style>
+          <a:lnRef idx="2">
+            <a:schemeClr val="accent1">
+              <a:shade val="50000"/>
+            </a:schemeClr>
+          </a:lnRef>
+          <a:fillRef idx="1">
+            <a:schemeClr val="accent1"/>
+          </a:fillRef>
+          <a:effectRef idx="0">
+            <a:schemeClr val="accent1"/>
+          </a:effectRef>
+          <a:fontRef idx="minor">
+            <a:schemeClr val="lt1"/>
+          </a:fontRef>
+        </p:style>
+        <p:txBody>
+          <a:bodyPr/>
+          <a:lstStyle/>
+          <a:p>
+            <a:endParaRPr lang="en-US"/>
+          </a:p>
+        </p:txBody>
+      </p:sp>
+      <p:cxnSp>
+        <p:nvCxnSpPr>
+          <p:cNvPr id="12" name="Straight Connector 11">
+            <a:extLst>
+              <a:ext uri="{FF2B5EF4-FFF2-40B4-BE49-F238E27FC236}">
+                <a16:creationId xmlns:a16="http://schemas.microsoft.com/office/drawing/2014/main" id="{8D89589C-2C90-4407-A995-05EC3DD7AB14}"/>
+              </a:ext>
+              <a:ext uri="{C183D7F6-B498-43B3-948B-1728B52AA6E4}">
+                <adec:decorative xmlns:adec="http://schemas.microsoft.com/office/drawing/2017/decorative" val="1"/>
+              </a:ext>
+            </a:extLst>
+          </p:cNvPr>
+          <p:cNvCxnSpPr>
+            <a:cxnSpLocks noGrp="1" noRot="1" noChangeAspect="1" noMove="1" noResize="1" noEditPoints="1" noAdjustHandles="1" noChangeArrowheads="1" noChangeShapeType="1"/>
+          </p:cNvCxnSpPr>
+          <p:nvPr>
+            <p:extLst>
+              <p:ext uri="{386F3935-93C4-4BCD-93E2-E3B085C9AB24}">
+                <p16:designElem xmlns:p16="http://schemas.microsoft.com/office/powerpoint/2015/main" val="1"/>
+              </p:ext>
+            </p:extLst>
+          </p:nvPr>
+        </p:nvCxnSpPr>
+        <p:spPr>
+          <a:xfrm>
+            <a:off x="4951129" y="2085681"/>
+            <a:ext cx="0" cy="2686639"/>
+          </a:xfrm>
+          <a:prstGeom prst="line">
+            <a:avLst/>
+          </a:prstGeom>
+          <a:ln w="12700">
+            <a:solidFill>
+              <a:schemeClr val="tx1">
+                <a:lumMod val="50000"/>
+                <a:lumOff val="50000"/>
+              </a:schemeClr>
+            </a:solidFill>
+          </a:ln>
+        </p:spPr>
+        <p:style>
+          <a:lnRef idx="1">
+            <a:schemeClr val="accent1"/>
+          </a:lnRef>
+          <a:fillRef idx="0">
+            <a:schemeClr val="accent1"/>
+          </a:fillRef>
+          <a:effectRef idx="0">
+            <a:schemeClr val="accent1"/>
+          </a:effectRef>
+          <a:fontRef idx="minor">
+            <a:schemeClr val="tx1"/>
+          </a:fontRef>
+        </p:style>
+      </p:cxnSp>
+      <p:sp>
+        <p:nvSpPr>
+          <p:cNvPr id="3" name="Content Placeholder 2">
+            <a:extLst>
+              <a:ext uri="{FF2B5EF4-FFF2-40B4-BE49-F238E27FC236}">
+                <a16:creationId xmlns:a16="http://schemas.microsoft.com/office/drawing/2014/main" id="{58B32A64-DE4B-77E4-9EB3-6826AE4FB7F6}"/>
+              </a:ext>
+            </a:extLst>
+          </p:cNvPr>
+          <p:cNvSpPr>
+            <a:spLocks noGrp="1"/>
+          </p:cNvSpPr>
+          <p:nvPr>
+            <p:ph idx="1"/>
+          </p:nvPr>
+        </p:nvSpPr>
+        <p:spPr>
+          <a:xfrm>
+            <a:off x="5289229" y="864108"/>
+            <a:ext cx="5910677" cy="5120640"/>
+          </a:xfrm>
+        </p:spPr>
+        <p:txBody>
+          <a:bodyPr>
+            <a:normAutofit/>
+          </a:bodyPr>
+          <a:lstStyle/>
+          <a:p>
+            <a:r>
+              <a:rPr lang="en-US"/>
+              <a:t>Overview of WinUI 3 &amp; Windows App SDK</a:t>
+            </a:r>
+          </a:p>
+          <a:p>
+            <a:r>
+              <a:rPr lang="en-US"/>
+              <a:t>Creating a new WinUI 3 project</a:t>
+            </a:r>
+          </a:p>
+          <a:p>
+            <a:r>
+              <a:rPr lang="en-US"/>
+              <a:t>Working with controls &amp; styles</a:t>
+            </a:r>
+          </a:p>
+          <a:p>
+            <a:r>
+              <a:rPr lang="en-US"/>
+              <a:t>Model-View-ViewModel with the MVVM Toolkit</a:t>
+            </a:r>
+          </a:p>
+          <a:p>
+            <a:r>
+              <a:rPr lang="en-US"/>
+              <a:t>Leveraging Windows Community Toolkit controls</a:t>
+            </a:r>
+          </a:p>
+          <a:p>
+            <a:r>
+              <a:rPr lang="en-US"/>
+              <a:t>Windows App SDK notifications API</a:t>
+            </a:r>
+          </a:p>
+          <a:p>
+            <a:r>
+              <a:rPr lang="en-US"/>
+              <a:t>Interop options – XAML Islands and WebView 2</a:t>
+            </a:r>
+          </a:p>
+          <a:p>
+            <a:r>
+              <a:rPr lang="en-US"/>
+              <a:t>Discussing deployment options</a:t>
+            </a:r>
+          </a:p>
+          <a:p>
+            <a:r>
+              <a:rPr lang="en-US"/>
+              <a:t>Cross-platform with Uno Platform</a:t>
+            </a:r>
+          </a:p>
+          <a:p>
+            <a:r>
+              <a:rPr lang="en-US"/>
+              <a:t>WinUI 3 roadmap</a:t>
+            </a:r>
+            <a:endParaRPr lang="en-US" dirty="0"/>
+          </a:p>
+        </p:txBody>
+      </p:sp>
+      <p:sp>
+        <p:nvSpPr>
+          <p:cNvPr id="14" name="Rectangle 13">
+            <a:extLst>
+              <a:ext uri="{FF2B5EF4-FFF2-40B4-BE49-F238E27FC236}">
+                <a16:creationId xmlns:a16="http://schemas.microsoft.com/office/drawing/2014/main" id="{9A206779-5C74-4555-94BC-5845C92EC3A8}"/>
+              </a:ext>
+              <a:ext uri="{C183D7F6-B498-43B3-948B-1728B52AA6E4}">
+                <adec:decorative xmlns:adec="http://schemas.microsoft.com/office/drawing/2017/decorative" val="1"/>
+              </a:ext>
+            </a:extLst>
+          </p:cNvPr>
+          <p:cNvSpPr>
+            <a:spLocks noGrp="1" noRot="1" noChangeAspect="1" noMove="1" noResize="1" noEditPoints="1" noAdjustHandles="1" noChangeArrowheads="1" noChangeShapeType="1" noTextEdit="1"/>
+          </p:cNvSpPr>
+          <p:nvPr>
+            <p:extLst>
+              <p:ext uri="{386F3935-93C4-4BCD-93E2-E3B085C9AB24}">
+                <p16:designElem xmlns:p16="http://schemas.microsoft.com/office/powerpoint/2015/main" val="1"/>
+              </p:ext>
+            </p:extLst>
+          </p:nvPr>
+        </p:nvSpPr>
+        <p:spPr>
+          <a:xfrm>
+            <a:off x="11683988" y="767825"/>
+            <a:ext cx="508012" cy="5328173"/>
+          </a:xfrm>
+          <a:prstGeom prst="rect">
+            <a:avLst/>
+          </a:prstGeom>
+          <a:solidFill>
+            <a:srgbClr val="C8C8C8">
+              <a:alpha val="50000"/>
+            </a:srgbClr>
+          </a:solidFill>
+          <a:ln>
+            <a:noFill/>
+          </a:ln>
+        </p:spPr>
+        <p:style>
+          <a:lnRef idx="2">
+            <a:schemeClr val="accent1">
+              <a:shade val="50000"/>
+            </a:schemeClr>
+          </a:lnRef>
+          <a:fillRef idx="1">
+            <a:schemeClr val="accent1"/>
+          </a:fillRef>
+          <a:effectRef idx="0">
+            <a:schemeClr val="accent1"/>
+          </a:effectRef>
+          <a:fontRef idx="minor">
+            <a:schemeClr val="lt1"/>
+          </a:fontRef>
+        </p:style>
+        <p:txBody>
+          <a:bodyPr rtlCol="0" anchor="ctr"/>
+          <a:lstStyle/>
+          <a:p>
+            <a:pPr algn="ctr"/>
+            <a:endParaRPr lang="en-US"/>
+          </a:p>
+        </p:txBody>
+      </p:sp>
+    </p:spTree>
+    <p:extLst>
+      <p:ext uri="{BB962C8B-B14F-4D97-AF65-F5344CB8AC3E}">
+        <p14:creationId xmlns:p14="http://schemas.microsoft.com/office/powerpoint/2010/main" val="2774333207"/>
       </p:ext>
     </p:extLst>
   </p:cSld>

--- a/2024/0320_BostonDotNetArch/GetStartedWithWinUI3.pptx
+++ b/2024/0320_BostonDotNetArch/GetStartedWithWinUI3.pptx
@@ -1049,15 +1049,15 @@
 </file>
 
 <file path=ppt/diagrams/colors2.xml><?xml version="1.0" encoding="utf-8"?>
-<dgm:colorsDef xmlns:dgm="http://schemas.openxmlformats.org/drawingml/2006/diagram" xmlns:a="http://schemas.openxmlformats.org/drawingml/2006/main" uniqueId="urn:microsoft.com/office/officeart/2005/8/colors/accent1_2">
+<dgm:colorsDef xmlns:dgm="http://schemas.openxmlformats.org/drawingml/2006/diagram" xmlns:a="http://schemas.openxmlformats.org/drawingml/2006/main" uniqueId="urn:microsoft.com/office/officeart/2005/8/colors/colorful5">
   <dgm:title val=""/>
   <dgm:desc val=""/>
   <dgm:catLst>
-    <dgm:cat type="accent1" pri="11200"/>
+    <dgm:cat type="colorful" pri="10500"/>
   </dgm:catLst>
   <dgm:styleLbl name="node0">
     <dgm:fillClrLst meth="repeat">
-      <a:schemeClr val="accent1"/>
+      <a:schemeClr val="accent4"/>
     </dgm:fillClrLst>
     <dgm:linClrLst meth="repeat">
       <a:schemeClr val="lt1"/>
@@ -1067,21 +1067,10 @@
     <dgm:txFillClrLst/>
     <dgm:txEffectClrLst/>
   </dgm:styleLbl>
-  <dgm:styleLbl name="alignNode1">
-    <dgm:fillClrLst meth="repeat">
-      <a:schemeClr val="accent1"/>
-    </dgm:fillClrLst>
-    <dgm:linClrLst meth="repeat">
-      <a:schemeClr val="accent1"/>
-    </dgm:linClrLst>
-    <dgm:effectClrLst/>
-    <dgm:txLinClrLst/>
-    <dgm:txFillClrLst/>
-    <dgm:txEffectClrLst/>
-  </dgm:styleLbl>
   <dgm:styleLbl name="node1">
-    <dgm:fillClrLst meth="repeat">
-      <a:schemeClr val="accent1"/>
+    <dgm:fillClrLst>
+      <a:schemeClr val="accent5"/>
+      <a:schemeClr val="accent6"/>
     </dgm:fillClrLst>
     <dgm:linClrLst meth="repeat">
       <a:schemeClr val="lt1"/>
@@ -1091,9 +1080,24 @@
     <dgm:txFillClrLst/>
     <dgm:txEffectClrLst/>
   </dgm:styleLbl>
+  <dgm:styleLbl name="alignNode1">
+    <dgm:fillClrLst>
+      <a:schemeClr val="accent5"/>
+      <a:schemeClr val="accent6"/>
+    </dgm:fillClrLst>
+    <dgm:linClrLst>
+      <a:schemeClr val="accent5"/>
+      <a:schemeClr val="accent6"/>
+    </dgm:linClrLst>
+    <dgm:effectClrLst/>
+    <dgm:txLinClrLst/>
+    <dgm:txFillClrLst/>
+    <dgm:txEffectClrLst/>
+  </dgm:styleLbl>
   <dgm:styleLbl name="lnNode1">
-    <dgm:fillClrLst meth="repeat">
-      <a:schemeClr val="accent1"/>
+    <dgm:fillClrLst>
+      <a:schemeClr val="accent5"/>
+      <a:schemeClr val="accent6"/>
     </dgm:fillClrLst>
     <dgm:linClrLst meth="repeat">
       <a:schemeClr val="lt1"/>
@@ -1104,8 +1108,11 @@
     <dgm:txEffectClrLst/>
   </dgm:styleLbl>
   <dgm:styleLbl name="vennNode1">
-    <dgm:fillClrLst meth="repeat">
-      <a:schemeClr val="accent1">
+    <dgm:fillClrLst>
+      <a:schemeClr val="accent5">
+        <a:alpha val="50000"/>
+      </a:schemeClr>
+      <a:schemeClr val="accent6">
         <a:alpha val="50000"/>
       </a:schemeClr>
     </dgm:fillClrLst>
@@ -1118,7 +1125,19 @@
     <dgm:txEffectClrLst/>
   </dgm:styleLbl>
   <dgm:styleLbl name="node2">
-    <dgm:fillClrLst meth="repeat">
+    <dgm:fillClrLst>
+      <a:schemeClr val="accent6"/>
+    </dgm:fillClrLst>
+    <dgm:linClrLst meth="repeat">
+      <a:schemeClr val="lt1"/>
+    </dgm:linClrLst>
+    <dgm:effectClrLst/>
+    <dgm:txLinClrLst/>
+    <dgm:txFillClrLst/>
+    <dgm:txEffectClrLst/>
+  </dgm:styleLbl>
+  <dgm:styleLbl name="node3">
+    <dgm:fillClrLst>
       <a:schemeClr val="accent1"/>
     </dgm:fillClrLst>
     <dgm:linClrLst meth="repeat">
@@ -1129,9 +1148,9 @@
     <dgm:txFillClrLst/>
     <dgm:txEffectClrLst/>
   </dgm:styleLbl>
-  <dgm:styleLbl name="node3">
-    <dgm:fillClrLst meth="repeat">
-      <a:schemeClr val="accent1"/>
+  <dgm:styleLbl name="node4">
+    <dgm:fillClrLst>
+      <a:schemeClr val="accent2"/>
     </dgm:fillClrLst>
     <dgm:linClrLst meth="repeat">
       <a:schemeClr val="lt1"/>
@@ -1141,21 +1160,12 @@
     <dgm:txFillClrLst/>
     <dgm:txEffectClrLst/>
   </dgm:styleLbl>
-  <dgm:styleLbl name="node4">
-    <dgm:fillClrLst meth="repeat">
-      <a:schemeClr val="accent1"/>
-    </dgm:fillClrLst>
-    <dgm:linClrLst meth="repeat">
-      <a:schemeClr val="lt1"/>
-    </dgm:linClrLst>
-    <dgm:effectClrLst/>
-    <dgm:txLinClrLst/>
-    <dgm:txFillClrLst/>
-    <dgm:txEffectClrLst/>
-  </dgm:styleLbl>
   <dgm:styleLbl name="fgImgPlace1">
-    <dgm:fillClrLst meth="repeat">
-      <a:schemeClr val="accent1">
+    <dgm:fillClrLst>
+      <a:schemeClr val="accent5">
+        <a:tint val="50000"/>
+      </a:schemeClr>
+      <a:schemeClr val="accent6">
         <a:tint val="50000"/>
       </a:schemeClr>
     </dgm:fillClrLst>
@@ -1170,9 +1180,12 @@
     <dgm:txEffectClrLst/>
   </dgm:styleLbl>
   <dgm:styleLbl name="alignImgPlace1">
-    <dgm:fillClrLst meth="repeat">
-      <a:schemeClr val="accent1">
+    <dgm:fillClrLst>
+      <a:schemeClr val="accent5">
         <a:tint val="50000"/>
+      </a:schemeClr>
+      <a:schemeClr val="accent6">
+        <a:tint val="20000"/>
       </a:schemeClr>
     </dgm:fillClrLst>
     <dgm:linClrLst meth="repeat">
@@ -1186,9 +1199,12 @@
     <dgm:txEffectClrLst/>
   </dgm:styleLbl>
   <dgm:styleLbl name="bgImgPlace1">
-    <dgm:fillClrLst meth="repeat">
-      <a:schemeClr val="accent1">
+    <dgm:fillClrLst>
+      <a:schemeClr val="accent5">
         <a:tint val="50000"/>
+      </a:schemeClr>
+      <a:schemeClr val="accent6">
+        <a:tint val="20000"/>
       </a:schemeClr>
     </dgm:fillClrLst>
     <dgm:linClrLst meth="repeat">
@@ -1202,14 +1218,84 @@
     <dgm:txEffectClrLst/>
   </dgm:styleLbl>
   <dgm:styleLbl name="sibTrans2D1">
-    <dgm:fillClrLst meth="repeat">
-      <a:schemeClr val="accent1">
-        <a:tint val="60000"/>
-      </a:schemeClr>
+    <dgm:fillClrLst>
+      <a:schemeClr val="accent5"/>
+      <a:schemeClr val="accent6"/>
     </dgm:fillClrLst>
     <dgm:linClrLst meth="repeat">
-      <a:schemeClr val="accent1">
-        <a:tint val="60000"/>
+      <a:schemeClr val="lt1"/>
+    </dgm:linClrLst>
+    <dgm:effectClrLst/>
+    <dgm:txLinClrLst/>
+    <dgm:txFillClrLst/>
+    <dgm:txEffectClrLst/>
+  </dgm:styleLbl>
+  <dgm:styleLbl name="fgSibTrans2D1">
+    <dgm:fillClrLst>
+      <a:schemeClr val="accent5"/>
+      <a:schemeClr val="accent6"/>
+    </dgm:fillClrLst>
+    <dgm:linClrLst meth="repeat">
+      <a:schemeClr val="lt1"/>
+    </dgm:linClrLst>
+    <dgm:effectClrLst/>
+    <dgm:txLinClrLst/>
+    <dgm:txFillClrLst meth="repeat">
+      <a:schemeClr val="lt1"/>
+    </dgm:txFillClrLst>
+    <dgm:txEffectClrLst/>
+  </dgm:styleLbl>
+  <dgm:styleLbl name="bgSibTrans2D1">
+    <dgm:fillClrLst>
+      <a:schemeClr val="accent5"/>
+      <a:schemeClr val="accent6"/>
+    </dgm:fillClrLst>
+    <dgm:linClrLst meth="repeat">
+      <a:schemeClr val="lt1"/>
+    </dgm:linClrLst>
+    <dgm:effectClrLst/>
+    <dgm:txLinClrLst/>
+    <dgm:txFillClrLst meth="repeat">
+      <a:schemeClr val="lt1"/>
+    </dgm:txFillClrLst>
+    <dgm:txEffectClrLst/>
+  </dgm:styleLbl>
+  <dgm:styleLbl name="sibTrans1D1">
+    <dgm:fillClrLst/>
+    <dgm:linClrLst>
+      <a:schemeClr val="accent5"/>
+      <a:schemeClr val="accent6"/>
+    </dgm:linClrLst>
+    <dgm:effectClrLst/>
+    <dgm:txLinClrLst/>
+    <dgm:txFillClrLst meth="repeat">
+      <a:schemeClr val="tx1"/>
+    </dgm:txFillClrLst>
+    <dgm:txEffectClrLst/>
+  </dgm:styleLbl>
+  <dgm:styleLbl name="callout">
+    <dgm:fillClrLst meth="repeat">
+      <a:schemeClr val="accent5"/>
+    </dgm:fillClrLst>
+    <dgm:linClrLst meth="repeat">
+      <a:schemeClr val="accent5">
+        <a:tint val="50000"/>
+      </a:schemeClr>
+    </dgm:linClrLst>
+    <dgm:effectClrLst/>
+    <dgm:txLinClrLst/>
+    <dgm:txFillClrLst meth="repeat">
+      <a:schemeClr val="tx1"/>
+    </dgm:txFillClrLst>
+    <dgm:txEffectClrLst/>
+  </dgm:styleLbl>
+  <dgm:styleLbl name="asst0">
+    <dgm:fillClrLst meth="repeat">
+      <a:schemeClr val="accent5"/>
+    </dgm:fillClrLst>
+    <dgm:linClrLst meth="repeat">
+      <a:schemeClr val="lt1">
+        <a:shade val="80000"/>
       </a:schemeClr>
     </dgm:linClrLst>
     <dgm:effectClrLst/>
@@ -1217,15 +1303,13 @@
     <dgm:txFillClrLst/>
     <dgm:txEffectClrLst/>
   </dgm:styleLbl>
-  <dgm:styleLbl name="fgSibTrans2D1">
+  <dgm:styleLbl name="asst1">
     <dgm:fillClrLst meth="repeat">
-      <a:schemeClr val="accent1">
-        <a:tint val="60000"/>
-      </a:schemeClr>
+      <a:schemeClr val="accent6"/>
     </dgm:fillClrLst>
     <dgm:linClrLst meth="repeat">
-      <a:schemeClr val="accent1">
-        <a:tint val="60000"/>
+      <a:schemeClr val="lt1">
+        <a:shade val="80000"/>
       </a:schemeClr>
     </dgm:linClrLst>
     <dgm:effectClrLst/>
@@ -1233,25 +1317,129 @@
     <dgm:txFillClrLst/>
     <dgm:txEffectClrLst/>
   </dgm:styleLbl>
-  <dgm:styleLbl name="bgSibTrans2D1">
-    <dgm:fillClrLst meth="repeat">
-      <a:schemeClr val="accent1">
-        <a:tint val="60000"/>
-      </a:schemeClr>
+  <dgm:styleLbl name="asst2">
+    <dgm:fillClrLst>
+      <a:schemeClr val="accent1"/>
     </dgm:fillClrLst>
     <dgm:linClrLst meth="repeat">
-      <a:schemeClr val="accent1">
-        <a:tint val="60000"/>
-      </a:schemeClr>
+      <a:schemeClr val="lt1"/>
     </dgm:linClrLst>
     <dgm:effectClrLst/>
     <dgm:txLinClrLst/>
     <dgm:txFillClrLst/>
     <dgm:txEffectClrLst/>
   </dgm:styleLbl>
-  <dgm:styleLbl name="sibTrans1D1">
+  <dgm:styleLbl name="asst3">
+    <dgm:fillClrLst>
+      <a:schemeClr val="accent2"/>
+    </dgm:fillClrLst>
+    <dgm:linClrLst meth="repeat">
+      <a:schemeClr val="lt1"/>
+    </dgm:linClrLst>
+    <dgm:effectClrLst/>
+    <dgm:txLinClrLst/>
+    <dgm:txFillClrLst/>
+    <dgm:txEffectClrLst/>
+  </dgm:styleLbl>
+  <dgm:styleLbl name="asst4">
+    <dgm:fillClrLst>
+      <a:schemeClr val="accent3"/>
+    </dgm:fillClrLst>
+    <dgm:linClrLst meth="repeat">
+      <a:schemeClr val="lt1"/>
+    </dgm:linClrLst>
+    <dgm:effectClrLst/>
+    <dgm:txLinClrLst/>
+    <dgm:txFillClrLst/>
+    <dgm:txEffectClrLst/>
+  </dgm:styleLbl>
+  <dgm:styleLbl name="parChTrans2D1">
+    <dgm:fillClrLst meth="repeat">
+      <a:schemeClr val="accent5"/>
+    </dgm:fillClrLst>
+    <dgm:linClrLst meth="repeat">
+      <a:schemeClr val="lt1"/>
+    </dgm:linClrLst>
+    <dgm:effectClrLst/>
+    <dgm:txLinClrLst/>
+    <dgm:txFillClrLst meth="repeat">
+      <a:schemeClr val="lt1"/>
+    </dgm:txFillClrLst>
+    <dgm:txEffectClrLst/>
+  </dgm:styleLbl>
+  <dgm:styleLbl name="parChTrans2D2">
+    <dgm:fillClrLst meth="repeat">
+      <a:schemeClr val="accent6"/>
+    </dgm:fillClrLst>
+    <dgm:linClrLst meth="repeat">
+      <a:schemeClr val="lt1"/>
+    </dgm:linClrLst>
+    <dgm:effectClrLst/>
+    <dgm:txLinClrLst/>
+    <dgm:txFillClrLst/>
+    <dgm:txEffectClrLst/>
+  </dgm:styleLbl>
+  <dgm:styleLbl name="parChTrans2D3">
+    <dgm:fillClrLst meth="repeat">
+      <a:schemeClr val="accent6"/>
+    </dgm:fillClrLst>
+    <dgm:linClrLst meth="repeat">
+      <a:schemeClr val="lt1"/>
+    </dgm:linClrLst>
+    <dgm:effectClrLst/>
+    <dgm:txLinClrLst/>
+    <dgm:txFillClrLst/>
+    <dgm:txEffectClrLst/>
+  </dgm:styleLbl>
+  <dgm:styleLbl name="parChTrans2D4">
     <dgm:fillClrLst meth="repeat">
       <a:schemeClr val="accent1"/>
+    </dgm:fillClrLst>
+    <dgm:linClrLst meth="repeat">
+      <a:schemeClr val="lt1"/>
+    </dgm:linClrLst>
+    <dgm:effectClrLst/>
+    <dgm:txLinClrLst/>
+    <dgm:txFillClrLst meth="repeat">
+      <a:schemeClr val="lt1"/>
+    </dgm:txFillClrLst>
+    <dgm:txEffectClrLst/>
+  </dgm:styleLbl>
+  <dgm:styleLbl name="parChTrans1D1">
+    <dgm:fillClrLst meth="repeat">
+      <a:schemeClr val="accent5"/>
+    </dgm:fillClrLst>
+    <dgm:linClrLst meth="repeat">
+      <a:schemeClr val="accent5"/>
+    </dgm:linClrLst>
+    <dgm:effectClrLst/>
+    <dgm:txLinClrLst/>
+    <dgm:txFillClrLst meth="repeat">
+      <a:schemeClr val="tx1"/>
+    </dgm:txFillClrLst>
+    <dgm:txEffectClrLst/>
+  </dgm:styleLbl>
+  <dgm:styleLbl name="parChTrans1D2">
+    <dgm:fillClrLst meth="repeat">
+      <a:schemeClr val="accent6">
+        <a:tint val="90000"/>
+      </a:schemeClr>
+    </dgm:fillClrLst>
+    <dgm:linClrLst meth="repeat">
+      <a:schemeClr val="accent6"/>
+    </dgm:linClrLst>
+    <dgm:effectClrLst/>
+    <dgm:txLinClrLst/>
+    <dgm:txFillClrLst meth="repeat">
+      <a:schemeClr val="tx1"/>
+    </dgm:txFillClrLst>
+    <dgm:txEffectClrLst/>
+  </dgm:styleLbl>
+  <dgm:styleLbl name="parChTrans1D3">
+    <dgm:fillClrLst meth="repeat">
+      <a:schemeClr val="accent6">
+        <a:tint val="70000"/>
+      </a:schemeClr>
     </dgm:fillClrLst>
     <dgm:linClrLst meth="repeat">
       <a:schemeClr val="accent1"/>
@@ -1263,14 +1451,14 @@
     </dgm:txFillClrLst>
     <dgm:txEffectClrLst/>
   </dgm:styleLbl>
-  <dgm:styleLbl name="callout">
+  <dgm:styleLbl name="parChTrans1D4">
     <dgm:fillClrLst meth="repeat">
-      <a:schemeClr val="accent1"/>
+      <a:schemeClr val="accent6">
+        <a:tint val="50000"/>
+      </a:schemeClr>
     </dgm:fillClrLst>
     <dgm:linClrLst meth="repeat">
-      <a:schemeClr val="accent1">
-        <a:tint val="50000"/>
-      </a:schemeClr>
+      <a:schemeClr val="accent2"/>
     </dgm:linClrLst>
     <dgm:effectClrLst/>
     <dgm:txLinClrLst/>
@@ -1279,197 +1467,258 @@
     </dgm:txFillClrLst>
     <dgm:txEffectClrLst/>
   </dgm:styleLbl>
-  <dgm:styleLbl name="asst0">
-    <dgm:fillClrLst meth="repeat">
-      <a:schemeClr val="accent1"/>
-    </dgm:fillClrLst>
-    <dgm:linClrLst meth="repeat">
-      <a:schemeClr val="lt1"/>
-    </dgm:linClrLst>
-    <dgm:effectClrLst/>
-    <dgm:txLinClrLst/>
-    <dgm:txFillClrLst/>
-    <dgm:txEffectClrLst/>
-  </dgm:styleLbl>
-  <dgm:styleLbl name="asst1">
-    <dgm:fillClrLst meth="repeat">
-      <a:schemeClr val="accent1"/>
-    </dgm:fillClrLst>
-    <dgm:linClrLst meth="repeat">
-      <a:schemeClr val="lt1"/>
-    </dgm:linClrLst>
-    <dgm:effectClrLst/>
-    <dgm:txLinClrLst/>
-    <dgm:txFillClrLst/>
-    <dgm:txEffectClrLst/>
-  </dgm:styleLbl>
-  <dgm:styleLbl name="asst2">
-    <dgm:fillClrLst meth="repeat">
-      <a:schemeClr val="accent1"/>
-    </dgm:fillClrLst>
-    <dgm:linClrLst meth="repeat">
-      <a:schemeClr val="lt1"/>
-    </dgm:linClrLst>
-    <dgm:effectClrLst/>
-    <dgm:txLinClrLst/>
-    <dgm:txFillClrLst/>
-    <dgm:txEffectClrLst/>
-  </dgm:styleLbl>
-  <dgm:styleLbl name="asst3">
-    <dgm:fillClrLst meth="repeat">
-      <a:schemeClr val="accent1"/>
-    </dgm:fillClrLst>
-    <dgm:linClrLst meth="repeat">
-      <a:schemeClr val="lt1"/>
-    </dgm:linClrLst>
-    <dgm:effectClrLst/>
-    <dgm:txLinClrLst/>
-    <dgm:txFillClrLst/>
-    <dgm:txEffectClrLst/>
-  </dgm:styleLbl>
-  <dgm:styleLbl name="asst4">
-    <dgm:fillClrLst meth="repeat">
-      <a:schemeClr val="accent1"/>
-    </dgm:fillClrLst>
-    <dgm:linClrLst meth="repeat">
-      <a:schemeClr val="lt1"/>
-    </dgm:linClrLst>
-    <dgm:effectClrLst/>
-    <dgm:txLinClrLst/>
-    <dgm:txFillClrLst/>
-    <dgm:txEffectClrLst/>
-  </dgm:styleLbl>
-  <dgm:styleLbl name="parChTrans2D1">
-    <dgm:fillClrLst meth="repeat">
-      <a:schemeClr val="accent1">
-        <a:tint val="60000"/>
-      </a:schemeClr>
-    </dgm:fillClrLst>
-    <dgm:linClrLst meth="repeat">
-      <a:schemeClr val="accent1">
-        <a:tint val="60000"/>
-      </a:schemeClr>
-    </dgm:linClrLst>
-    <dgm:effectClrLst/>
-    <dgm:txLinClrLst/>
-    <dgm:txFillClrLst meth="repeat">
-      <a:schemeClr val="lt1"/>
-    </dgm:txFillClrLst>
-    <dgm:txEffectClrLst/>
-  </dgm:styleLbl>
-  <dgm:styleLbl name="parChTrans2D2">
-    <dgm:fillClrLst meth="repeat">
-      <a:schemeClr val="accent1"/>
-    </dgm:fillClrLst>
-    <dgm:linClrLst meth="repeat">
-      <a:schemeClr val="accent1"/>
-    </dgm:linClrLst>
-    <dgm:effectClrLst/>
-    <dgm:txLinClrLst/>
-    <dgm:txFillClrLst meth="repeat">
-      <a:schemeClr val="lt1"/>
-    </dgm:txFillClrLst>
-    <dgm:txEffectClrLst/>
-  </dgm:styleLbl>
-  <dgm:styleLbl name="parChTrans2D3">
-    <dgm:fillClrLst meth="repeat">
-      <a:schemeClr val="accent1"/>
-    </dgm:fillClrLst>
-    <dgm:linClrLst meth="repeat">
-      <a:schemeClr val="accent1"/>
-    </dgm:linClrLst>
-    <dgm:effectClrLst/>
-    <dgm:txLinClrLst/>
-    <dgm:txFillClrLst meth="repeat">
-      <a:schemeClr val="lt1"/>
-    </dgm:txFillClrLst>
-    <dgm:txEffectClrLst/>
-  </dgm:styleLbl>
-  <dgm:styleLbl name="parChTrans2D4">
-    <dgm:fillClrLst meth="repeat">
-      <a:schemeClr val="accent1"/>
-    </dgm:fillClrLst>
-    <dgm:linClrLst meth="repeat">
-      <a:schemeClr val="accent1"/>
-    </dgm:linClrLst>
-    <dgm:effectClrLst/>
-    <dgm:txLinClrLst/>
-    <dgm:txFillClrLst meth="repeat">
-      <a:schemeClr val="lt1"/>
-    </dgm:txFillClrLst>
-    <dgm:txEffectClrLst/>
-  </dgm:styleLbl>
-  <dgm:styleLbl name="parChTrans1D1">
-    <dgm:fillClrLst meth="repeat">
-      <a:schemeClr val="accent1"/>
-    </dgm:fillClrLst>
-    <dgm:linClrLst meth="repeat">
-      <a:schemeClr val="accent1">
-        <a:shade val="60000"/>
-      </a:schemeClr>
-    </dgm:linClrLst>
-    <dgm:effectClrLst/>
-    <dgm:txLinClrLst/>
-    <dgm:txFillClrLst meth="repeat">
-      <a:schemeClr val="tx1"/>
-    </dgm:txFillClrLst>
-    <dgm:txEffectClrLst/>
-  </dgm:styleLbl>
-  <dgm:styleLbl name="parChTrans1D2">
-    <dgm:fillClrLst meth="repeat">
-      <a:schemeClr val="accent1"/>
-    </dgm:fillClrLst>
-    <dgm:linClrLst meth="repeat">
-      <a:schemeClr val="accent1">
-        <a:shade val="60000"/>
-      </a:schemeClr>
-    </dgm:linClrLst>
-    <dgm:effectClrLst/>
-    <dgm:txLinClrLst/>
-    <dgm:txFillClrLst meth="repeat">
-      <a:schemeClr val="tx1"/>
-    </dgm:txFillClrLst>
-    <dgm:txEffectClrLst/>
-  </dgm:styleLbl>
-  <dgm:styleLbl name="parChTrans1D3">
-    <dgm:fillClrLst meth="repeat">
-      <a:schemeClr val="accent1"/>
-    </dgm:fillClrLst>
-    <dgm:linClrLst meth="repeat">
-      <a:schemeClr val="accent1">
-        <a:shade val="80000"/>
-      </a:schemeClr>
-    </dgm:linClrLst>
-    <dgm:effectClrLst/>
-    <dgm:txLinClrLst/>
-    <dgm:txFillClrLst meth="repeat">
-      <a:schemeClr val="tx1"/>
-    </dgm:txFillClrLst>
-    <dgm:txEffectClrLst/>
-  </dgm:styleLbl>
-  <dgm:styleLbl name="parChTrans1D4">
-    <dgm:fillClrLst meth="repeat">
-      <a:schemeClr val="accent1"/>
-    </dgm:fillClrLst>
-    <dgm:linClrLst meth="repeat">
-      <a:schemeClr val="accent1">
-        <a:shade val="80000"/>
-      </a:schemeClr>
-    </dgm:linClrLst>
-    <dgm:effectClrLst/>
-    <dgm:txLinClrLst/>
-    <dgm:txFillClrLst meth="repeat">
-      <a:schemeClr val="tx1"/>
-    </dgm:txFillClrLst>
-    <dgm:txEffectClrLst/>
-  </dgm:styleLbl>
   <dgm:styleLbl name="fgAcc1">
     <dgm:fillClrLst meth="repeat">
       <a:schemeClr val="lt1">
         <a:alpha val="90000"/>
       </a:schemeClr>
     </dgm:fillClrLst>
+    <dgm:linClrLst>
+      <a:schemeClr val="accent5"/>
+      <a:schemeClr val="accent6"/>
+    </dgm:linClrLst>
+    <dgm:effectClrLst/>
+    <dgm:txLinClrLst/>
+    <dgm:txFillClrLst meth="repeat">
+      <a:schemeClr val="dk1"/>
+    </dgm:txFillClrLst>
+    <dgm:txEffectClrLst/>
+  </dgm:styleLbl>
+  <dgm:styleLbl name="conFgAcc1">
+    <dgm:fillClrLst meth="repeat">
+      <a:schemeClr val="lt1">
+        <a:alpha val="90000"/>
+      </a:schemeClr>
+    </dgm:fillClrLst>
+    <dgm:linClrLst>
+      <a:schemeClr val="accent5"/>
+      <a:schemeClr val="accent6"/>
+    </dgm:linClrLst>
+    <dgm:effectClrLst/>
+    <dgm:txLinClrLst/>
+    <dgm:txFillClrLst meth="repeat">
+      <a:schemeClr val="dk1"/>
+    </dgm:txFillClrLst>
+    <dgm:txEffectClrLst/>
+  </dgm:styleLbl>
+  <dgm:styleLbl name="alignAcc1">
+    <dgm:fillClrLst meth="repeat">
+      <a:schemeClr val="lt1">
+        <a:alpha val="90000"/>
+      </a:schemeClr>
+    </dgm:fillClrLst>
+    <dgm:linClrLst>
+      <a:schemeClr val="accent5"/>
+      <a:schemeClr val="accent6"/>
+    </dgm:linClrLst>
+    <dgm:effectClrLst/>
+    <dgm:txLinClrLst/>
+    <dgm:txFillClrLst meth="repeat">
+      <a:schemeClr val="dk1"/>
+    </dgm:txFillClrLst>
+    <dgm:txEffectClrLst/>
+  </dgm:styleLbl>
+  <dgm:styleLbl name="trAlignAcc1">
+    <dgm:fillClrLst meth="repeat">
+      <a:schemeClr val="lt1">
+        <a:alpha val="40000"/>
+      </a:schemeClr>
+    </dgm:fillClrLst>
     <dgm:linClrLst meth="repeat">
+      <a:schemeClr val="accent5"/>
+    </dgm:linClrLst>
+    <dgm:effectClrLst/>
+    <dgm:txLinClrLst/>
+    <dgm:txFillClrLst meth="repeat">
+      <a:schemeClr val="dk1"/>
+    </dgm:txFillClrLst>
+    <dgm:txEffectClrLst/>
+  </dgm:styleLbl>
+  <dgm:styleLbl name="bgAcc1">
+    <dgm:fillClrLst meth="repeat">
+      <a:schemeClr val="lt1">
+        <a:alpha val="90000"/>
+      </a:schemeClr>
+    </dgm:fillClrLst>
+    <dgm:linClrLst>
+      <a:schemeClr val="accent5"/>
+      <a:schemeClr val="accent6"/>
+    </dgm:linClrLst>
+    <dgm:effectClrLst/>
+    <dgm:txLinClrLst/>
+    <dgm:txFillClrLst meth="repeat">
+      <a:schemeClr val="dk1"/>
+    </dgm:txFillClrLst>
+    <dgm:txEffectClrLst/>
+  </dgm:styleLbl>
+  <dgm:styleLbl name="solidFgAcc1">
+    <dgm:fillClrLst meth="repeat">
+      <a:schemeClr val="lt1"/>
+    </dgm:fillClrLst>
+    <dgm:linClrLst>
+      <a:schemeClr val="accent5"/>
+      <a:schemeClr val="accent6"/>
+    </dgm:linClrLst>
+    <dgm:effectClrLst/>
+    <dgm:txLinClrLst/>
+    <dgm:txFillClrLst meth="repeat">
+      <a:schemeClr val="dk1"/>
+    </dgm:txFillClrLst>
+    <dgm:txEffectClrLst/>
+  </dgm:styleLbl>
+  <dgm:styleLbl name="solidAlignAcc1">
+    <dgm:fillClrLst meth="repeat">
+      <a:schemeClr val="lt1"/>
+    </dgm:fillClrLst>
+    <dgm:linClrLst>
+      <a:schemeClr val="accent5"/>
+      <a:schemeClr val="accent6"/>
+    </dgm:linClrLst>
+    <dgm:effectClrLst/>
+    <dgm:txLinClrLst/>
+    <dgm:txFillClrLst meth="repeat">
+      <a:schemeClr val="dk1"/>
+    </dgm:txFillClrLst>
+    <dgm:txEffectClrLst/>
+  </dgm:styleLbl>
+  <dgm:styleLbl name="solidBgAcc1">
+    <dgm:fillClrLst meth="repeat">
+      <a:schemeClr val="lt1"/>
+    </dgm:fillClrLst>
+    <dgm:linClrLst>
+      <a:schemeClr val="accent5"/>
+      <a:schemeClr val="accent6"/>
+    </dgm:linClrLst>
+    <dgm:effectClrLst/>
+    <dgm:txLinClrLst/>
+    <dgm:txFillClrLst meth="repeat">
+      <a:schemeClr val="dk1"/>
+    </dgm:txFillClrLst>
+    <dgm:txEffectClrLst/>
+  </dgm:styleLbl>
+  <dgm:styleLbl name="fgAccFollowNode1">
+    <dgm:fillClrLst>
+      <a:schemeClr val="accent5">
+        <a:tint val="40000"/>
+        <a:alpha val="90000"/>
+      </a:schemeClr>
+      <a:schemeClr val="accent6">
+        <a:tint val="40000"/>
+        <a:alpha val="90000"/>
+      </a:schemeClr>
+    </dgm:fillClrLst>
+    <dgm:linClrLst>
+      <a:schemeClr val="accent5">
+        <a:tint val="40000"/>
+        <a:alpha val="90000"/>
+      </a:schemeClr>
+      <a:schemeClr val="accent5">
+        <a:tint val="40000"/>
+        <a:alpha val="90000"/>
+      </a:schemeClr>
+    </dgm:linClrLst>
+    <dgm:effectClrLst/>
+    <dgm:txLinClrLst/>
+    <dgm:txFillClrLst meth="repeat">
+      <a:schemeClr val="dk1"/>
+    </dgm:txFillClrLst>
+    <dgm:txEffectClrLst/>
+  </dgm:styleLbl>
+  <dgm:styleLbl name="alignAccFollowNode1">
+    <dgm:fillClrLst>
+      <a:schemeClr val="accent5">
+        <a:tint val="40000"/>
+        <a:alpha val="90000"/>
+      </a:schemeClr>
+      <a:schemeClr val="accent6">
+        <a:tint val="40000"/>
+        <a:alpha val="90000"/>
+      </a:schemeClr>
+    </dgm:fillClrLst>
+    <dgm:linClrLst>
+      <a:schemeClr val="accent5">
+        <a:tint val="40000"/>
+        <a:alpha val="90000"/>
+      </a:schemeClr>
+      <a:schemeClr val="accent6">
+        <a:tint val="40000"/>
+        <a:alpha val="90000"/>
+      </a:schemeClr>
+    </dgm:linClrLst>
+    <dgm:effectClrLst/>
+    <dgm:txLinClrLst/>
+    <dgm:txFillClrLst meth="repeat">
+      <a:schemeClr val="dk1"/>
+    </dgm:txFillClrLst>
+    <dgm:txEffectClrLst/>
+  </dgm:styleLbl>
+  <dgm:styleLbl name="bgAccFollowNode1">
+    <dgm:fillClrLst>
+      <a:schemeClr val="accent5">
+        <a:tint val="40000"/>
+        <a:alpha val="90000"/>
+      </a:schemeClr>
+      <a:schemeClr val="accent6">
+        <a:tint val="40000"/>
+        <a:alpha val="90000"/>
+      </a:schemeClr>
+    </dgm:fillClrLst>
+    <dgm:linClrLst>
+      <a:schemeClr val="accent5">
+        <a:tint val="40000"/>
+        <a:alpha val="90000"/>
+      </a:schemeClr>
+      <a:schemeClr val="accent6">
+        <a:tint val="40000"/>
+        <a:alpha val="90000"/>
+      </a:schemeClr>
+    </dgm:linClrLst>
+    <dgm:effectClrLst/>
+    <dgm:txLinClrLst/>
+    <dgm:txFillClrLst meth="repeat">
+      <a:schemeClr val="dk1"/>
+    </dgm:txFillClrLst>
+    <dgm:txEffectClrLst/>
+  </dgm:styleLbl>
+  <dgm:styleLbl name="fgAcc0">
+    <dgm:fillClrLst meth="repeat">
+      <a:schemeClr val="lt1">
+        <a:alpha val="90000"/>
+      </a:schemeClr>
+    </dgm:fillClrLst>
+    <dgm:linClrLst>
+      <a:schemeClr val="accent4"/>
+    </dgm:linClrLst>
+    <dgm:effectClrLst/>
+    <dgm:txLinClrLst/>
+    <dgm:txFillClrLst meth="repeat">
+      <a:schemeClr val="dk1"/>
+    </dgm:txFillClrLst>
+    <dgm:txEffectClrLst/>
+  </dgm:styleLbl>
+  <dgm:styleLbl name="fgAcc2">
+    <dgm:fillClrLst meth="repeat">
+      <a:schemeClr val="lt1">
+        <a:alpha val="90000"/>
+      </a:schemeClr>
+    </dgm:fillClrLst>
+    <dgm:linClrLst>
+      <a:schemeClr val="accent6"/>
+    </dgm:linClrLst>
+    <dgm:effectClrLst/>
+    <dgm:txLinClrLst/>
+    <dgm:txFillClrLst meth="repeat">
+      <a:schemeClr val="dk1"/>
+    </dgm:txFillClrLst>
+    <dgm:txEffectClrLst/>
+  </dgm:styleLbl>
+  <dgm:styleLbl name="fgAcc3">
+    <dgm:fillClrLst meth="repeat">
+      <a:schemeClr val="lt1">
+        <a:alpha val="90000"/>
+      </a:schemeClr>
+    </dgm:fillClrLst>
+    <dgm:linClrLst>
       <a:schemeClr val="accent1"/>
     </dgm:linClrLst>
     <dgm:effectClrLst/>
@@ -1479,14 +1728,14 @@
     </dgm:txFillClrLst>
     <dgm:txEffectClrLst/>
   </dgm:styleLbl>
-  <dgm:styleLbl name="conFgAcc1">
+  <dgm:styleLbl name="fgAcc4">
     <dgm:fillClrLst meth="repeat">
       <a:schemeClr val="lt1">
         <a:alpha val="90000"/>
       </a:schemeClr>
     </dgm:fillClrLst>
-    <dgm:linClrLst meth="repeat">
-      <a:schemeClr val="accent1"/>
+    <dgm:linClrLst>
+      <a:schemeClr val="accent2"/>
     </dgm:linClrLst>
     <dgm:effectClrLst/>
     <dgm:txLinClrLst/>
@@ -1495,14 +1744,14 @@
     </dgm:txFillClrLst>
     <dgm:txEffectClrLst/>
   </dgm:styleLbl>
-  <dgm:styleLbl name="alignAcc1">
+  <dgm:styleLbl name="bgShp">
     <dgm:fillClrLst meth="repeat">
-      <a:schemeClr val="lt1">
-        <a:alpha val="90000"/>
+      <a:schemeClr val="accent5">
+        <a:tint val="40000"/>
       </a:schemeClr>
     </dgm:fillClrLst>
     <dgm:linClrLst meth="repeat">
-      <a:schemeClr val="accent1"/>
+      <a:schemeClr val="dk1"/>
     </dgm:linClrLst>
     <dgm:effectClrLst/>
     <dgm:txLinClrLst/>
@@ -1511,228 +1760,14 @@
     </dgm:txFillClrLst>
     <dgm:txEffectClrLst/>
   </dgm:styleLbl>
-  <dgm:styleLbl name="trAlignAcc1">
+  <dgm:styleLbl name="dkBgShp">
     <dgm:fillClrLst meth="repeat">
-      <a:schemeClr val="lt1">
-        <a:alpha val="40000"/>
+      <a:schemeClr val="accent5">
+        <a:shade val="90000"/>
       </a:schemeClr>
     </dgm:fillClrLst>
     <dgm:linClrLst meth="repeat">
-      <a:schemeClr val="accent1"/>
-    </dgm:linClrLst>
-    <dgm:effectClrLst/>
-    <dgm:txLinClrLst/>
-    <dgm:txFillClrLst meth="repeat">
       <a:schemeClr val="dk1"/>
-    </dgm:txFillClrLst>
-    <dgm:txEffectClrLst/>
-  </dgm:styleLbl>
-  <dgm:styleLbl name="bgAcc1">
-    <dgm:fillClrLst meth="repeat">
-      <a:schemeClr val="lt1">
-        <a:alpha val="90000"/>
-      </a:schemeClr>
-    </dgm:fillClrLst>
-    <dgm:linClrLst meth="repeat">
-      <a:schemeClr val="accent1"/>
-    </dgm:linClrLst>
-    <dgm:effectClrLst/>
-    <dgm:txLinClrLst/>
-    <dgm:txFillClrLst meth="repeat">
-      <a:schemeClr val="dk1"/>
-    </dgm:txFillClrLst>
-    <dgm:txEffectClrLst/>
-  </dgm:styleLbl>
-  <dgm:styleLbl name="solidFgAcc1">
-    <dgm:fillClrLst meth="repeat">
-      <a:schemeClr val="lt1"/>
-    </dgm:fillClrLst>
-    <dgm:linClrLst meth="repeat">
-      <a:schemeClr val="accent1"/>
-    </dgm:linClrLst>
-    <dgm:effectClrLst/>
-    <dgm:txLinClrLst/>
-    <dgm:txFillClrLst meth="repeat">
-      <a:schemeClr val="dk1"/>
-    </dgm:txFillClrLst>
-    <dgm:txEffectClrLst/>
-  </dgm:styleLbl>
-  <dgm:styleLbl name="solidAlignAcc1">
-    <dgm:fillClrLst meth="repeat">
-      <a:schemeClr val="lt1"/>
-    </dgm:fillClrLst>
-    <dgm:linClrLst meth="repeat">
-      <a:schemeClr val="accent1"/>
-    </dgm:linClrLst>
-    <dgm:effectClrLst/>
-    <dgm:txLinClrLst/>
-    <dgm:txFillClrLst meth="repeat">
-      <a:schemeClr val="dk1"/>
-    </dgm:txFillClrLst>
-    <dgm:txEffectClrLst/>
-  </dgm:styleLbl>
-  <dgm:styleLbl name="solidBgAcc1">
-    <dgm:fillClrLst meth="repeat">
-      <a:schemeClr val="lt1"/>
-    </dgm:fillClrLst>
-    <dgm:linClrLst meth="repeat">
-      <a:schemeClr val="accent1"/>
-    </dgm:linClrLst>
-    <dgm:effectClrLst/>
-    <dgm:txLinClrLst/>
-    <dgm:txFillClrLst meth="repeat">
-      <a:schemeClr val="dk1"/>
-    </dgm:txFillClrLst>
-    <dgm:txEffectClrLst/>
-  </dgm:styleLbl>
-  <dgm:styleLbl name="fgAccFollowNode1">
-    <dgm:fillClrLst meth="repeat">
-      <a:schemeClr val="accent1">
-        <a:alpha val="90000"/>
-        <a:tint val="40000"/>
-      </a:schemeClr>
-    </dgm:fillClrLst>
-    <dgm:linClrLst meth="repeat">
-      <a:schemeClr val="accent1">
-        <a:alpha val="90000"/>
-        <a:tint val="40000"/>
-      </a:schemeClr>
-    </dgm:linClrLst>
-    <dgm:effectClrLst/>
-    <dgm:txLinClrLst/>
-    <dgm:txFillClrLst meth="repeat">
-      <a:schemeClr val="dk1"/>
-    </dgm:txFillClrLst>
-    <dgm:txEffectClrLst/>
-  </dgm:styleLbl>
-  <dgm:styleLbl name="alignAccFollowNode1">
-    <dgm:fillClrLst meth="repeat">
-      <a:schemeClr val="accent1">
-        <a:alpha val="90000"/>
-        <a:tint val="40000"/>
-      </a:schemeClr>
-    </dgm:fillClrLst>
-    <dgm:linClrLst meth="repeat">
-      <a:schemeClr val="accent1">
-        <a:alpha val="90000"/>
-        <a:tint val="40000"/>
-      </a:schemeClr>
-    </dgm:linClrLst>
-    <dgm:effectClrLst/>
-    <dgm:txLinClrLst/>
-    <dgm:txFillClrLst meth="repeat">
-      <a:schemeClr val="dk1"/>
-    </dgm:txFillClrLst>
-    <dgm:txEffectClrLst/>
-  </dgm:styleLbl>
-  <dgm:styleLbl name="bgAccFollowNode1">
-    <dgm:fillClrLst meth="repeat">
-      <a:schemeClr val="accent1">
-        <a:alpha val="90000"/>
-        <a:tint val="40000"/>
-      </a:schemeClr>
-    </dgm:fillClrLst>
-    <dgm:linClrLst meth="repeat">
-      <a:schemeClr val="accent1">
-        <a:alpha val="90000"/>
-        <a:tint val="40000"/>
-      </a:schemeClr>
-    </dgm:linClrLst>
-    <dgm:effectClrLst/>
-    <dgm:txLinClrLst/>
-    <dgm:txFillClrLst meth="repeat">
-      <a:schemeClr val="dk1"/>
-    </dgm:txFillClrLst>
-    <dgm:txEffectClrLst/>
-  </dgm:styleLbl>
-  <dgm:styleLbl name="fgAcc0">
-    <dgm:fillClrLst meth="repeat">
-      <a:schemeClr val="lt1">
-        <a:alpha val="90000"/>
-      </a:schemeClr>
-    </dgm:fillClrLst>
-    <dgm:linClrLst meth="repeat">
-      <a:schemeClr val="accent1"/>
-    </dgm:linClrLst>
-    <dgm:effectClrLst/>
-    <dgm:txLinClrLst/>
-    <dgm:txFillClrLst meth="repeat">
-      <a:schemeClr val="dk1"/>
-    </dgm:txFillClrLst>
-    <dgm:txEffectClrLst/>
-  </dgm:styleLbl>
-  <dgm:styleLbl name="fgAcc2">
-    <dgm:fillClrLst meth="repeat">
-      <a:schemeClr val="lt1">
-        <a:alpha val="90000"/>
-      </a:schemeClr>
-    </dgm:fillClrLst>
-    <dgm:linClrLst meth="repeat">
-      <a:schemeClr val="accent1"/>
-    </dgm:linClrLst>
-    <dgm:effectClrLst/>
-    <dgm:txLinClrLst/>
-    <dgm:txFillClrLst meth="repeat">
-      <a:schemeClr val="dk1"/>
-    </dgm:txFillClrLst>
-    <dgm:txEffectClrLst/>
-  </dgm:styleLbl>
-  <dgm:styleLbl name="fgAcc3">
-    <dgm:fillClrLst meth="repeat">
-      <a:schemeClr val="lt1">
-        <a:alpha val="90000"/>
-      </a:schemeClr>
-    </dgm:fillClrLst>
-    <dgm:linClrLst meth="repeat">
-      <a:schemeClr val="accent1"/>
-    </dgm:linClrLst>
-    <dgm:effectClrLst/>
-    <dgm:txLinClrLst/>
-    <dgm:txFillClrLst meth="repeat">
-      <a:schemeClr val="dk1"/>
-    </dgm:txFillClrLst>
-    <dgm:txEffectClrLst/>
-  </dgm:styleLbl>
-  <dgm:styleLbl name="fgAcc4">
-    <dgm:fillClrLst meth="repeat">
-      <a:schemeClr val="lt1">
-        <a:alpha val="90000"/>
-      </a:schemeClr>
-    </dgm:fillClrLst>
-    <dgm:linClrLst meth="repeat">
-      <a:schemeClr val="accent1"/>
-    </dgm:linClrLst>
-    <dgm:effectClrLst/>
-    <dgm:txLinClrLst/>
-    <dgm:txFillClrLst meth="repeat">
-      <a:schemeClr val="dk1"/>
-    </dgm:txFillClrLst>
-    <dgm:txEffectClrLst/>
-  </dgm:styleLbl>
-  <dgm:styleLbl name="bgShp">
-    <dgm:fillClrLst meth="repeat">
-      <a:schemeClr val="accent1">
-        <a:tint val="40000"/>
-      </a:schemeClr>
-    </dgm:fillClrLst>
-    <dgm:linClrLst meth="repeat">
-      <a:schemeClr val="accent1"/>
-    </dgm:linClrLst>
-    <dgm:effectClrLst/>
-    <dgm:txLinClrLst/>
-    <dgm:txFillClrLst meth="repeat">
-      <a:schemeClr val="dk1"/>
-    </dgm:txFillClrLst>
-    <dgm:txEffectClrLst/>
-  </dgm:styleLbl>
-  <dgm:styleLbl name="dkBgShp">
-    <dgm:fillClrLst meth="repeat">
-      <a:schemeClr val="accent1">
-        <a:shade val="80000"/>
-      </a:schemeClr>
-    </dgm:fillClrLst>
-    <dgm:linClrLst meth="repeat">
-      <a:schemeClr val="accent1"/>
     </dgm:linClrLst>
     <dgm:effectClrLst/>
     <dgm:txLinClrLst/>
@@ -1743,13 +1778,13 @@
   </dgm:styleLbl>
   <dgm:styleLbl name="trBgShp">
     <dgm:fillClrLst meth="repeat">
-      <a:schemeClr val="accent1">
+      <a:schemeClr val="accent5">
         <a:tint val="50000"/>
         <a:alpha val="40000"/>
       </a:schemeClr>
     </dgm:fillClrLst>
     <dgm:linClrLst meth="repeat">
-      <a:schemeClr val="accent1"/>
+      <a:schemeClr val="accent5"/>
     </dgm:linClrLst>
     <dgm:effectClrLst/>
     <dgm:txLinClrLst/>
@@ -1760,8 +1795,8 @@
   </dgm:styleLbl>
   <dgm:styleLbl name="fgShp">
     <dgm:fillClrLst meth="repeat">
-      <a:schemeClr val="accent1">
-        <a:tint val="60000"/>
+      <a:schemeClr val="accent5">
+        <a:tint val="40000"/>
       </a:schemeClr>
     </dgm:fillClrLst>
     <dgm:linClrLst meth="repeat">
@@ -3005,8 +3040,8 @@
   </dgm:ptLst>
   <dgm:cxnLst>
     <dgm:cxn modelId="{2B24550E-81B3-426F-BE48-6FA07DEB0006}" srcId="{A933ACAE-7780-4DF5-858C-D6AA07E0E593}" destId="{E603327F-15B3-4D48-A753-A9139F8B0D35}" srcOrd="2" destOrd="0" parTransId="{970FE23F-581A-49DB-AE37-3D6FB1C300F2}" sibTransId="{622E9EE8-5C74-4C09-B275-BD0BEB6D5C08}"/>
+    <dgm:cxn modelId="{6C2D9868-A5AB-4DE5-97F0-8847999668D7}" type="presOf" srcId="{E603327F-15B3-4D48-A753-A9139F8B0D35}" destId="{103DC83F-D0A3-48D7-AB6D-EDD100A7CAA4}" srcOrd="0" destOrd="0" presId="urn:microsoft.com/office/officeart/2018/2/layout/IconVerticalSolidList"/>
     <dgm:cxn modelId="{E207C44C-3845-411E-BF35-CFB0DC884139}" srcId="{A933ACAE-7780-4DF5-858C-D6AA07E0E593}" destId="{A5819F66-59C4-4704-A22F-419521284766}" srcOrd="1" destOrd="0" parTransId="{E7AA1A4E-B192-4BE4-A63C-129465BE8446}" sibTransId="{900063D9-3B12-47BF-B23D-971318CAB0A7}"/>
-    <dgm:cxn modelId="{6C2D9868-A5AB-4DE5-97F0-8847999668D7}" type="presOf" srcId="{E603327F-15B3-4D48-A753-A9139F8B0D35}" destId="{103DC83F-D0A3-48D7-AB6D-EDD100A7CAA4}" srcOrd="0" destOrd="0" presId="urn:microsoft.com/office/officeart/2018/2/layout/IconVerticalSolidList"/>
     <dgm:cxn modelId="{0874616F-2898-4294-B1AD-8CD6BCE2FE2C}" type="presOf" srcId="{A933ACAE-7780-4DF5-858C-D6AA07E0E593}" destId="{61A30870-CC18-475D-8026-243365D951DD}" srcOrd="0" destOrd="0" presId="urn:microsoft.com/office/officeart/2018/2/layout/IconVerticalSolidList"/>
     <dgm:cxn modelId="{63D7F87B-A8FD-44CD-A5F9-018A01A32536}" srcId="{A933ACAE-7780-4DF5-858C-D6AA07E0E593}" destId="{DBB65D89-528B-4284-9C42-FE3083DAC981}" srcOrd="0" destOrd="0" parTransId="{4EA7726A-B92A-43C8-9E91-0ECDB3585903}" sibTransId="{ED4C0813-4A38-4FF1-B48B-49E524FFD054}"/>
     <dgm:cxn modelId="{0A266E89-782C-457A-A8ED-71D9EBDEEC6C}" type="presOf" srcId="{DBB65D89-528B-4284-9C42-FE3083DAC981}" destId="{23DC7C18-DD0C-4A94-9C0D-E94F74E12519}" srcOrd="0" destOrd="0" presId="urn:microsoft.com/office/officeart/2018/2/layout/IconVerticalSolidList"/>
@@ -3033,7 +3068,7 @@
   <dgm:whole/>
   <dgm:extLst>
     <a:ext uri="http://schemas.microsoft.com/office/drawing/2008/diagram">
-      <dsp:dataModelExt xmlns:dsp="http://schemas.microsoft.com/office/drawing/2008/diagram" relId="rId6" minVer="http://schemas.openxmlformats.org/drawingml/2006/diagram"/>
+      <dsp:dataModelExt xmlns:dsp="http://schemas.microsoft.com/office/drawing/2008/diagram" relId="rId7" minVer="http://schemas.openxmlformats.org/drawingml/2006/diagram"/>
     </a:ext>
   </dgm:extLst>
 </dgm:dataModel>
@@ -3043,7 +3078,7 @@
 <dgm:dataModel xmlns:dgm="http://schemas.openxmlformats.org/drawingml/2006/diagram" xmlns:a="http://schemas.openxmlformats.org/drawingml/2006/main">
   <dgm:ptLst>
     <dgm:pt modelId="{A6B621F4-1CB3-4A38-806E-6C0EF11C685E}" type="doc">
-      <dgm:prSet loTypeId="urn:microsoft.com/office/officeart/2008/layout/LinedList" loCatId="list" qsTypeId="urn:microsoft.com/office/officeart/2005/8/quickstyle/simple1" qsCatId="simple" csTypeId="urn:microsoft.com/office/officeart/2005/8/colors/accent1_2" csCatId="accent1"/>
+      <dgm:prSet loTypeId="urn:microsoft.com/office/officeart/2005/8/layout/vList2" loCatId="list" qsTypeId="urn:microsoft.com/office/officeart/2005/8/quickstyle/simple1" qsCatId="simple" csTypeId="urn:microsoft.com/office/officeart/2005/8/colors/colorful5" csCatId="colorful" phldr="1"/>
       <dgm:spPr/>
       <dgm:t>
         <a:bodyPr/>
@@ -3061,7 +3096,7 @@
         <a:lstStyle/>
         <a:p>
           <a:r>
-            <a:rPr lang="en-US"/>
+            <a:rPr lang="en-US" dirty="0"/>
             <a:t>Up next: Windows App SDK 1.6</a:t>
           </a:r>
         </a:p>
@@ -3181,85 +3216,427 @@
         </a:p>
       </dgm:t>
     </dgm:pt>
-    <dgm:pt modelId="{847F8B11-872E-AE47-9CE4-167BE4BC9F7E}" type="pres">
-      <dgm:prSet presAssocID="{A6B621F4-1CB3-4A38-806E-6C0EF11C685E}" presName="vert0" presStyleCnt="0">
+    <dgm:pt modelId="{811C0B52-2A08-4327-AD76-D45F602ADC98}">
+      <dgm:prSet/>
+      <dgm:spPr/>
+      <dgm:t>
+        <a:bodyPr/>
+        <a:lstStyle/>
+        <a:p>
+          <a:r>
+            <a:rPr lang="en-US" dirty="0"/>
+            <a:t>Quality - Address top issues (controls and Windows App SDK installer)</a:t>
+          </a:r>
+        </a:p>
+      </dgm:t>
+    </dgm:pt>
+    <dgm:pt modelId="{C79EF54C-3433-4056-8B95-AEB2821DEA4D}" type="parTrans" cxnId="{90D66076-E5EF-4D1B-9387-CC5805EFDBC8}">
+      <dgm:prSet/>
+      <dgm:spPr/>
+      <dgm:t>
+        <a:bodyPr/>
+        <a:lstStyle/>
+        <a:p>
+          <a:endParaRPr lang="en-US"/>
+        </a:p>
+      </dgm:t>
+    </dgm:pt>
+    <dgm:pt modelId="{2891C27F-9060-4775-AFF5-D891B31AA9A7}" type="sibTrans" cxnId="{90D66076-E5EF-4D1B-9387-CC5805EFDBC8}">
+      <dgm:prSet/>
+      <dgm:spPr/>
+      <dgm:t>
+        <a:bodyPr/>
+        <a:lstStyle/>
+        <a:p>
+          <a:endParaRPr lang="en-US"/>
+        </a:p>
+      </dgm:t>
+    </dgm:pt>
+    <dgm:pt modelId="{F4C94C3A-3E70-45DF-9EED-33CC8B5D880E}">
+      <dgm:prSet/>
+      <dgm:spPr/>
+      <dgm:t>
+        <a:bodyPr/>
+        <a:lstStyle/>
+        <a:p>
+          <a:r>
+            <a:rPr lang="en-US" dirty="0"/>
+            <a:t>Performance</a:t>
+          </a:r>
+        </a:p>
+      </dgm:t>
+    </dgm:pt>
+    <dgm:pt modelId="{0D66A478-318F-4559-B813-125B60FC0777}" type="parTrans" cxnId="{D63CE6AF-4CBE-4A4A-BC21-67C6A2F7D345}">
+      <dgm:prSet/>
+      <dgm:spPr/>
+      <dgm:t>
+        <a:bodyPr/>
+        <a:lstStyle/>
+        <a:p>
+          <a:endParaRPr lang="en-US"/>
+        </a:p>
+      </dgm:t>
+    </dgm:pt>
+    <dgm:pt modelId="{3B706A9A-784E-41E8-AD4C-3AE07EDFA898}" type="sibTrans" cxnId="{D63CE6AF-4CBE-4A4A-BC21-67C6A2F7D345}">
+      <dgm:prSet/>
+      <dgm:spPr/>
+      <dgm:t>
+        <a:bodyPr/>
+        <a:lstStyle/>
+        <a:p>
+          <a:endParaRPr lang="en-US"/>
+        </a:p>
+      </dgm:t>
+    </dgm:pt>
+    <dgm:pt modelId="{4A8003FA-FE2D-40DD-9140-79042F59634A}">
+      <dgm:prSet/>
+      <dgm:spPr/>
+      <dgm:t>
+        <a:bodyPr/>
+        <a:lstStyle/>
+        <a:p>
+          <a:r>
+            <a:rPr lang="en-US" dirty="0"/>
+            <a:t>Improved </a:t>
+          </a:r>
+          <a:r>
+            <a:rPr lang="en-US" dirty="0" err="1"/>
+            <a:t>TitleBar</a:t>
+          </a:r>
+          <a:r>
+            <a:rPr lang="en-US" dirty="0"/>
+            <a:t> and tab dragging</a:t>
+          </a:r>
+        </a:p>
+      </dgm:t>
+    </dgm:pt>
+    <dgm:pt modelId="{03110B09-6457-4F4C-8770-60EF59BDDFF4}" type="parTrans" cxnId="{AC8E6334-8B6D-4FE1-BF9F-DFF3A7B131A0}">
+      <dgm:prSet/>
+      <dgm:spPr/>
+      <dgm:t>
+        <a:bodyPr/>
+        <a:lstStyle/>
+        <a:p>
+          <a:endParaRPr lang="en-US"/>
+        </a:p>
+      </dgm:t>
+    </dgm:pt>
+    <dgm:pt modelId="{2B791422-97C0-46C2-9DA9-744F5C86CB9C}" type="sibTrans" cxnId="{AC8E6334-8B6D-4FE1-BF9F-DFF3A7B131A0}">
+      <dgm:prSet/>
+      <dgm:spPr/>
+      <dgm:t>
+        <a:bodyPr/>
+        <a:lstStyle/>
+        <a:p>
+          <a:endParaRPr lang="en-US"/>
+        </a:p>
+      </dgm:t>
+    </dgm:pt>
+    <dgm:pt modelId="{0E1CF8A5-A4C0-4DFE-A6FA-20B8C50C4D8F}">
+      <dgm:prSet/>
+      <dgm:spPr/>
+      <dgm:t>
+        <a:bodyPr/>
+        <a:lstStyle/>
+        <a:p>
+          <a:r>
+            <a:rPr lang="en-US" dirty="0"/>
+            <a:t>IntelliSense and x:Bind improvements</a:t>
+          </a:r>
+        </a:p>
+      </dgm:t>
+    </dgm:pt>
+    <dgm:pt modelId="{6528BF6C-2D88-4456-B903-801A0026B28C}" type="parTrans" cxnId="{26CAF3A7-3C0B-4B97-B618-9A6709A0473F}">
+      <dgm:prSet/>
+      <dgm:spPr/>
+      <dgm:t>
+        <a:bodyPr/>
+        <a:lstStyle/>
+        <a:p>
+          <a:endParaRPr lang="en-US"/>
+        </a:p>
+      </dgm:t>
+    </dgm:pt>
+    <dgm:pt modelId="{6113F7E1-7E14-4FBB-A205-7C6C6ADF9282}" type="sibTrans" cxnId="{26CAF3A7-3C0B-4B97-B618-9A6709A0473F}">
+      <dgm:prSet/>
+      <dgm:spPr/>
+      <dgm:t>
+        <a:bodyPr/>
+        <a:lstStyle/>
+        <a:p>
+          <a:endParaRPr lang="en-US"/>
+        </a:p>
+      </dgm:t>
+    </dgm:pt>
+    <dgm:pt modelId="{5200F57D-1822-4986-B754-342BD97DC98F}">
+      <dgm:prSet/>
+      <dgm:spPr/>
+      <dgm:t>
+        <a:bodyPr/>
+        <a:lstStyle/>
+        <a:p>
+          <a:r>
+            <a:rPr lang="en-US" dirty="0"/>
+            <a:t>Continued work in 1.6, but release in 1.7+</a:t>
+          </a:r>
+        </a:p>
+      </dgm:t>
+    </dgm:pt>
+    <dgm:pt modelId="{A91CE92A-5D79-4EE7-BD8D-BD257B2B065B}" type="parTrans" cxnId="{2F4EAA6F-BF6A-4459-B693-6AC1BA8FF695}">
+      <dgm:prSet/>
+      <dgm:spPr/>
+      <dgm:t>
+        <a:bodyPr/>
+        <a:lstStyle/>
+        <a:p>
+          <a:endParaRPr lang="en-US"/>
+        </a:p>
+      </dgm:t>
+    </dgm:pt>
+    <dgm:pt modelId="{46526B07-030F-4AD8-9D7C-329675D7F0F9}" type="sibTrans" cxnId="{2F4EAA6F-BF6A-4459-B693-6AC1BA8FF695}">
+      <dgm:prSet/>
+      <dgm:spPr/>
+      <dgm:t>
+        <a:bodyPr/>
+        <a:lstStyle/>
+        <a:p>
+          <a:endParaRPr lang="en-US"/>
+        </a:p>
+      </dgm:t>
+    </dgm:pt>
+    <dgm:pt modelId="{BA269B1F-8AA7-40BF-BB5D-F7E53F2EA80D}">
+      <dgm:prSet/>
+      <dgm:spPr/>
+      <dgm:t>
+        <a:bodyPr/>
+        <a:lstStyle/>
+        <a:p>
+          <a:r>
+            <a:rPr lang="en-US" dirty="0" err="1"/>
+            <a:t>TableView</a:t>
+          </a:r>
+          <a:r>
+            <a:rPr lang="en-US" dirty="0"/>
+            <a:t>, inking controls, and cross-process Islands</a:t>
+          </a:r>
+        </a:p>
+      </dgm:t>
+    </dgm:pt>
+    <dgm:pt modelId="{E4B04BEB-7662-49CA-B608-5E382E133FF8}" type="parTrans" cxnId="{B79D5CD8-464D-4CE6-B013-4E96A9876C08}">
+      <dgm:prSet/>
+      <dgm:spPr/>
+      <dgm:t>
+        <a:bodyPr/>
+        <a:lstStyle/>
+        <a:p>
+          <a:endParaRPr lang="en-US"/>
+        </a:p>
+      </dgm:t>
+    </dgm:pt>
+    <dgm:pt modelId="{4FF46375-5515-4A15-B08C-92617686AB26}" type="sibTrans" cxnId="{B79D5CD8-464D-4CE6-B013-4E96A9876C08}">
+      <dgm:prSet/>
+      <dgm:spPr/>
+      <dgm:t>
+        <a:bodyPr/>
+        <a:lstStyle/>
+        <a:p>
+          <a:endParaRPr lang="en-US"/>
+        </a:p>
+      </dgm:t>
+    </dgm:pt>
+    <dgm:pt modelId="{EF73EB12-6A93-4F6D-BE4B-D244678E171A}">
+      <dgm:prSet/>
+      <dgm:spPr/>
+      <dgm:t>
+        <a:bodyPr/>
+        <a:lstStyle/>
+        <a:p>
+          <a:r>
+            <a:rPr lang="en-US" dirty="0"/>
+            <a:t>Smooth app resizing</a:t>
+          </a:r>
+        </a:p>
+      </dgm:t>
+    </dgm:pt>
+    <dgm:pt modelId="{167CD09A-EF19-4301-BB06-5B4233691BDE}" type="parTrans" cxnId="{C653E750-05F1-4C02-8924-B243DAFEA797}">
+      <dgm:prSet/>
+      <dgm:spPr/>
+      <dgm:t>
+        <a:bodyPr/>
+        <a:lstStyle/>
+        <a:p>
+          <a:endParaRPr lang="en-US"/>
+        </a:p>
+      </dgm:t>
+    </dgm:pt>
+    <dgm:pt modelId="{7DF1DCCA-2092-4EA4-82FD-4F1B010D766F}" type="sibTrans" cxnId="{C653E750-05F1-4C02-8924-B243DAFEA797}">
+      <dgm:prSet/>
+      <dgm:spPr/>
+      <dgm:t>
+        <a:bodyPr/>
+        <a:lstStyle/>
+        <a:p>
+          <a:endParaRPr lang="en-US"/>
+        </a:p>
+      </dgm:t>
+    </dgm:pt>
+    <dgm:pt modelId="{A253A4DA-CB27-4A49-A5DD-667DA2616790}">
+      <dgm:prSet/>
+      <dgm:spPr/>
+      <dgm:t>
+        <a:bodyPr/>
+        <a:lstStyle/>
+        <a:p>
+          <a:r>
+            <a:rPr lang="en-US" dirty="0"/>
+            <a:t>C# Native </a:t>
+          </a:r>
+          <a:r>
+            <a:rPr lang="en-US"/>
+            <a:t>AOT support</a:t>
+          </a:r>
+          <a:endParaRPr lang="en-US" dirty="0"/>
+        </a:p>
+      </dgm:t>
+    </dgm:pt>
+    <dgm:pt modelId="{70583D9D-7666-4375-B284-799E2E24E54C}" type="parTrans" cxnId="{2EEEC16C-8446-4EEF-923F-9E195B0829F7}">
+      <dgm:prSet/>
+      <dgm:spPr/>
+      <dgm:t>
+        <a:bodyPr/>
+        <a:lstStyle/>
+        <a:p>
+          <a:endParaRPr lang="en-US"/>
+        </a:p>
+      </dgm:t>
+    </dgm:pt>
+    <dgm:pt modelId="{8976510E-3400-4415-B8F0-6E2CCA8F0AEA}" type="sibTrans" cxnId="{2EEEC16C-8446-4EEF-923F-9E195B0829F7}">
+      <dgm:prSet/>
+      <dgm:spPr/>
+      <dgm:t>
+        <a:bodyPr/>
+        <a:lstStyle/>
+        <a:p>
+          <a:endParaRPr lang="en-US"/>
+        </a:p>
+      </dgm:t>
+    </dgm:pt>
+    <dgm:pt modelId="{F673AD63-71AD-4934-A86C-121E6B918FA0}">
+      <dgm:prSet/>
+      <dgm:spPr/>
+      <dgm:t>
+        <a:bodyPr/>
+        <a:lstStyle/>
+        <a:p>
+          <a:r>
+            <a:rPr lang="en-US" dirty="0"/>
+            <a:t>General perf improvements</a:t>
+          </a:r>
+        </a:p>
+      </dgm:t>
+    </dgm:pt>
+    <dgm:pt modelId="{028F30BA-7BFA-40B3-B3DF-C47548A4E973}" type="parTrans" cxnId="{D631BFBD-79AB-4A1B-9089-F0B22EB25BBE}">
+      <dgm:prSet/>
+      <dgm:spPr/>
+      <dgm:t>
+        <a:bodyPr/>
+        <a:lstStyle/>
+        <a:p>
+          <a:endParaRPr lang="en-US"/>
+        </a:p>
+      </dgm:t>
+    </dgm:pt>
+    <dgm:pt modelId="{C1700AEA-38B8-4555-8AE2-397020220160}" type="sibTrans" cxnId="{D631BFBD-79AB-4A1B-9089-F0B22EB25BBE}">
+      <dgm:prSet/>
+      <dgm:spPr/>
+      <dgm:t>
+        <a:bodyPr/>
+        <a:lstStyle/>
+        <a:p>
+          <a:endParaRPr lang="en-US"/>
+        </a:p>
+      </dgm:t>
+    </dgm:pt>
+    <dgm:pt modelId="{E8036105-7427-4AEC-A09C-7A715734ECC3}" type="pres">
+      <dgm:prSet presAssocID="{A6B621F4-1CB3-4A38-806E-6C0EF11C685E}" presName="linear" presStyleCnt="0">
         <dgm:presLayoutVars>
-          <dgm:dir/>
-          <dgm:animOne val="branch"/>
           <dgm:animLvl val="lvl"/>
+          <dgm:resizeHandles val="exact"/>
         </dgm:presLayoutVars>
       </dgm:prSet>
       <dgm:spPr/>
     </dgm:pt>
-    <dgm:pt modelId="{17390688-FD26-E148-88E8-ED7E5C802039}" type="pres">
-      <dgm:prSet presAssocID="{2004030C-332B-4072-AFE1-22E865A21FF9}" presName="thickLine" presStyleLbl="alignNode1" presStyleIdx="0" presStyleCnt="3"/>
+    <dgm:pt modelId="{21A12690-DA36-452B-9960-5AA31672A6D5}" type="pres">
+      <dgm:prSet presAssocID="{2004030C-332B-4072-AFE1-22E865A21FF9}" presName="parentText" presStyleLbl="node1" presStyleIdx="0" presStyleCnt="3">
+        <dgm:presLayoutVars>
+          <dgm:chMax val="0"/>
+          <dgm:bulletEnabled val="1"/>
+        </dgm:presLayoutVars>
+      </dgm:prSet>
       <dgm:spPr/>
     </dgm:pt>
-    <dgm:pt modelId="{C02F166D-6FFE-274A-88A4-2A3EBD317A61}" type="pres">
-      <dgm:prSet presAssocID="{2004030C-332B-4072-AFE1-22E865A21FF9}" presName="horz1" presStyleCnt="0"/>
+    <dgm:pt modelId="{10088698-C6FC-4465-A958-32E43273EA05}" type="pres">
+      <dgm:prSet presAssocID="{2004030C-332B-4072-AFE1-22E865A21FF9}" presName="childText" presStyleLbl="revTx" presStyleIdx="0" presStyleCnt="1">
+        <dgm:presLayoutVars>
+          <dgm:bulletEnabled val="1"/>
+        </dgm:presLayoutVars>
+      </dgm:prSet>
       <dgm:spPr/>
     </dgm:pt>
-    <dgm:pt modelId="{CFB79062-EF56-5F4B-9FCD-D5540355276B}" type="pres">
-      <dgm:prSet presAssocID="{2004030C-332B-4072-AFE1-22E865A21FF9}" presName="tx1" presStyleLbl="revTx" presStyleIdx="0" presStyleCnt="3"/>
+    <dgm:pt modelId="{080DD3DD-C325-46D2-94F5-8D18732AA821}" type="pres">
+      <dgm:prSet presAssocID="{828584FC-0DD2-428B-A303-21FB1DBEBBB8}" presName="parentText" presStyleLbl="node1" presStyleIdx="1" presStyleCnt="3">
+        <dgm:presLayoutVars>
+          <dgm:chMax val="0"/>
+          <dgm:bulletEnabled val="1"/>
+        </dgm:presLayoutVars>
+      </dgm:prSet>
       <dgm:spPr/>
     </dgm:pt>
-    <dgm:pt modelId="{EA7FA467-FC7C-944B-B2EC-934033113680}" type="pres">
-      <dgm:prSet presAssocID="{2004030C-332B-4072-AFE1-22E865A21FF9}" presName="vert1" presStyleCnt="0"/>
+    <dgm:pt modelId="{61E529B3-822F-4965-903F-950F6ADFBF0E}" type="pres">
+      <dgm:prSet presAssocID="{2B4FCE66-8E93-4BE1-9C77-7005A1682A3D}" presName="spacer" presStyleCnt="0"/>
       <dgm:spPr/>
     </dgm:pt>
-    <dgm:pt modelId="{31A7B2DA-C760-0B42-B566-4CD46CB3E304}" type="pres">
-      <dgm:prSet presAssocID="{828584FC-0DD2-428B-A303-21FB1DBEBBB8}" presName="thickLine" presStyleLbl="alignNode1" presStyleIdx="1" presStyleCnt="3"/>
-      <dgm:spPr/>
-    </dgm:pt>
-    <dgm:pt modelId="{9319C105-B463-5540-9956-4415887A0401}" type="pres">
-      <dgm:prSet presAssocID="{828584FC-0DD2-428B-A303-21FB1DBEBBB8}" presName="horz1" presStyleCnt="0"/>
-      <dgm:spPr/>
-    </dgm:pt>
-    <dgm:pt modelId="{17D90343-566C-E642-9F2B-C46BA74883C3}" type="pres">
-      <dgm:prSet presAssocID="{828584FC-0DD2-428B-A303-21FB1DBEBBB8}" presName="tx1" presStyleLbl="revTx" presStyleIdx="1" presStyleCnt="3"/>
-      <dgm:spPr/>
-    </dgm:pt>
-    <dgm:pt modelId="{64568B9C-DBED-354B-A70B-DC0E4CDCEF53}" type="pres">
-      <dgm:prSet presAssocID="{828584FC-0DD2-428B-A303-21FB1DBEBBB8}" presName="vert1" presStyleCnt="0"/>
-      <dgm:spPr/>
-    </dgm:pt>
-    <dgm:pt modelId="{475BBA90-5DF3-4C43-9D96-A4022BD4CAE9}" type="pres">
-      <dgm:prSet presAssocID="{21DAA279-68CC-4BFC-9FFC-60956DB38B95}" presName="thickLine" presStyleLbl="alignNode1" presStyleIdx="2" presStyleCnt="3"/>
-      <dgm:spPr/>
-    </dgm:pt>
-    <dgm:pt modelId="{48C0DBF9-BF24-CD4F-870A-8957935BB8AA}" type="pres">
-      <dgm:prSet presAssocID="{21DAA279-68CC-4BFC-9FFC-60956DB38B95}" presName="horz1" presStyleCnt="0"/>
-      <dgm:spPr/>
-    </dgm:pt>
-    <dgm:pt modelId="{0A35448F-9BC4-1F42-9F3A-0B4121D5D726}" type="pres">
-      <dgm:prSet presAssocID="{21DAA279-68CC-4BFC-9FFC-60956DB38B95}" presName="tx1" presStyleLbl="revTx" presStyleIdx="2" presStyleCnt="3"/>
-      <dgm:spPr/>
-    </dgm:pt>
-    <dgm:pt modelId="{1A8F3DBE-EF2F-7345-95EE-BB871F0AA131}" type="pres">
-      <dgm:prSet presAssocID="{21DAA279-68CC-4BFC-9FFC-60956DB38B95}" presName="vert1" presStyleCnt="0"/>
+    <dgm:pt modelId="{BFFDD1B2-ED31-4779-97B3-01E417A0EE2F}" type="pres">
+      <dgm:prSet presAssocID="{21DAA279-68CC-4BFC-9FFC-60956DB38B95}" presName="parentText" presStyleLbl="node1" presStyleIdx="2" presStyleCnt="3">
+        <dgm:presLayoutVars>
+          <dgm:chMax val="0"/>
+          <dgm:bulletEnabled val="1"/>
+        </dgm:presLayoutVars>
+      </dgm:prSet>
       <dgm:spPr/>
     </dgm:pt>
   </dgm:ptLst>
   <dgm:cxnLst>
-    <dgm:cxn modelId="{CFA4301B-AC4E-584D-AB43-38A8B0B80E37}" type="presOf" srcId="{A6B621F4-1CB3-4A38-806E-6C0EF11C685E}" destId="{847F8B11-872E-AE47-9CE4-167BE4BC9F7E}" srcOrd="0" destOrd="0" presId="urn:microsoft.com/office/officeart/2008/layout/LinedList"/>
-    <dgm:cxn modelId="{89412658-38B9-2148-B33A-8CB047A0E77A}" type="presOf" srcId="{2004030C-332B-4072-AFE1-22E865A21FF9}" destId="{CFB79062-EF56-5F4B-9FCD-D5540355276B}" srcOrd="0" destOrd="0" presId="urn:microsoft.com/office/officeart/2008/layout/LinedList"/>
+    <dgm:cxn modelId="{306B8F21-3584-4B67-89D1-9B683AA646FF}" type="presOf" srcId="{BA269B1F-8AA7-40BF-BB5D-F7E53F2EA80D}" destId="{10088698-C6FC-4465-A958-32E43273EA05}" srcOrd="0" destOrd="7" presId="urn:microsoft.com/office/officeart/2005/8/layout/vList2"/>
+    <dgm:cxn modelId="{DFDA5528-5934-4DD9-AB50-F778973AD1FA}" type="presOf" srcId="{EF73EB12-6A93-4F6D-BE4B-D244678E171A}" destId="{10088698-C6FC-4465-A958-32E43273EA05}" srcOrd="0" destOrd="8" presId="urn:microsoft.com/office/officeart/2005/8/layout/vList2"/>
+    <dgm:cxn modelId="{AC8E6334-8B6D-4FE1-BF9F-DFF3A7B131A0}" srcId="{2004030C-332B-4072-AFE1-22E865A21FF9}" destId="{4A8003FA-FE2D-40DD-9140-79042F59634A}" srcOrd="2" destOrd="0" parTransId="{03110B09-6457-4F4C-8770-60EF59BDDFF4}" sibTransId="{2B791422-97C0-46C2-9DA9-744F5C86CB9C}"/>
+    <dgm:cxn modelId="{44635460-5BAE-4B15-B326-6C6A7EE6532F}" type="presOf" srcId="{A253A4DA-CB27-4A49-A5DD-667DA2616790}" destId="{10088698-C6FC-4465-A958-32E43273EA05}" srcOrd="0" destOrd="2" presId="urn:microsoft.com/office/officeart/2005/8/layout/vList2"/>
+    <dgm:cxn modelId="{2EEEC16C-8446-4EEF-923F-9E195B0829F7}" srcId="{F4C94C3A-3E70-45DF-9EED-33CC8B5D880E}" destId="{A253A4DA-CB27-4A49-A5DD-667DA2616790}" srcOrd="0" destOrd="0" parTransId="{70583D9D-7666-4375-B284-799E2E24E54C}" sibTransId="{8976510E-3400-4415-B8F0-6E2CCA8F0AEA}"/>
+    <dgm:cxn modelId="{2F4EAA6F-BF6A-4459-B693-6AC1BA8FF695}" srcId="{2004030C-332B-4072-AFE1-22E865A21FF9}" destId="{5200F57D-1822-4986-B754-342BD97DC98F}" srcOrd="4" destOrd="0" parTransId="{A91CE92A-5D79-4EE7-BD8D-BD257B2B065B}" sibTransId="{46526B07-030F-4AD8-9D7C-329675D7F0F9}"/>
+    <dgm:cxn modelId="{C653E750-05F1-4C02-8924-B243DAFEA797}" srcId="{5200F57D-1822-4986-B754-342BD97DC98F}" destId="{EF73EB12-6A93-4F6D-BE4B-D244678E171A}" srcOrd="1" destOrd="0" parTransId="{167CD09A-EF19-4301-BB06-5B4233691BDE}" sibTransId="{7DF1DCCA-2092-4EA4-82FD-4F1B010D766F}"/>
+    <dgm:cxn modelId="{E2F81455-43C9-4995-AA3C-43DD9D81186E}" type="presOf" srcId="{4A8003FA-FE2D-40DD-9140-79042F59634A}" destId="{10088698-C6FC-4465-A958-32E43273EA05}" srcOrd="0" destOrd="4" presId="urn:microsoft.com/office/officeart/2005/8/layout/vList2"/>
+    <dgm:cxn modelId="{90D66076-E5EF-4D1B-9387-CC5805EFDBC8}" srcId="{2004030C-332B-4072-AFE1-22E865A21FF9}" destId="{811C0B52-2A08-4327-AD76-D45F602ADC98}" srcOrd="0" destOrd="0" parTransId="{C79EF54C-3433-4056-8B95-AEB2821DEA4D}" sibTransId="{2891C27F-9060-4775-AFF5-D891B31AA9A7}"/>
     <dgm:cxn modelId="{310FA379-9390-4B05-B319-8D6186712055}" srcId="{A6B621F4-1CB3-4A38-806E-6C0EF11C685E}" destId="{2004030C-332B-4072-AFE1-22E865A21FF9}" srcOrd="0" destOrd="0" parTransId="{E3888E9E-84A6-4D2D-BC97-85E6DC9366CE}" sibTransId="{7F482F4D-60F1-47A9-B984-CEAF1529164F}"/>
+    <dgm:cxn modelId="{5B24DD8B-9B2D-4DBA-9D13-3B97AABC5846}" type="presOf" srcId="{828584FC-0DD2-428B-A303-21FB1DBEBBB8}" destId="{080DD3DD-C325-46D2-94F5-8D18732AA821}" srcOrd="0" destOrd="0" presId="urn:microsoft.com/office/officeart/2005/8/layout/vList2"/>
+    <dgm:cxn modelId="{F8BECF8F-A398-4ADE-9512-0CD9139ECFB7}" type="presOf" srcId="{811C0B52-2A08-4327-AD76-D45F602ADC98}" destId="{10088698-C6FC-4465-A958-32E43273EA05}" srcOrd="0" destOrd="0" presId="urn:microsoft.com/office/officeart/2005/8/layout/vList2"/>
+    <dgm:cxn modelId="{B20873A0-3156-49F5-8720-8478C2F797BF}" type="presOf" srcId="{0E1CF8A5-A4C0-4DFE-A6FA-20B8C50C4D8F}" destId="{10088698-C6FC-4465-A958-32E43273EA05}" srcOrd="0" destOrd="5" presId="urn:microsoft.com/office/officeart/2005/8/layout/vList2"/>
+    <dgm:cxn modelId="{26CAF3A7-3C0B-4B97-B618-9A6709A0473F}" srcId="{2004030C-332B-4072-AFE1-22E865A21FF9}" destId="{0E1CF8A5-A4C0-4DFE-A6FA-20B8C50C4D8F}" srcOrd="3" destOrd="0" parTransId="{6528BF6C-2D88-4456-B903-801A0026B28C}" sibTransId="{6113F7E1-7E14-4FBB-A205-7C6C6ADF9282}"/>
+    <dgm:cxn modelId="{D63CE6AF-4CBE-4A4A-BC21-67C6A2F7D345}" srcId="{2004030C-332B-4072-AFE1-22E865A21FF9}" destId="{F4C94C3A-3E70-45DF-9EED-33CC8B5D880E}" srcOrd="1" destOrd="0" parTransId="{0D66A478-318F-4559-B813-125B60FC0777}" sibTransId="{3B706A9A-784E-41E8-AD4C-3AE07EDFA898}"/>
+    <dgm:cxn modelId="{D631BFBD-79AB-4A1B-9089-F0B22EB25BBE}" srcId="{F4C94C3A-3E70-45DF-9EED-33CC8B5D880E}" destId="{F673AD63-71AD-4934-A86C-121E6B918FA0}" srcOrd="1" destOrd="0" parTransId="{028F30BA-7BFA-40B3-B3DF-C47548A4E973}" sibTransId="{C1700AEA-38B8-4555-8AE2-397020220160}"/>
+    <dgm:cxn modelId="{B19A75CE-8CCF-4294-8112-1B1D9368C6BE}" type="presOf" srcId="{A6B621F4-1CB3-4A38-806E-6C0EF11C685E}" destId="{E8036105-7427-4AEC-A09C-7A715734ECC3}" srcOrd="0" destOrd="0" presId="urn:microsoft.com/office/officeart/2005/8/layout/vList2"/>
     <dgm:cxn modelId="{5FE963D1-79B1-4A80-BDB9-F3F4AAF1AE77}" srcId="{A6B621F4-1CB3-4A38-806E-6C0EF11C685E}" destId="{21DAA279-68CC-4BFC-9FFC-60956DB38B95}" srcOrd="2" destOrd="0" parTransId="{B9CFB572-DA12-4322-BE93-4839838635D9}" sibTransId="{877D17CD-95A3-49D6-BF80-8B4B2F693A0C}"/>
-    <dgm:cxn modelId="{F43C19E7-5E42-7F42-B215-DEFE14905AB3}" type="presOf" srcId="{21DAA279-68CC-4BFC-9FFC-60956DB38B95}" destId="{0A35448F-9BC4-1F42-9F3A-0B4121D5D726}" srcOrd="0" destOrd="0" presId="urn:microsoft.com/office/officeart/2008/layout/LinedList"/>
-    <dgm:cxn modelId="{AE285CF5-CD2D-ED41-93E2-C79148189C5D}" type="presOf" srcId="{828584FC-0DD2-428B-A303-21FB1DBEBBB8}" destId="{17D90343-566C-E642-9F2B-C46BA74883C3}" srcOrd="0" destOrd="0" presId="urn:microsoft.com/office/officeart/2008/layout/LinedList"/>
+    <dgm:cxn modelId="{B79D5CD8-464D-4CE6-B013-4E96A9876C08}" srcId="{5200F57D-1822-4986-B754-342BD97DC98F}" destId="{BA269B1F-8AA7-40BF-BB5D-F7E53F2EA80D}" srcOrd="0" destOrd="0" parTransId="{E4B04BEB-7662-49CA-B608-5E382E133FF8}" sibTransId="{4FF46375-5515-4A15-B08C-92617686AB26}"/>
+    <dgm:cxn modelId="{D53806DD-8B81-4C8B-8A11-7CB922CD94DD}" type="presOf" srcId="{5200F57D-1822-4986-B754-342BD97DC98F}" destId="{10088698-C6FC-4465-A958-32E43273EA05}" srcOrd="0" destOrd="6" presId="urn:microsoft.com/office/officeart/2005/8/layout/vList2"/>
+    <dgm:cxn modelId="{DDF165E3-9778-4359-80DB-C0C8CC3E5264}" type="presOf" srcId="{F4C94C3A-3E70-45DF-9EED-33CC8B5D880E}" destId="{10088698-C6FC-4465-A958-32E43273EA05}" srcOrd="0" destOrd="1" presId="urn:microsoft.com/office/officeart/2005/8/layout/vList2"/>
+    <dgm:cxn modelId="{6EEE57EB-7E7F-43D0-8D48-607FC7F64C2D}" type="presOf" srcId="{F673AD63-71AD-4934-A86C-121E6B918FA0}" destId="{10088698-C6FC-4465-A958-32E43273EA05}" srcOrd="0" destOrd="3" presId="urn:microsoft.com/office/officeart/2005/8/layout/vList2"/>
+    <dgm:cxn modelId="{F8D6D7EF-E7CE-4D90-8645-13A875AA782B}" type="presOf" srcId="{2004030C-332B-4072-AFE1-22E865A21FF9}" destId="{21A12690-DA36-452B-9960-5AA31672A6D5}" srcOrd="0" destOrd="0" presId="urn:microsoft.com/office/officeart/2005/8/layout/vList2"/>
+    <dgm:cxn modelId="{EE3A0BF2-6B0C-4484-95F7-D9556F720FE5}" type="presOf" srcId="{21DAA279-68CC-4BFC-9FFC-60956DB38B95}" destId="{BFFDD1B2-ED31-4779-97B3-01E417A0EE2F}" srcOrd="0" destOrd="0" presId="urn:microsoft.com/office/officeart/2005/8/layout/vList2"/>
     <dgm:cxn modelId="{4A0DD8FD-49F9-49C9-8B7F-B013A8007769}" srcId="{A6B621F4-1CB3-4A38-806E-6C0EF11C685E}" destId="{828584FC-0DD2-428B-A303-21FB1DBEBBB8}" srcOrd="1" destOrd="0" parTransId="{AD49C757-38D4-44C2-8233-3801DBA519EE}" sibTransId="{2B4FCE66-8E93-4BE1-9C77-7005A1682A3D}"/>
-    <dgm:cxn modelId="{236C4B05-FCA8-E449-926D-11A45B58A50D}" type="presParOf" srcId="{847F8B11-872E-AE47-9CE4-167BE4BC9F7E}" destId="{17390688-FD26-E148-88E8-ED7E5C802039}" srcOrd="0" destOrd="0" presId="urn:microsoft.com/office/officeart/2008/layout/LinedList"/>
-    <dgm:cxn modelId="{C1AE3C05-2D52-0E4E-824F-374D9C0FDE62}" type="presParOf" srcId="{847F8B11-872E-AE47-9CE4-167BE4BC9F7E}" destId="{C02F166D-6FFE-274A-88A4-2A3EBD317A61}" srcOrd="1" destOrd="0" presId="urn:microsoft.com/office/officeart/2008/layout/LinedList"/>
-    <dgm:cxn modelId="{BF9092A8-30A0-2049-A0A3-01173ADEA4AF}" type="presParOf" srcId="{C02F166D-6FFE-274A-88A4-2A3EBD317A61}" destId="{CFB79062-EF56-5F4B-9FCD-D5540355276B}" srcOrd="0" destOrd="0" presId="urn:microsoft.com/office/officeart/2008/layout/LinedList"/>
-    <dgm:cxn modelId="{9E55FC21-0078-D340-9574-AAAB76A890C2}" type="presParOf" srcId="{C02F166D-6FFE-274A-88A4-2A3EBD317A61}" destId="{EA7FA467-FC7C-944B-B2EC-934033113680}" srcOrd="1" destOrd="0" presId="urn:microsoft.com/office/officeart/2008/layout/LinedList"/>
-    <dgm:cxn modelId="{D47ED209-FEF4-B34C-9A7E-1D684F78D176}" type="presParOf" srcId="{847F8B11-872E-AE47-9CE4-167BE4BC9F7E}" destId="{31A7B2DA-C760-0B42-B566-4CD46CB3E304}" srcOrd="2" destOrd="0" presId="urn:microsoft.com/office/officeart/2008/layout/LinedList"/>
-    <dgm:cxn modelId="{54624F59-29C2-4F4D-978C-033C4AD42D2E}" type="presParOf" srcId="{847F8B11-872E-AE47-9CE4-167BE4BC9F7E}" destId="{9319C105-B463-5540-9956-4415887A0401}" srcOrd="3" destOrd="0" presId="urn:microsoft.com/office/officeart/2008/layout/LinedList"/>
-    <dgm:cxn modelId="{DEC51AFA-0F4F-604E-B11C-F9DAC4D3D6E2}" type="presParOf" srcId="{9319C105-B463-5540-9956-4415887A0401}" destId="{17D90343-566C-E642-9F2B-C46BA74883C3}" srcOrd="0" destOrd="0" presId="urn:microsoft.com/office/officeart/2008/layout/LinedList"/>
-    <dgm:cxn modelId="{5EA2525B-ACC7-474D-9F5A-83D520E4D7BF}" type="presParOf" srcId="{9319C105-B463-5540-9956-4415887A0401}" destId="{64568B9C-DBED-354B-A70B-DC0E4CDCEF53}" srcOrd="1" destOrd="0" presId="urn:microsoft.com/office/officeart/2008/layout/LinedList"/>
-    <dgm:cxn modelId="{2F6BDF20-E1B9-0947-A9DC-99A380F310CB}" type="presParOf" srcId="{847F8B11-872E-AE47-9CE4-167BE4BC9F7E}" destId="{475BBA90-5DF3-4C43-9D96-A4022BD4CAE9}" srcOrd="4" destOrd="0" presId="urn:microsoft.com/office/officeart/2008/layout/LinedList"/>
-    <dgm:cxn modelId="{A1C65E00-2E72-FC4D-A3FF-5AF6E9F86DAD}" type="presParOf" srcId="{847F8B11-872E-AE47-9CE4-167BE4BC9F7E}" destId="{48C0DBF9-BF24-CD4F-870A-8957935BB8AA}" srcOrd="5" destOrd="0" presId="urn:microsoft.com/office/officeart/2008/layout/LinedList"/>
-    <dgm:cxn modelId="{6E9193E0-63B2-4B47-869C-4E7F2CD88C2E}" type="presParOf" srcId="{48C0DBF9-BF24-CD4F-870A-8957935BB8AA}" destId="{0A35448F-9BC4-1F42-9F3A-0B4121D5D726}" srcOrd="0" destOrd="0" presId="urn:microsoft.com/office/officeart/2008/layout/LinedList"/>
-    <dgm:cxn modelId="{2784CCD9-B308-DD49-8334-A28452FAF22C}" type="presParOf" srcId="{48C0DBF9-BF24-CD4F-870A-8957935BB8AA}" destId="{1A8F3DBE-EF2F-7345-95EE-BB871F0AA131}" srcOrd="1" destOrd="0" presId="urn:microsoft.com/office/officeart/2008/layout/LinedList"/>
+    <dgm:cxn modelId="{E355CC90-6C45-480D-BD13-A1701FBA29F2}" type="presParOf" srcId="{E8036105-7427-4AEC-A09C-7A715734ECC3}" destId="{21A12690-DA36-452B-9960-5AA31672A6D5}" srcOrd="0" destOrd="0" presId="urn:microsoft.com/office/officeart/2005/8/layout/vList2"/>
+    <dgm:cxn modelId="{AAD55691-A60D-4DAD-9AC9-1F155FAC92C0}" type="presParOf" srcId="{E8036105-7427-4AEC-A09C-7A715734ECC3}" destId="{10088698-C6FC-4465-A958-32E43273EA05}" srcOrd="1" destOrd="0" presId="urn:microsoft.com/office/officeart/2005/8/layout/vList2"/>
+    <dgm:cxn modelId="{05E9738D-3C67-47A8-9AB5-E944177C2F00}" type="presParOf" srcId="{E8036105-7427-4AEC-A09C-7A715734ECC3}" destId="{080DD3DD-C325-46D2-94F5-8D18732AA821}" srcOrd="2" destOrd="0" presId="urn:microsoft.com/office/officeart/2005/8/layout/vList2"/>
+    <dgm:cxn modelId="{5E227042-056C-452D-92B5-3C389C31AF2A}" type="presParOf" srcId="{E8036105-7427-4AEC-A09C-7A715734ECC3}" destId="{61E529B3-822F-4965-903F-950F6ADFBF0E}" srcOrd="3" destOrd="0" presId="urn:microsoft.com/office/officeart/2005/8/layout/vList2"/>
+    <dgm:cxn modelId="{12CADAC9-C104-425C-B312-0E401464D3EE}" type="presParOf" srcId="{E8036105-7427-4AEC-A09C-7A715734ECC3}" destId="{BFFDD1B2-ED31-4779-97B3-01E417A0EE2F}" srcOrd="4" destOrd="0" presId="urn:microsoft.com/office/officeart/2005/8/layout/vList2"/>
   </dgm:cxnLst>
   <dgm:bg/>
   <dgm:whole/>
@@ -4000,21 +4377,21 @@
       <dsp:cNvGrpSpPr/>
     </dsp:nvGrpSpPr>
     <dsp:grpSpPr/>
-    <dsp:sp modelId="{17390688-FD26-E148-88E8-ED7E5C802039}">
+    <dsp:sp modelId="{21A12690-DA36-452B-9960-5AA31672A6D5}">
       <dsp:nvSpPr>
         <dsp:cNvPr id="0" name=""/>
         <dsp:cNvSpPr/>
       </dsp:nvSpPr>
       <dsp:spPr>
         <a:xfrm>
-          <a:off x="0" y="2500"/>
-          <a:ext cx="7315200" cy="0"/>
+          <a:off x="0" y="364622"/>
+          <a:ext cx="7728267" cy="715052"/>
         </a:xfrm>
-        <a:prstGeom prst="line">
+        <a:prstGeom prst="roundRect">
           <a:avLst/>
         </a:prstGeom>
         <a:solidFill>
-          <a:schemeClr val="accent1">
+          <a:schemeClr val="accent5">
             <a:hueOff val="0"/>
             <a:satOff val="0"/>
             <a:lumOff val="0"/>
@@ -4023,7 +4400,7 @@
         </a:solidFill>
         <a:ln w="10795" cap="flat" cmpd="sng" algn="ctr">
           <a:solidFill>
-            <a:schemeClr val="accent1">
+            <a:schemeClr val="lt1">
               <a:hueOff val="0"/>
               <a:satOff val="0"/>
               <a:lumOff val="0"/>
@@ -4048,16 +4425,44 @@
           <a:schemeClr val="lt1"/>
         </a:fontRef>
       </dsp:style>
+      <dsp:txBody>
+        <a:bodyPr spcFirstLastPara="0" vert="horz" wrap="square" lIns="68580" tIns="68580" rIns="68580" bIns="68580" numCol="1" spcCol="1270" anchor="ctr" anchorCtr="0">
+          <a:noAutofit/>
+        </a:bodyPr>
+        <a:lstStyle/>
+        <a:p>
+          <a:pPr marL="0" lvl="0" indent="0" algn="l" defTabSz="800100">
+            <a:lnSpc>
+              <a:spcPct val="90000"/>
+            </a:lnSpc>
+            <a:spcBef>
+              <a:spcPct val="0"/>
+            </a:spcBef>
+            <a:spcAft>
+              <a:spcPct val="35000"/>
+            </a:spcAft>
+            <a:buNone/>
+          </a:pPr>
+          <a:r>
+            <a:rPr lang="en-US" sz="1800" kern="1200" dirty="0"/>
+            <a:t>Up next: Windows App SDK 1.6</a:t>
+          </a:r>
+        </a:p>
+      </dsp:txBody>
+      <dsp:txXfrm>
+        <a:off x="34906" y="399528"/>
+        <a:ext cx="7658455" cy="645240"/>
+      </dsp:txXfrm>
     </dsp:sp>
-    <dsp:sp modelId="{CFB79062-EF56-5F4B-9FCD-D5540355276B}">
+    <dsp:sp modelId="{10088698-C6FC-4465-A958-32E43273EA05}">
       <dsp:nvSpPr>
         <dsp:cNvPr id="0" name=""/>
         <dsp:cNvSpPr/>
       </dsp:nvSpPr>
       <dsp:spPr>
         <a:xfrm>
-          <a:off x="0" y="2500"/>
-          <a:ext cx="7315200" cy="1705213"/>
+          <a:off x="0" y="1079675"/>
+          <a:ext cx="7728267" cy="2161080"/>
         </a:xfrm>
         <a:prstGeom prst="rect">
           <a:avLst/>
@@ -4081,12 +4486,12 @@
         <a:fontRef idx="minor"/>
       </dsp:style>
       <dsp:txBody>
-        <a:bodyPr spcFirstLastPara="0" vert="horz" wrap="square" lIns="64770" tIns="64770" rIns="64770" bIns="64770" numCol="1" spcCol="1270" anchor="t" anchorCtr="0">
+        <a:bodyPr spcFirstLastPara="0" vert="horz" wrap="square" lIns="245372" tIns="22860" rIns="128016" bIns="22860" numCol="1" spcCol="1270" anchor="t" anchorCtr="0">
           <a:noAutofit/>
         </a:bodyPr>
         <a:lstStyle/>
         <a:p>
-          <a:pPr marL="0" lvl="0" indent="0" algn="l" defTabSz="755650">
+          <a:pPr marL="114300" lvl="1" indent="-114300" algn="l" defTabSz="622300">
             <a:lnSpc>
               <a:spcPct val="90000"/>
             </a:lnSpc>
@@ -4094,45 +4499,206 @@
               <a:spcPct val="0"/>
             </a:spcBef>
             <a:spcAft>
-              <a:spcPct val="35000"/>
+              <a:spcPct val="20000"/>
             </a:spcAft>
-            <a:buNone/>
+            <a:buChar char="•"/>
           </a:pPr>
           <a:r>
-            <a:rPr lang="en-US" sz="1700" kern="1200"/>
-            <a:t>Up next: Windows App SDK 1.6</a:t>
+            <a:rPr lang="en-US" sz="1400" kern="1200" dirty="0"/>
+            <a:t>Quality - Address top issues (controls and Windows App SDK installer)</a:t>
+          </a:r>
+        </a:p>
+        <a:p>
+          <a:pPr marL="114300" lvl="1" indent="-114300" algn="l" defTabSz="622300">
+            <a:lnSpc>
+              <a:spcPct val="90000"/>
+            </a:lnSpc>
+            <a:spcBef>
+              <a:spcPct val="0"/>
+            </a:spcBef>
+            <a:spcAft>
+              <a:spcPct val="20000"/>
+            </a:spcAft>
+            <a:buChar char="•"/>
+          </a:pPr>
+          <a:r>
+            <a:rPr lang="en-US" sz="1400" kern="1200" dirty="0"/>
+            <a:t>Performance</a:t>
+          </a:r>
+        </a:p>
+        <a:p>
+          <a:pPr marL="228600" lvl="2" indent="-114300" algn="l" defTabSz="622300">
+            <a:lnSpc>
+              <a:spcPct val="90000"/>
+            </a:lnSpc>
+            <a:spcBef>
+              <a:spcPct val="0"/>
+            </a:spcBef>
+            <a:spcAft>
+              <a:spcPct val="20000"/>
+            </a:spcAft>
+            <a:buChar char="•"/>
+          </a:pPr>
+          <a:r>
+            <a:rPr lang="en-US" sz="1400" kern="1200" dirty="0"/>
+            <a:t>C# Native </a:t>
+          </a:r>
+          <a:r>
+            <a:rPr lang="en-US" sz="1400" kern="1200"/>
+            <a:t>AOT support</a:t>
+          </a:r>
+          <a:endParaRPr lang="en-US" sz="1400" kern="1200" dirty="0"/>
+        </a:p>
+        <a:p>
+          <a:pPr marL="228600" lvl="2" indent="-114300" algn="l" defTabSz="622300">
+            <a:lnSpc>
+              <a:spcPct val="90000"/>
+            </a:lnSpc>
+            <a:spcBef>
+              <a:spcPct val="0"/>
+            </a:spcBef>
+            <a:spcAft>
+              <a:spcPct val="20000"/>
+            </a:spcAft>
+            <a:buChar char="•"/>
+          </a:pPr>
+          <a:r>
+            <a:rPr lang="en-US" sz="1400" kern="1200" dirty="0"/>
+            <a:t>General perf improvements</a:t>
+          </a:r>
+        </a:p>
+        <a:p>
+          <a:pPr marL="114300" lvl="1" indent="-114300" algn="l" defTabSz="622300">
+            <a:lnSpc>
+              <a:spcPct val="90000"/>
+            </a:lnSpc>
+            <a:spcBef>
+              <a:spcPct val="0"/>
+            </a:spcBef>
+            <a:spcAft>
+              <a:spcPct val="20000"/>
+            </a:spcAft>
+            <a:buChar char="•"/>
+          </a:pPr>
+          <a:r>
+            <a:rPr lang="en-US" sz="1400" kern="1200" dirty="0"/>
+            <a:t>Improved </a:t>
+          </a:r>
+          <a:r>
+            <a:rPr lang="en-US" sz="1400" kern="1200" dirty="0" err="1"/>
+            <a:t>TitleBar</a:t>
+          </a:r>
+          <a:r>
+            <a:rPr lang="en-US" sz="1400" kern="1200" dirty="0"/>
+            <a:t> and tab dragging</a:t>
+          </a:r>
+        </a:p>
+        <a:p>
+          <a:pPr marL="114300" lvl="1" indent="-114300" algn="l" defTabSz="622300">
+            <a:lnSpc>
+              <a:spcPct val="90000"/>
+            </a:lnSpc>
+            <a:spcBef>
+              <a:spcPct val="0"/>
+            </a:spcBef>
+            <a:spcAft>
+              <a:spcPct val="20000"/>
+            </a:spcAft>
+            <a:buChar char="•"/>
+          </a:pPr>
+          <a:r>
+            <a:rPr lang="en-US" sz="1400" kern="1200" dirty="0"/>
+            <a:t>IntelliSense and x:Bind improvements</a:t>
+          </a:r>
+        </a:p>
+        <a:p>
+          <a:pPr marL="114300" lvl="1" indent="-114300" algn="l" defTabSz="622300">
+            <a:lnSpc>
+              <a:spcPct val="90000"/>
+            </a:lnSpc>
+            <a:spcBef>
+              <a:spcPct val="0"/>
+            </a:spcBef>
+            <a:spcAft>
+              <a:spcPct val="20000"/>
+            </a:spcAft>
+            <a:buChar char="•"/>
+          </a:pPr>
+          <a:r>
+            <a:rPr lang="en-US" sz="1400" kern="1200" dirty="0"/>
+            <a:t>Continued work in 1.6, but release in 1.7+</a:t>
+          </a:r>
+        </a:p>
+        <a:p>
+          <a:pPr marL="228600" lvl="2" indent="-114300" algn="l" defTabSz="622300">
+            <a:lnSpc>
+              <a:spcPct val="90000"/>
+            </a:lnSpc>
+            <a:spcBef>
+              <a:spcPct val="0"/>
+            </a:spcBef>
+            <a:spcAft>
+              <a:spcPct val="20000"/>
+            </a:spcAft>
+            <a:buChar char="•"/>
+          </a:pPr>
+          <a:r>
+            <a:rPr lang="en-US" sz="1400" kern="1200" dirty="0" err="1"/>
+            <a:t>TableView</a:t>
+          </a:r>
+          <a:r>
+            <a:rPr lang="en-US" sz="1400" kern="1200" dirty="0"/>
+            <a:t>, inking controls, and cross-process Islands</a:t>
+          </a:r>
+        </a:p>
+        <a:p>
+          <a:pPr marL="228600" lvl="2" indent="-114300" algn="l" defTabSz="622300">
+            <a:lnSpc>
+              <a:spcPct val="90000"/>
+            </a:lnSpc>
+            <a:spcBef>
+              <a:spcPct val="0"/>
+            </a:spcBef>
+            <a:spcAft>
+              <a:spcPct val="20000"/>
+            </a:spcAft>
+            <a:buChar char="•"/>
+          </a:pPr>
+          <a:r>
+            <a:rPr lang="en-US" sz="1400" kern="1200" dirty="0"/>
+            <a:t>Smooth app resizing</a:t>
           </a:r>
         </a:p>
       </dsp:txBody>
       <dsp:txXfrm>
-        <a:off x="0" y="2500"/>
-        <a:ext cx="7315200" cy="1705213"/>
+        <a:off x="0" y="1079675"/>
+        <a:ext cx="7728267" cy="2161080"/>
       </dsp:txXfrm>
     </dsp:sp>
-    <dsp:sp modelId="{31A7B2DA-C760-0B42-B566-4CD46CB3E304}">
+    <dsp:sp modelId="{080DD3DD-C325-46D2-94F5-8D18732AA821}">
       <dsp:nvSpPr>
         <dsp:cNvPr id="0" name=""/>
         <dsp:cNvSpPr/>
       </dsp:nvSpPr>
       <dsp:spPr>
         <a:xfrm>
-          <a:off x="0" y="1707713"/>
-          <a:ext cx="7315200" cy="0"/>
+          <a:off x="0" y="3240755"/>
+          <a:ext cx="7728267" cy="715052"/>
         </a:xfrm>
-        <a:prstGeom prst="line">
+        <a:prstGeom prst="roundRect">
           <a:avLst/>
         </a:prstGeom>
         <a:solidFill>
-          <a:schemeClr val="accent1">
-            <a:hueOff val="0"/>
-            <a:satOff val="0"/>
-            <a:lumOff val="0"/>
+          <a:schemeClr val="accent5">
+            <a:hueOff val="5589159"/>
+            <a:satOff val="-4817"/>
+            <a:lumOff val="6373"/>
             <a:alphaOff val="0"/>
           </a:schemeClr>
         </a:solidFill>
         <a:ln w="10795" cap="flat" cmpd="sng" algn="ctr">
           <a:solidFill>
-            <a:schemeClr val="accent1">
+            <a:schemeClr val="lt1">
               <a:hueOff val="0"/>
               <a:satOff val="0"/>
               <a:lumOff val="0"/>
@@ -4157,45 +4723,13 @@
           <a:schemeClr val="lt1"/>
         </a:fontRef>
       </dsp:style>
-    </dsp:sp>
-    <dsp:sp modelId="{17D90343-566C-E642-9F2B-C46BA74883C3}">
-      <dsp:nvSpPr>
-        <dsp:cNvPr id="0" name=""/>
-        <dsp:cNvSpPr/>
-      </dsp:nvSpPr>
-      <dsp:spPr>
-        <a:xfrm>
-          <a:off x="0" y="1707713"/>
-          <a:ext cx="7315200" cy="1705213"/>
-        </a:xfrm>
-        <a:prstGeom prst="rect">
-          <a:avLst/>
-        </a:prstGeom>
-        <a:noFill/>
-        <a:ln>
-          <a:noFill/>
-        </a:ln>
-        <a:effectLst/>
-      </dsp:spPr>
-      <dsp:style>
-        <a:lnRef idx="0">
-          <a:scrgbClr r="0" g="0" b="0"/>
-        </a:lnRef>
-        <a:fillRef idx="0">
-          <a:scrgbClr r="0" g="0" b="0"/>
-        </a:fillRef>
-        <a:effectRef idx="0">
-          <a:scrgbClr r="0" g="0" b="0"/>
-        </a:effectRef>
-        <a:fontRef idx="minor"/>
-      </dsp:style>
       <dsp:txBody>
-        <a:bodyPr spcFirstLastPara="0" vert="horz" wrap="square" lIns="64770" tIns="64770" rIns="64770" bIns="64770" numCol="1" spcCol="1270" anchor="t" anchorCtr="0">
+        <a:bodyPr spcFirstLastPara="0" vert="horz" wrap="square" lIns="68580" tIns="68580" rIns="68580" bIns="68580" numCol="1" spcCol="1270" anchor="ctr" anchorCtr="0">
           <a:noAutofit/>
         </a:bodyPr>
         <a:lstStyle/>
         <a:p>
-          <a:pPr marL="0" lvl="0" indent="0" algn="l" defTabSz="755650">
+          <a:pPr marL="0" lvl="0" indent="0" algn="l" defTabSz="800100">
             <a:lnSpc>
               <a:spcPct val="90000"/>
             </a:lnSpc>
@@ -4208,50 +4742,50 @@
             <a:buNone/>
           </a:pPr>
           <a:r>
-            <a:rPr lang="en-US" sz="1700" kern="1200"/>
+            <a:rPr lang="en-US" sz="1800" kern="1200"/>
             <a:t>WinUI 3 roadmap on GitHub: </a:t>
           </a:r>
           <a:r>
-            <a:rPr lang="en-US" sz="1700" kern="1200">
+            <a:rPr lang="en-US" sz="1800" kern="1200">
               <a:hlinkClick xmlns:r="http://schemas.openxmlformats.org/officeDocument/2006/relationships" r:id="rId1"/>
             </a:rPr>
             <a:t>https://github.com/microsoft/microsoft-ui-xaml/blob/main/docs/roadmap.md</a:t>
           </a:r>
           <a:r>
-            <a:rPr lang="en-US" sz="1700" kern="1200"/>
+            <a:rPr lang="en-US" sz="1800" kern="1200"/>
             <a:t> </a:t>
           </a:r>
         </a:p>
       </dsp:txBody>
       <dsp:txXfrm>
-        <a:off x="0" y="1707713"/>
-        <a:ext cx="7315200" cy="1705213"/>
+        <a:off x="34906" y="3275661"/>
+        <a:ext cx="7658455" cy="645240"/>
       </dsp:txXfrm>
     </dsp:sp>
-    <dsp:sp modelId="{475BBA90-5DF3-4C43-9D96-A4022BD4CAE9}">
+    <dsp:sp modelId="{BFFDD1B2-ED31-4779-97B3-01E417A0EE2F}">
       <dsp:nvSpPr>
         <dsp:cNvPr id="0" name=""/>
         <dsp:cNvSpPr/>
       </dsp:nvSpPr>
       <dsp:spPr>
         <a:xfrm>
-          <a:off x="0" y="3412926"/>
-          <a:ext cx="7315200" cy="0"/>
+          <a:off x="0" y="4007648"/>
+          <a:ext cx="7728267" cy="715052"/>
         </a:xfrm>
-        <a:prstGeom prst="line">
+        <a:prstGeom prst="roundRect">
           <a:avLst/>
         </a:prstGeom>
         <a:solidFill>
-          <a:schemeClr val="accent1">
-            <a:hueOff val="0"/>
-            <a:satOff val="0"/>
-            <a:lumOff val="0"/>
+          <a:schemeClr val="accent5">
+            <a:hueOff val="11178319"/>
+            <a:satOff val="-9634"/>
+            <a:lumOff val="12746"/>
             <a:alphaOff val="0"/>
           </a:schemeClr>
         </a:solidFill>
         <a:ln w="10795" cap="flat" cmpd="sng" algn="ctr">
           <a:solidFill>
-            <a:schemeClr val="accent1">
+            <a:schemeClr val="lt1">
               <a:hueOff val="0"/>
               <a:satOff val="0"/>
               <a:lumOff val="0"/>
@@ -4276,45 +4810,13 @@
           <a:schemeClr val="lt1"/>
         </a:fontRef>
       </dsp:style>
-    </dsp:sp>
-    <dsp:sp modelId="{0A35448F-9BC4-1F42-9F3A-0B4121D5D726}">
-      <dsp:nvSpPr>
-        <dsp:cNvPr id="0" name=""/>
-        <dsp:cNvSpPr/>
-      </dsp:nvSpPr>
-      <dsp:spPr>
-        <a:xfrm>
-          <a:off x="0" y="3412926"/>
-          <a:ext cx="7315200" cy="1705213"/>
-        </a:xfrm>
-        <a:prstGeom prst="rect">
-          <a:avLst/>
-        </a:prstGeom>
-        <a:noFill/>
-        <a:ln>
-          <a:noFill/>
-        </a:ln>
-        <a:effectLst/>
-      </dsp:spPr>
-      <dsp:style>
-        <a:lnRef idx="0">
-          <a:scrgbClr r="0" g="0" b="0"/>
-        </a:lnRef>
-        <a:fillRef idx="0">
-          <a:scrgbClr r="0" g="0" b="0"/>
-        </a:fillRef>
-        <a:effectRef idx="0">
-          <a:scrgbClr r="0" g="0" b="0"/>
-        </a:effectRef>
-        <a:fontRef idx="minor"/>
-      </dsp:style>
       <dsp:txBody>
-        <a:bodyPr spcFirstLastPara="0" vert="horz" wrap="square" lIns="64770" tIns="64770" rIns="64770" bIns="64770" numCol="1" spcCol="1270" anchor="t" anchorCtr="0">
+        <a:bodyPr spcFirstLastPara="0" vert="horz" wrap="square" lIns="68580" tIns="68580" rIns="68580" bIns="68580" numCol="1" spcCol="1270" anchor="ctr" anchorCtr="0">
           <a:noAutofit/>
         </a:bodyPr>
         <a:lstStyle/>
         <a:p>
-          <a:pPr marL="0" lvl="0" indent="0" algn="l" defTabSz="755650">
+          <a:pPr marL="0" lvl="0" indent="0" algn="l" defTabSz="800100">
             <a:lnSpc>
               <a:spcPct val="90000"/>
             </a:lnSpc>
@@ -4327,24 +4829,24 @@
             <a:buNone/>
           </a:pPr>
           <a:r>
-            <a:rPr lang="en-US" sz="1700" kern="1200"/>
+            <a:rPr lang="en-US" sz="1800" kern="1200"/>
             <a:t>Windows App SDK roadmap on GitHub: </a:t>
           </a:r>
           <a:r>
-            <a:rPr lang="en-US" sz="1700" kern="1200">
+            <a:rPr lang="en-US" sz="1800" kern="1200">
               <a:hlinkClick xmlns:r="http://schemas.openxmlformats.org/officeDocument/2006/relationships" r:id="rId2"/>
             </a:rPr>
             <a:t>https://github.com/microsoft/WindowsAppSDK/blob/main/docs/roadmap.md</a:t>
           </a:r>
           <a:r>
-            <a:rPr lang="en-US" sz="1700" kern="1200"/>
+            <a:rPr lang="en-US" sz="1800" kern="1200"/>
             <a:t> </a:t>
           </a:r>
         </a:p>
       </dsp:txBody>
       <dsp:txXfrm>
-        <a:off x="0" y="3412926"/>
-        <a:ext cx="7315200" cy="1705213"/>
+        <a:off x="34906" y="4042554"/>
+        <a:ext cx="7658455" cy="645240"/>
       </dsp:txXfrm>
     </dsp:sp>
   </dsp:spTree>
@@ -4410,7 +4912,7 @@
       <dsp:spPr>
         <a:xfrm>
           <a:off x="1064618" y="1424600"/>
-          <a:ext cx="1141874" cy="1141874"/>
+          <a:ext cx="1141875" cy="1141875"/>
         </a:xfrm>
         <a:prstGeom prst="rect">
           <a:avLst/>
@@ -4563,7 +5065,7 @@
       <dsp:spPr>
         <a:xfrm>
           <a:off x="4898055" y="1424600"/>
-          <a:ext cx="1141874" cy="1141874"/>
+          <a:ext cx="1141875" cy="1141875"/>
         </a:xfrm>
         <a:prstGeom prst="rect">
           <a:avLst/>
@@ -4974,12 +5476,12 @@
 </file>
 
 <file path=ppt/diagrams/layout2.xml><?xml version="1.0" encoding="utf-8"?>
-<dgm:layoutDef xmlns:dgm="http://schemas.openxmlformats.org/drawingml/2006/diagram" xmlns:a="http://schemas.openxmlformats.org/drawingml/2006/main" uniqueId="urn:microsoft.com/office/officeart/2008/layout/LinedList">
+<dgm:layoutDef xmlns:dgm="http://schemas.openxmlformats.org/drawingml/2006/diagram" xmlns:a="http://schemas.openxmlformats.org/drawingml/2006/main" uniqueId="urn:microsoft.com/office/officeart/2005/8/layout/vList2">
   <dgm:title val=""/>
   <dgm:desc val=""/>
   <dgm:catLst>
-    <dgm:cat type="hierarchy" pri="8000"/>
-    <dgm:cat type="list" pri="2500"/>
+    <dgm:cat type="list" pri="3000"/>
+    <dgm:cat type="convert" pri="1000"/>
   </dgm:catLst>
   <dgm:sampData>
     <dgm:dataModel>
@@ -4991,18 +5493,18 @@
         <dgm:pt modelId="11">
           <dgm:prSet phldr="1"/>
         </dgm:pt>
-        <dgm:pt modelId="12">
+        <dgm:pt modelId="2">
           <dgm:prSet phldr="1"/>
         </dgm:pt>
-        <dgm:pt modelId="13">
+        <dgm:pt modelId="21">
           <dgm:prSet phldr="1"/>
         </dgm:pt>
       </dgm:ptLst>
       <dgm:cxnLst>
-        <dgm:cxn modelId="2" srcId="0" destId="1" srcOrd="0" destOrd="0"/>
-        <dgm:cxn modelId="3" srcId="1" destId="11" srcOrd="0" destOrd="0"/>
-        <dgm:cxn modelId="4" srcId="1" destId="12" srcOrd="1" destOrd="0"/>
-        <dgm:cxn modelId="5" srcId="1" destId="13" srcOrd="2" destOrd="0"/>
+        <dgm:cxn modelId="4" srcId="0" destId="1" srcOrd="0" destOrd="0"/>
+        <dgm:cxn modelId="5" srcId="0" destId="2" srcOrd="1" destOrd="0"/>
+        <dgm:cxn modelId="12" srcId="1" destId="11" srcOrd="0" destOrd="0"/>
+        <dgm:cxn modelId="23" srcId="2" destId="21" srcOrd="0" destOrd="0"/>
       </dgm:cxnLst>
       <dgm:bg/>
       <dgm:whole/>
@@ -5012,20 +5514,12 @@
     <dgm:dataModel>
       <dgm:ptLst>
         <dgm:pt modelId="0" type="doc"/>
-        <dgm:pt modelId="1">
-          <dgm:prSet phldr="1"/>
-        </dgm:pt>
-        <dgm:pt modelId="11">
-          <dgm:prSet phldr="1"/>
-        </dgm:pt>
-        <dgm:pt modelId="12">
-          <dgm:prSet phldr="1"/>
-        </dgm:pt>
+        <dgm:pt modelId="1"/>
+        <dgm:pt modelId="2"/>
       </dgm:ptLst>
       <dgm:cxnLst>
-        <dgm:cxn modelId="2" srcId="0" destId="1" srcOrd="0" destOrd="0"/>
-        <dgm:cxn modelId="3" srcId="1" destId="11" srcOrd="0" destOrd="0"/>
-        <dgm:cxn modelId="4" srcId="1" destId="12" srcOrd="1" destOrd="0"/>
+        <dgm:cxn modelId="3" srcId="0" destId="1" srcOrd="0" destOrd="0"/>
+        <dgm:cxn modelId="4" srcId="0" destId="2" srcOrd="1" destOrd="0"/>
       </dgm:cxnLst>
       <dgm:bg/>
       <dgm:whole/>
@@ -5035,405 +5529,114 @@
     <dgm:dataModel>
       <dgm:ptLst>
         <dgm:pt modelId="0" type="doc"/>
-        <dgm:pt modelId="1">
-          <dgm:prSet phldr="1"/>
-        </dgm:pt>
-        <dgm:pt modelId="11">
-          <dgm:prSet phldr="1"/>
-        </dgm:pt>
-        <dgm:pt modelId="12">
-          <dgm:prSet phldr="1"/>
-        </dgm:pt>
+        <dgm:pt modelId="1"/>
+        <dgm:pt modelId="2"/>
+        <dgm:pt modelId="3"/>
+        <dgm:pt modelId="4"/>
       </dgm:ptLst>
       <dgm:cxnLst>
-        <dgm:cxn modelId="2" srcId="0" destId="1" srcOrd="0" destOrd="0"/>
-        <dgm:cxn modelId="3" srcId="1" destId="11" srcOrd="0" destOrd="0"/>
-        <dgm:cxn modelId="4" srcId="1" destId="12" srcOrd="1" destOrd="0"/>
+        <dgm:cxn modelId="5" srcId="0" destId="1" srcOrd="0" destOrd="0"/>
+        <dgm:cxn modelId="6" srcId="0" destId="2" srcOrd="1" destOrd="0"/>
+        <dgm:cxn modelId="7" srcId="0" destId="3" srcOrd="2" destOrd="0"/>
+        <dgm:cxn modelId="8" srcId="0" destId="4" srcOrd="3" destOrd="0"/>
       </dgm:cxnLst>
       <dgm:bg/>
       <dgm:whole/>
     </dgm:dataModel>
   </dgm:clrData>
-  <dgm:layoutNode name="vert0">
+  <dgm:layoutNode name="linear">
     <dgm:varLst>
-      <dgm:dir/>
-      <dgm:animOne val="branch"/>
       <dgm:animLvl val="lvl"/>
+      <dgm:resizeHandles val="exact"/>
     </dgm:varLst>
-    <dgm:choose name="Name0">
-      <dgm:if name="Name1" func="var" arg="dir" op="equ" val="norm">
-        <dgm:alg type="lin">
-          <dgm:param type="linDir" val="fromT"/>
-          <dgm:param type="nodeHorzAlign" val="l"/>
-        </dgm:alg>
-      </dgm:if>
-      <dgm:else name="Name2">
-        <dgm:alg type="lin">
-          <dgm:param type="linDir" val="fromT"/>
-          <dgm:param type="nodeHorzAlign" val="r"/>
-        </dgm:alg>
-      </dgm:else>
-    </dgm:choose>
+    <dgm:alg type="lin">
+      <dgm:param type="linDir" val="fromT"/>
+      <dgm:param type="vertAlign" val="mid"/>
+    </dgm:alg>
     <dgm:shape xmlns:r="http://schemas.openxmlformats.org/officeDocument/2006/relationships" r:blip="">
       <dgm:adjLst/>
     </dgm:shape>
     <dgm:presOf/>
     <dgm:constrLst>
-      <dgm:constr type="w" for="ch" forName="horz1" refType="w"/>
-      <dgm:constr type="h" for="ch" forName="horz1" refType="h"/>
-      <dgm:constr type="h" for="des" forName="vert1" refType="h"/>
-      <dgm:constr type="h" for="des" forName="tx1" refType="h"/>
-      <dgm:constr type="h" for="des" forName="horz2" refType="h"/>
-      <dgm:constr type="h" for="des" forName="vert2" refType="h"/>
-      <dgm:constr type="h" for="des" forName="horz3" refType="h"/>
-      <dgm:constr type="h" for="des" forName="vert3" refType="h"/>
-      <dgm:constr type="h" for="des" forName="horz4" refType="h"/>
-      <dgm:constr type="h" for="des" ptType="node" refType="h"/>
-      <dgm:constr type="primFontSz" for="des" forName="tx1" op="equ" val="65"/>
-      <dgm:constr type="primFontSz" for="des" forName="tx2" op="equ" val="65"/>
-      <dgm:constr type="primFontSz" for="des" forName="tx3" op="equ" val="65"/>
-      <dgm:constr type="primFontSz" for="des" forName="tx4" op="equ" val="65"/>
-      <dgm:constr type="w" for="des" forName="thickLine" refType="w"/>
-      <dgm:constr type="h" for="des" forName="thickLine"/>
-      <dgm:constr type="h" for="des" forName="thinLine1"/>
-      <dgm:constr type="h" for="des" forName="thinLine2b"/>
-      <dgm:constr type="h" for="des" forName="thinLine3"/>
-      <dgm:constr type="h" for="des" forName="vertSpace2a" refType="h" fact="0.05"/>
-      <dgm:constr type="h" for="des" forName="vertSpace2b" refType="h" refFor="des" refForName="vertSpace2a"/>
+      <dgm:constr type="w" for="ch" forName="parentText" refType="w"/>
+      <dgm:constr type="h" for="ch" forName="parentText" refType="primFontSz" refFor="ch" refForName="parentText" fact="0.52"/>
+      <dgm:constr type="w" for="ch" forName="childText" refType="w"/>
+      <dgm:constr type="h" for="ch" forName="childText" refType="primFontSz" refFor="ch" refForName="parentText" fact="0.46"/>
+      <dgm:constr type="h" for="ch" forName="parentText" op="equ"/>
+      <dgm:constr type="primFontSz" for="ch" forName="parentText" op="equ" val="65"/>
+      <dgm:constr type="primFontSz" for="ch" forName="childText" refType="primFontSz" refFor="ch" refForName="parentText" op="equ"/>
+      <dgm:constr type="h" for="ch" forName="spacer" refType="primFontSz" refFor="ch" refForName="parentText" fact="0.08"/>
     </dgm:constrLst>
-    <dgm:forEach name="Name3" axis="ch" ptType="node">
-      <dgm:layoutNode name="thickLine" styleLbl="alignNode1">
-        <dgm:alg type="sp"/>
-        <dgm:shape xmlns:r="http://schemas.openxmlformats.org/officeDocument/2006/relationships" type="line" r:blip="">
+    <dgm:ruleLst>
+      <dgm:rule type="primFontSz" for="ch" forName="parentText" val="5" fact="NaN" max="NaN"/>
+    </dgm:ruleLst>
+    <dgm:forEach name="Name0" axis="ch" ptType="node">
+      <dgm:layoutNode name="parentText" styleLbl="node1">
+        <dgm:varLst>
+          <dgm:chMax val="0"/>
+          <dgm:bulletEnabled val="1"/>
+        </dgm:varLst>
+        <dgm:alg type="tx">
+          <dgm:param type="parTxLTRAlign" val="l"/>
+          <dgm:param type="parTxRTLAlign" val="r"/>
+        </dgm:alg>
+        <dgm:shape xmlns:r="http://schemas.openxmlformats.org/officeDocument/2006/relationships" type="roundRect" r:blip="">
           <dgm:adjLst/>
         </dgm:shape>
-        <dgm:presOf/>
+        <dgm:presOf axis="self"/>
+        <dgm:constrLst>
+          <dgm:constr type="tMarg" refType="primFontSz" fact="0.3"/>
+          <dgm:constr type="bMarg" refType="primFontSz" fact="0.3"/>
+          <dgm:constr type="lMarg" refType="primFontSz" fact="0.3"/>
+          <dgm:constr type="rMarg" refType="primFontSz" fact="0.3"/>
+        </dgm:constrLst>
+        <dgm:ruleLst>
+          <dgm:rule type="h" val="INF" fact="NaN" max="NaN"/>
+        </dgm:ruleLst>
       </dgm:layoutNode>
-      <dgm:layoutNode name="horz1">
-        <dgm:choose name="Name4">
-          <dgm:if name="Name5" func="var" arg="dir" op="equ" val="norm">
-            <dgm:alg type="lin">
-              <dgm:param type="linDir" val="fromL"/>
-              <dgm:param type="nodeVertAlign" val="t"/>
+      <dgm:choose name="Name1">
+        <dgm:if name="Name2" axis="ch" ptType="node" func="cnt" op="gte" val="1">
+          <dgm:layoutNode name="childText" styleLbl="revTx">
+            <dgm:varLst>
+              <dgm:bulletEnabled val="1"/>
+            </dgm:varLst>
+            <dgm:alg type="tx">
+              <dgm:param type="stBulletLvl" val="1"/>
+              <dgm:param type="lnSpAfChP" val="20"/>
             </dgm:alg>
-          </dgm:if>
-          <dgm:else name="Name6">
-            <dgm:alg type="lin">
-              <dgm:param type="linDir" val="fromR"/>
-              <dgm:param type="nodeVertAlign" val="t"/>
-            </dgm:alg>
-          </dgm:else>
-        </dgm:choose>
-        <dgm:shape xmlns:r="http://schemas.openxmlformats.org/officeDocument/2006/relationships" r:blip="">
-          <dgm:adjLst/>
-        </dgm:shape>
-        <dgm:presOf/>
-        <dgm:choose name="Name7">
-          <dgm:if name="Name8" axis="root des" func="maxDepth" op="equ" val="1">
+            <dgm:shape xmlns:r="http://schemas.openxmlformats.org/officeDocument/2006/relationships" type="rect" r:blip="">
+              <dgm:adjLst/>
+            </dgm:shape>
+            <dgm:presOf axis="des" ptType="node"/>
             <dgm:constrLst>
-              <dgm:constr type="w" for="ch" forName="tx1" refType="w"/>
+              <dgm:constr type="tMarg" refType="primFontSz" fact="0.1"/>
+              <dgm:constr type="bMarg" refType="primFontSz" fact="0.1"/>
+              <dgm:constr type="lMarg" refType="w" fact="0.09"/>
             </dgm:constrLst>
-          </dgm:if>
-          <dgm:if name="Name9" axis="root des" func="maxDepth" op="equ" val="2">
-            <dgm:constrLst>
-              <dgm:constr type="w" for="ch" forName="tx1" refType="w" fact="0.2"/>
-              <dgm:constr type="w" for="des" forName="tx2" refType="w" fact="0.785"/>
-              <dgm:constr type="w" for="des" forName="horzSpace2" refType="w" fact="0.015"/>
-              <dgm:constr type="w" for="des" forName="thinLine2b" refType="w" fact="0.8"/>
-            </dgm:constrLst>
-          </dgm:if>
-          <dgm:if name="Name10" axis="root des" func="maxDepth" op="equ" val="3">
-            <dgm:constrLst>
-              <dgm:constr type="w" for="ch" forName="tx1" refType="w" fact="0.2"/>
-              <dgm:constr type="w" for="des" forName="tx2" refType="w" fact="0.385"/>
-              <dgm:constr type="w" for="des" forName="tx3" refType="w" fact="0.385"/>
-              <dgm:constr type="w" for="des" forName="horzSpace2" refType="w" fact="0.015"/>
-              <dgm:constr type="w" for="des" forName="horzSpace3" refType="w" fact="0.015"/>
-              <dgm:constr type="w" for="des" forName="thinLine2b" refType="w" fact="0.8"/>
-              <dgm:constr type="w" for="des" forName="thinLine3" refType="w" fact="0.385"/>
-            </dgm:constrLst>
-          </dgm:if>
-          <dgm:if name="Name11" axis="root des" func="maxDepth" op="gte" val="4">
-            <dgm:constrLst>
-              <dgm:constr type="w" for="ch" forName="tx1" refType="w" fact="0.2"/>
-              <dgm:constr type="w" for="des" forName="tx2" refType="w" fact="0.2516"/>
-              <dgm:constr type="w" for="des" forName="tx3" refType="w" fact="0.2516"/>
-              <dgm:constr type="w" for="des" forName="tx4" refType="w" fact="0.2516"/>
-              <dgm:constr type="w" for="des" forName="horzSpace2" refType="w" fact="0.015"/>
-              <dgm:constr type="w" for="des" forName="horzSpace3" refType="w" fact="0.015"/>
-              <dgm:constr type="w" for="des" forName="horzSpace4" refType="w" fact="0.015"/>
-              <dgm:constr type="w" for="des" forName="thinLine2b" refType="w" fact="0.8"/>
-              <dgm:constr type="w" for="des" forName="thinLine3" refType="w" fact="0.5332"/>
-            </dgm:constrLst>
-          </dgm:if>
-          <dgm:else name="Name12"/>
-        </dgm:choose>
-        <dgm:layoutNode name="tx1" styleLbl="revTx">
-          <dgm:alg type="tx">
-            <dgm:param type="parTxLTRAlign" val="l"/>
-            <dgm:param type="parTxRTLAlign" val="r"/>
-            <dgm:param type="txAnchorVert" val="t"/>
-          </dgm:alg>
-          <dgm:shape xmlns:r="http://schemas.openxmlformats.org/officeDocument/2006/relationships" type="rect" r:blip="">
-            <dgm:adjLst/>
-          </dgm:shape>
-          <dgm:presOf axis="self"/>
-          <dgm:constrLst>
-            <dgm:constr type="tMarg" refType="primFontSz" fact="0.3"/>
-            <dgm:constr type="bMarg" refType="primFontSz" fact="0.3"/>
-            <dgm:constr type="lMarg" refType="primFontSz" fact="0.3"/>
-            <dgm:constr type="rMarg" refType="primFontSz" fact="0.3"/>
-          </dgm:constrLst>
-          <dgm:ruleLst>
-            <dgm:rule type="primFontSz" val="5" fact="NaN" max="NaN"/>
-          </dgm:ruleLst>
-        </dgm:layoutNode>
-        <dgm:layoutNode name="vert1">
-          <dgm:choose name="Name13">
-            <dgm:if name="Name14" func="var" arg="dir" op="equ" val="norm">
-              <dgm:alg type="lin">
-                <dgm:param type="linDir" val="fromT"/>
-                <dgm:param type="nodeHorzAlign" val="l"/>
-              </dgm:alg>
-            </dgm:if>
-            <dgm:else name="Name15">
-              <dgm:alg type="lin">
-                <dgm:param type="linDir" val="fromT"/>
-                <dgm:param type="nodeHorzAlign" val="r"/>
-              </dgm:alg>
-            </dgm:else>
-          </dgm:choose>
-          <dgm:shape xmlns:r="http://schemas.openxmlformats.org/officeDocument/2006/relationships" r:blip="">
-            <dgm:adjLst/>
-          </dgm:shape>
-          <dgm:presOf/>
-          <dgm:forEach name="Name16" axis="ch" ptType="node">
-            <dgm:choose name="Name17">
-              <dgm:if name="Name18" axis="self" ptType="node" func="pos" op="equ" val="1">
-                <dgm:layoutNode name="vertSpace2a">
+            <dgm:ruleLst>
+              <dgm:rule type="h" val="INF" fact="NaN" max="NaN"/>
+            </dgm:ruleLst>
+          </dgm:layoutNode>
+        </dgm:if>
+        <dgm:else name="Name3">
+          <dgm:choose name="Name4">
+            <dgm:if name="Name5" axis="par ch" ptType="doc node" func="cnt" op="gte" val="2">
+              <dgm:forEach name="Name6" axis="followSib" ptType="sibTrans" cnt="1">
+                <dgm:layoutNode name="spacer">
                   <dgm:alg type="sp"/>
                   <dgm:shape xmlns:r="http://schemas.openxmlformats.org/officeDocument/2006/relationships" r:blip="">
                     <dgm:adjLst/>
                   </dgm:shape>
                   <dgm:presOf/>
+                  <dgm:constrLst/>
+                  <dgm:ruleLst/>
                 </dgm:layoutNode>
-              </dgm:if>
-              <dgm:else name="Name19"/>
-            </dgm:choose>
-            <dgm:layoutNode name="horz2">
-              <dgm:choose name="Name20">
-                <dgm:if name="Name21" func="var" arg="dir" op="equ" val="norm">
-                  <dgm:alg type="lin">
-                    <dgm:param type="linDir" val="fromL"/>
-                    <dgm:param type="nodeVertAlign" val="t"/>
-                  </dgm:alg>
-                </dgm:if>
-                <dgm:else name="Name22">
-                  <dgm:alg type="lin">
-                    <dgm:param type="linDir" val="fromR"/>
-                    <dgm:param type="nodeVertAlign" val="t"/>
-                  </dgm:alg>
-                </dgm:else>
-              </dgm:choose>
-              <dgm:shape xmlns:r="http://schemas.openxmlformats.org/officeDocument/2006/relationships" r:blip="">
-                <dgm:adjLst/>
-              </dgm:shape>
-              <dgm:presOf/>
-              <dgm:layoutNode name="horzSpace2">
-                <dgm:alg type="sp"/>
-                <dgm:shape xmlns:r="http://schemas.openxmlformats.org/officeDocument/2006/relationships" r:blip="">
-                  <dgm:adjLst/>
-                </dgm:shape>
-                <dgm:presOf/>
-              </dgm:layoutNode>
-              <dgm:layoutNode name="tx2" styleLbl="revTx">
-                <dgm:alg type="tx">
-                  <dgm:param type="parTxLTRAlign" val="l"/>
-                  <dgm:param type="parTxRTLAlign" val="r"/>
-                  <dgm:param type="txAnchorVert" val="t"/>
-                </dgm:alg>
-                <dgm:shape xmlns:r="http://schemas.openxmlformats.org/officeDocument/2006/relationships" type="rect" r:blip="">
-                  <dgm:adjLst/>
-                </dgm:shape>
-                <dgm:presOf axis="self"/>
-                <dgm:constrLst>
-                  <dgm:constr type="tMarg" refType="primFontSz" fact="0.3"/>
-                  <dgm:constr type="bMarg" refType="primFontSz" fact="0.3"/>
-                  <dgm:constr type="lMarg" refType="primFontSz" fact="0.3"/>
-                  <dgm:constr type="rMarg" refType="primFontSz" fact="0.3"/>
-                </dgm:constrLst>
-                <dgm:ruleLst>
-                  <dgm:rule type="primFontSz" val="5" fact="NaN" max="NaN"/>
-                </dgm:ruleLst>
-              </dgm:layoutNode>
-              <dgm:layoutNode name="vert2">
-                <dgm:choose name="Name23">
-                  <dgm:if name="Name24" func="var" arg="dir" op="equ" val="norm">
-                    <dgm:alg type="lin">
-                      <dgm:param type="linDir" val="fromT"/>
-                      <dgm:param type="nodeHorzAlign" val="l"/>
-                    </dgm:alg>
-                  </dgm:if>
-                  <dgm:else name="Name25">
-                    <dgm:alg type="lin">
-                      <dgm:param type="linDir" val="fromT"/>
-                      <dgm:param type="nodeHorzAlign" val="r"/>
-                    </dgm:alg>
-                  </dgm:else>
-                </dgm:choose>
-                <dgm:shape xmlns:r="http://schemas.openxmlformats.org/officeDocument/2006/relationships" r:blip="">
-                  <dgm:adjLst/>
-                </dgm:shape>
-                <dgm:presOf/>
-                <dgm:forEach name="Name26" axis="ch" ptType="node">
-                  <dgm:layoutNode name="horz3">
-                    <dgm:choose name="Name27">
-                      <dgm:if name="Name28" func="var" arg="dir" op="equ" val="norm">
-                        <dgm:alg type="lin">
-                          <dgm:param type="linDir" val="fromL"/>
-                          <dgm:param type="nodeVertAlign" val="t"/>
-                        </dgm:alg>
-                      </dgm:if>
-                      <dgm:else name="Name29">
-                        <dgm:alg type="lin">
-                          <dgm:param type="linDir" val="fromR"/>
-                          <dgm:param type="nodeVertAlign" val="t"/>
-                        </dgm:alg>
-                      </dgm:else>
-                    </dgm:choose>
-                    <dgm:shape xmlns:r="http://schemas.openxmlformats.org/officeDocument/2006/relationships" r:blip="">
-                      <dgm:adjLst/>
-                    </dgm:shape>
-                    <dgm:presOf/>
-                    <dgm:layoutNode name="horzSpace3">
-                      <dgm:alg type="sp"/>
-                      <dgm:shape xmlns:r="http://schemas.openxmlformats.org/officeDocument/2006/relationships" r:blip="">
-                        <dgm:adjLst/>
-                      </dgm:shape>
-                      <dgm:presOf/>
-                    </dgm:layoutNode>
-                    <dgm:layoutNode name="tx3" styleLbl="revTx">
-                      <dgm:alg type="tx">
-                        <dgm:param type="parTxLTRAlign" val="l"/>
-                        <dgm:param type="parTxRTLAlign" val="r"/>
-                        <dgm:param type="txAnchorVert" val="t"/>
-                      </dgm:alg>
-                      <dgm:shape xmlns:r="http://schemas.openxmlformats.org/officeDocument/2006/relationships" type="rect" r:blip="">
-                        <dgm:adjLst/>
-                      </dgm:shape>
-                      <dgm:presOf axis="self"/>
-                      <dgm:constrLst>
-                        <dgm:constr type="tMarg" refType="primFontSz" fact="0.3"/>
-                        <dgm:constr type="bMarg" refType="primFontSz" fact="0.3"/>
-                        <dgm:constr type="lMarg" refType="primFontSz" fact="0.3"/>
-                        <dgm:constr type="rMarg" refType="primFontSz" fact="0.3"/>
-                      </dgm:constrLst>
-                      <dgm:ruleLst>
-                        <dgm:rule type="primFontSz" val="5" fact="NaN" max="NaN"/>
-                      </dgm:ruleLst>
-                    </dgm:layoutNode>
-                    <dgm:layoutNode name="vert3">
-                      <dgm:choose name="Name30">
-                        <dgm:if name="Name31" func="var" arg="dir" op="equ" val="norm">
-                          <dgm:alg type="lin">
-                            <dgm:param type="linDir" val="fromT"/>
-                            <dgm:param type="nodeHorzAlign" val="l"/>
-                          </dgm:alg>
-                        </dgm:if>
-                        <dgm:else name="Name32">
-                          <dgm:alg type="lin">
-                            <dgm:param type="linDir" val="fromT"/>
-                            <dgm:param type="nodeHorzAlign" val="r"/>
-                          </dgm:alg>
-                        </dgm:else>
-                      </dgm:choose>
-                      <dgm:shape xmlns:r="http://schemas.openxmlformats.org/officeDocument/2006/relationships" r:blip="">
-                        <dgm:adjLst/>
-                      </dgm:shape>
-                      <dgm:presOf/>
-                      <dgm:forEach name="Name33" axis="ch" ptType="node">
-                        <dgm:layoutNode name="horz4">
-                          <dgm:choose name="Name34">
-                            <dgm:if name="Name35" func="var" arg="dir" op="equ" val="norm">
-                              <dgm:alg type="lin">
-                                <dgm:param type="linDir" val="fromL"/>
-                                <dgm:param type="nodeVertAlign" val="t"/>
-                              </dgm:alg>
-                            </dgm:if>
-                            <dgm:else name="Name36">
-                              <dgm:alg type="lin">
-                                <dgm:param type="linDir" val="fromR"/>
-                                <dgm:param type="nodeVertAlign" val="t"/>
-                              </dgm:alg>
-                            </dgm:else>
-                          </dgm:choose>
-                          <dgm:shape xmlns:r="http://schemas.openxmlformats.org/officeDocument/2006/relationships" r:blip="">
-                            <dgm:adjLst/>
-                          </dgm:shape>
-                          <dgm:presOf/>
-                          <dgm:layoutNode name="horzSpace4">
-                            <dgm:alg type="sp"/>
-                            <dgm:shape xmlns:r="http://schemas.openxmlformats.org/officeDocument/2006/relationships" r:blip="">
-                              <dgm:adjLst/>
-                            </dgm:shape>
-                            <dgm:presOf/>
-                          </dgm:layoutNode>
-                          <dgm:layoutNode name="tx4" styleLbl="revTx">
-                            <dgm:varLst>
-                              <dgm:bulletEnabled val="1"/>
-                            </dgm:varLst>
-                            <dgm:alg type="tx">
-                              <dgm:param type="parTxLTRAlign" val="l"/>
-                              <dgm:param type="parTxRTLAlign" val="r"/>
-                              <dgm:param type="txAnchorVert" val="t"/>
-                            </dgm:alg>
-                            <dgm:shape xmlns:r="http://schemas.openxmlformats.org/officeDocument/2006/relationships" type="rect" r:blip="">
-                              <dgm:adjLst/>
-                            </dgm:shape>
-                            <dgm:presOf axis="desOrSelf" ptType="node"/>
-                            <dgm:constrLst>
-                              <dgm:constr type="tMarg" refType="primFontSz" fact="0.3"/>
-                              <dgm:constr type="bMarg" refType="primFontSz" fact="0.3"/>
-                              <dgm:constr type="lMarg" refType="primFontSz" fact="0.3"/>
-                              <dgm:constr type="rMarg" refType="primFontSz" fact="0.3"/>
-                            </dgm:constrLst>
-                            <dgm:ruleLst>
-                              <dgm:rule type="primFontSz" val="5" fact="NaN" max="NaN"/>
-                            </dgm:ruleLst>
-                          </dgm:layoutNode>
-                        </dgm:layoutNode>
-                      </dgm:forEach>
-                    </dgm:layoutNode>
-                  </dgm:layoutNode>
-                  <dgm:forEach name="Name37" axis="followSib" ptType="sibTrans" cnt="1">
-                    <dgm:layoutNode name="thinLine3" styleLbl="callout">
-                      <dgm:alg type="sp"/>
-                      <dgm:shape xmlns:r="http://schemas.openxmlformats.org/officeDocument/2006/relationships" type="line" r:blip="">
-                        <dgm:adjLst/>
-                      </dgm:shape>
-                      <dgm:presOf/>
-                    </dgm:layoutNode>
-                  </dgm:forEach>
-                </dgm:forEach>
-              </dgm:layoutNode>
-            </dgm:layoutNode>
-            <dgm:layoutNode name="thinLine2b" styleLbl="callout">
-              <dgm:alg type="sp"/>
-              <dgm:shape xmlns:r="http://schemas.openxmlformats.org/officeDocument/2006/relationships" type="line" r:blip="">
-                <dgm:adjLst/>
-              </dgm:shape>
-              <dgm:presOf/>
-            </dgm:layoutNode>
-            <dgm:layoutNode name="vertSpace2b">
-              <dgm:alg type="sp"/>
-              <dgm:shape xmlns:r="http://schemas.openxmlformats.org/officeDocument/2006/relationships" r:blip="">
-                <dgm:adjLst/>
-              </dgm:shape>
-              <dgm:presOf/>
-            </dgm:layoutNode>
-          </dgm:forEach>
-        </dgm:layoutNode>
-      </dgm:layoutNode>
+              </dgm:forEach>
+            </dgm:if>
+            <dgm:else name="Name7"/>
+          </dgm:choose>
+        </dgm:else>
+      </dgm:choose>
     </dgm:forEach>
   </dgm:layoutNode>
 </dgm:layoutDef>
@@ -8850,7 +9053,7 @@
           <a:p>
             <a:fld id="{45CFAEDD-A751-C04A-A7A5-56DFB8A65EE6}" type="datetimeFigureOut">
               <a:rPr lang="en-US" smtClean="0"/>
-              <a:t>3/2/24</a:t>
+              <a:t>3/10/2024</a:t>
             </a:fld>
             <a:endParaRPr lang="en-US"/>
           </a:p>
@@ -9181,13 +9384,8 @@
           <a:p>
             <a:r>
               <a:rPr lang="en-US" dirty="0"/>
-              <a:t>If you joined us last month, you heard about the various options for Windows developers. This month, we’re going to drill down into the latest option </a:t>
-            </a:r>
-            <a:r>
-              <a:rPr lang="en-US"/>
-              <a:t>from Microsoft.</a:t>
-            </a:r>
-            <a:endParaRPr lang="en-US" dirty="0"/>
+              <a:t>If you joined us last month, you heard about the various options for Windows developers. This month, we’re going to drill down into the latest option from Microsoft.</a:t>
+            </a:r>
           </a:p>
         </p:txBody>
       </p:sp>
@@ -9494,6 +9692,567 @@
     <p:extLst>
       <p:ext uri="{BB962C8B-B14F-4D97-AF65-F5344CB8AC3E}">
         <p14:creationId xmlns:p14="http://schemas.microsoft.com/office/powerpoint/2010/main" val="1958153512"/>
+      </p:ext>
+    </p:extLst>
+  </p:cSld>
+  <p:clrMapOvr>
+    <a:masterClrMapping/>
+  </p:clrMapOvr>
+</p:notes>
+</file>
+
+<file path=ppt/notesSlides/notesSlide4.xml><?xml version="1.0" encoding="utf-8"?>
+<p:notes xmlns:a="http://schemas.openxmlformats.org/drawingml/2006/main" xmlns:r="http://schemas.openxmlformats.org/officeDocument/2006/relationships" xmlns:p="http://schemas.openxmlformats.org/presentationml/2006/main">
+  <p:cSld>
+    <p:spTree>
+      <p:nvGrpSpPr>
+        <p:cNvPr id="1" name=""/>
+        <p:cNvGrpSpPr/>
+        <p:nvPr/>
+      </p:nvGrpSpPr>
+      <p:grpSpPr>
+        <a:xfrm>
+          <a:off x="0" y="0"/>
+          <a:ext cx="0" cy="0"/>
+          <a:chOff x="0" y="0"/>
+          <a:chExt cx="0" cy="0"/>
+        </a:xfrm>
+      </p:grpSpPr>
+      <p:sp>
+        <p:nvSpPr>
+          <p:cNvPr id="2" name="Slide Image Placeholder 1"/>
+          <p:cNvSpPr>
+            <a:spLocks noGrp="1" noRot="1" noChangeAspect="1"/>
+          </p:cNvSpPr>
+          <p:nvPr>
+            <p:ph type="sldImg"/>
+          </p:nvPr>
+        </p:nvSpPr>
+        <p:spPr/>
+      </p:sp>
+      <p:sp>
+        <p:nvSpPr>
+          <p:cNvPr id="3" name="Notes Placeholder 2"/>
+          <p:cNvSpPr>
+            <a:spLocks noGrp="1"/>
+          </p:cNvSpPr>
+          <p:nvPr>
+            <p:ph type="body" idx="1"/>
+          </p:nvPr>
+        </p:nvSpPr>
+        <p:spPr/>
+        <p:txBody>
+          <a:bodyPr/>
+          <a:lstStyle/>
+          <a:p>
+            <a:r>
+              <a:rPr lang="en-US" dirty="0"/>
+              <a:t>Create new WinUI 3 in Desktop project</a:t>
+            </a:r>
+          </a:p>
+          <a:p>
+            <a:endParaRPr lang="en-US" dirty="0"/>
+          </a:p>
+          <a:p>
+            <a:r>
+              <a:rPr lang="en-US" dirty="0"/>
+              <a:t>Open Chapter 5 to explore controls and MVVM concepts</a:t>
+            </a:r>
+          </a:p>
+          <a:p>
+            <a:endParaRPr lang="en-US" dirty="0"/>
+          </a:p>
+        </p:txBody>
+      </p:sp>
+      <p:sp>
+        <p:nvSpPr>
+          <p:cNvPr id="4" name="Slide Number Placeholder 3"/>
+          <p:cNvSpPr>
+            <a:spLocks noGrp="1"/>
+          </p:cNvSpPr>
+          <p:nvPr>
+            <p:ph type="sldNum" sz="quarter" idx="5"/>
+          </p:nvPr>
+        </p:nvSpPr>
+        <p:spPr/>
+        <p:txBody>
+          <a:bodyPr/>
+          <a:lstStyle/>
+          <a:p>
+            <a:fld id="{B24C3CE9-E430-0042-A738-50E8105E4176}" type="slidenum">
+              <a:rPr lang="en-US" smtClean="0"/>
+              <a:t>6</a:t>
+            </a:fld>
+            <a:endParaRPr lang="en-US"/>
+          </a:p>
+        </p:txBody>
+      </p:sp>
+    </p:spTree>
+    <p:extLst>
+      <p:ext uri="{BB962C8B-B14F-4D97-AF65-F5344CB8AC3E}">
+        <p14:creationId xmlns:p14="http://schemas.microsoft.com/office/powerpoint/2010/main" val="1307438610"/>
+      </p:ext>
+    </p:extLst>
+  </p:cSld>
+  <p:clrMapOvr>
+    <a:masterClrMapping/>
+  </p:clrMapOvr>
+</p:notes>
+</file>
+
+<file path=ppt/notesSlides/notesSlide5.xml><?xml version="1.0" encoding="utf-8"?>
+<p:notes xmlns:a="http://schemas.openxmlformats.org/drawingml/2006/main" xmlns:r="http://schemas.openxmlformats.org/officeDocument/2006/relationships" xmlns:p="http://schemas.openxmlformats.org/presentationml/2006/main">
+  <p:cSld>
+    <p:spTree>
+      <p:nvGrpSpPr>
+        <p:cNvPr id="1" name=""/>
+        <p:cNvGrpSpPr/>
+        <p:nvPr/>
+      </p:nvGrpSpPr>
+      <p:grpSpPr>
+        <a:xfrm>
+          <a:off x="0" y="0"/>
+          <a:ext cx="0" cy="0"/>
+          <a:chOff x="0" y="0"/>
+          <a:chExt cx="0" cy="0"/>
+        </a:xfrm>
+      </p:grpSpPr>
+      <p:sp>
+        <p:nvSpPr>
+          <p:cNvPr id="2" name="Slide Image Placeholder 1"/>
+          <p:cNvSpPr>
+            <a:spLocks noGrp="1" noRot="1" noChangeAspect="1"/>
+          </p:cNvSpPr>
+          <p:nvPr>
+            <p:ph type="sldImg"/>
+          </p:nvPr>
+        </p:nvSpPr>
+        <p:spPr/>
+      </p:sp>
+      <p:sp>
+        <p:nvSpPr>
+          <p:cNvPr id="3" name="Notes Placeholder 2"/>
+          <p:cNvSpPr>
+            <a:spLocks noGrp="1"/>
+          </p:cNvSpPr>
+          <p:nvPr>
+            <p:ph type="body" idx="1"/>
+          </p:nvPr>
+        </p:nvSpPr>
+        <p:spPr/>
+        <p:txBody>
+          <a:bodyPr/>
+          <a:lstStyle/>
+          <a:p>
+            <a:r>
+              <a:rPr lang="en-US" dirty="0"/>
+              <a:t>Show WCT gallery app</a:t>
+            </a:r>
+          </a:p>
+          <a:p>
+            <a:endParaRPr lang="en-US" dirty="0"/>
+          </a:p>
+          <a:p>
+            <a:r>
+              <a:rPr lang="en-US" dirty="0"/>
+              <a:t>Chapter 9 code has Community Toolkit controls</a:t>
+            </a:r>
+          </a:p>
+          <a:p>
+            <a:endParaRPr lang="en-US" dirty="0"/>
+          </a:p>
+          <a:p>
+            <a:endParaRPr lang="en-US" dirty="0"/>
+          </a:p>
+        </p:txBody>
+      </p:sp>
+      <p:sp>
+        <p:nvSpPr>
+          <p:cNvPr id="4" name="Slide Number Placeholder 3"/>
+          <p:cNvSpPr>
+            <a:spLocks noGrp="1"/>
+          </p:cNvSpPr>
+          <p:nvPr>
+            <p:ph type="sldNum" sz="quarter" idx="5"/>
+          </p:nvPr>
+        </p:nvSpPr>
+        <p:spPr/>
+        <p:txBody>
+          <a:bodyPr/>
+          <a:lstStyle/>
+          <a:p>
+            <a:fld id="{B24C3CE9-E430-0042-A738-50E8105E4176}" type="slidenum">
+              <a:rPr lang="en-US" smtClean="0"/>
+              <a:t>7</a:t>
+            </a:fld>
+            <a:endParaRPr lang="en-US"/>
+          </a:p>
+        </p:txBody>
+      </p:sp>
+    </p:spTree>
+    <p:extLst>
+      <p:ext uri="{BB962C8B-B14F-4D97-AF65-F5344CB8AC3E}">
+        <p14:creationId xmlns:p14="http://schemas.microsoft.com/office/powerpoint/2010/main" val="2436207506"/>
+      </p:ext>
+    </p:extLst>
+  </p:cSld>
+  <p:clrMapOvr>
+    <a:masterClrMapping/>
+  </p:clrMapOvr>
+</p:notes>
+</file>
+
+<file path=ppt/notesSlides/notesSlide6.xml><?xml version="1.0" encoding="utf-8"?>
+<p:notes xmlns:a="http://schemas.openxmlformats.org/drawingml/2006/main" xmlns:r="http://schemas.openxmlformats.org/officeDocument/2006/relationships" xmlns:p="http://schemas.openxmlformats.org/presentationml/2006/main">
+  <p:cSld>
+    <p:spTree>
+      <p:nvGrpSpPr>
+        <p:cNvPr id="1" name=""/>
+        <p:cNvGrpSpPr/>
+        <p:nvPr/>
+      </p:nvGrpSpPr>
+      <p:grpSpPr>
+        <a:xfrm>
+          <a:off x="0" y="0"/>
+          <a:ext cx="0" cy="0"/>
+          <a:chOff x="0" y="0"/>
+          <a:chExt cx="0" cy="0"/>
+        </a:xfrm>
+      </p:grpSpPr>
+      <p:sp>
+        <p:nvSpPr>
+          <p:cNvPr id="2" name="Slide Image Placeholder 1"/>
+          <p:cNvSpPr>
+            <a:spLocks noGrp="1" noRot="1" noChangeAspect="1"/>
+          </p:cNvSpPr>
+          <p:nvPr>
+            <p:ph type="sldImg"/>
+          </p:nvPr>
+        </p:nvSpPr>
+        <p:spPr/>
+      </p:sp>
+      <p:sp>
+        <p:nvSpPr>
+          <p:cNvPr id="3" name="Notes Placeholder 2"/>
+          <p:cNvSpPr>
+            <a:spLocks noGrp="1"/>
+          </p:cNvSpPr>
+          <p:nvPr>
+            <p:ph type="body" idx="1"/>
+          </p:nvPr>
+        </p:nvSpPr>
+        <p:spPr/>
+        <p:txBody>
+          <a:bodyPr/>
+          <a:lstStyle/>
+          <a:p>
+            <a:r>
+              <a:rPr lang="en-US" dirty="0"/>
+              <a:t>Chapter 8 code has notifications API code</a:t>
+            </a:r>
+          </a:p>
+          <a:p>
+            <a:endParaRPr lang="en-US" dirty="0"/>
+          </a:p>
+        </p:txBody>
+      </p:sp>
+      <p:sp>
+        <p:nvSpPr>
+          <p:cNvPr id="4" name="Slide Number Placeholder 3"/>
+          <p:cNvSpPr>
+            <a:spLocks noGrp="1"/>
+          </p:cNvSpPr>
+          <p:nvPr>
+            <p:ph type="sldNum" sz="quarter" idx="5"/>
+          </p:nvPr>
+        </p:nvSpPr>
+        <p:spPr/>
+        <p:txBody>
+          <a:bodyPr/>
+          <a:lstStyle/>
+          <a:p>
+            <a:fld id="{B24C3CE9-E430-0042-A738-50E8105E4176}" type="slidenum">
+              <a:rPr lang="en-US" smtClean="0"/>
+              <a:t>8</a:t>
+            </a:fld>
+            <a:endParaRPr lang="en-US"/>
+          </a:p>
+        </p:txBody>
+      </p:sp>
+    </p:spTree>
+    <p:extLst>
+      <p:ext uri="{BB962C8B-B14F-4D97-AF65-F5344CB8AC3E}">
+        <p14:creationId xmlns:p14="http://schemas.microsoft.com/office/powerpoint/2010/main" val="866739980"/>
+      </p:ext>
+    </p:extLst>
+  </p:cSld>
+  <p:clrMapOvr>
+    <a:masterClrMapping/>
+  </p:clrMapOvr>
+</p:notes>
+</file>
+
+<file path=ppt/notesSlides/notesSlide7.xml><?xml version="1.0" encoding="utf-8"?>
+<p:notes xmlns:a="http://schemas.openxmlformats.org/drawingml/2006/main" xmlns:r="http://schemas.openxmlformats.org/officeDocument/2006/relationships" xmlns:p="http://schemas.openxmlformats.org/presentationml/2006/main">
+  <p:cSld>
+    <p:spTree>
+      <p:nvGrpSpPr>
+        <p:cNvPr id="1" name=""/>
+        <p:cNvGrpSpPr/>
+        <p:nvPr/>
+      </p:nvGrpSpPr>
+      <p:grpSpPr>
+        <a:xfrm>
+          <a:off x="0" y="0"/>
+          <a:ext cx="0" cy="0"/>
+          <a:chOff x="0" y="0"/>
+          <a:chExt cx="0" cy="0"/>
+        </a:xfrm>
+      </p:grpSpPr>
+      <p:sp>
+        <p:nvSpPr>
+          <p:cNvPr id="2" name="Slide Image Placeholder 1"/>
+          <p:cNvSpPr>
+            <a:spLocks noGrp="1" noRot="1" noChangeAspect="1"/>
+          </p:cNvSpPr>
+          <p:nvPr>
+            <p:ph type="sldImg"/>
+          </p:nvPr>
+        </p:nvSpPr>
+        <p:spPr/>
+      </p:sp>
+      <p:sp>
+        <p:nvSpPr>
+          <p:cNvPr id="3" name="Notes Placeholder 2"/>
+          <p:cNvSpPr>
+            <a:spLocks noGrp="1"/>
+          </p:cNvSpPr>
+          <p:nvPr>
+            <p:ph type="body" idx="1"/>
+          </p:nvPr>
+        </p:nvSpPr>
+        <p:spPr/>
+        <p:txBody>
+          <a:bodyPr/>
+          <a:lstStyle/>
+          <a:p>
+            <a:r>
+              <a:rPr lang="en-US" dirty="0"/>
+              <a:t>Chapter 12 has WebView2 with Blazor demo</a:t>
+            </a:r>
+          </a:p>
+          <a:p>
+            <a:endParaRPr lang="en-US" dirty="0"/>
+          </a:p>
+        </p:txBody>
+      </p:sp>
+      <p:sp>
+        <p:nvSpPr>
+          <p:cNvPr id="4" name="Slide Number Placeholder 3"/>
+          <p:cNvSpPr>
+            <a:spLocks noGrp="1"/>
+          </p:cNvSpPr>
+          <p:nvPr>
+            <p:ph type="sldNum" sz="quarter" idx="5"/>
+          </p:nvPr>
+        </p:nvSpPr>
+        <p:spPr/>
+        <p:txBody>
+          <a:bodyPr/>
+          <a:lstStyle/>
+          <a:p>
+            <a:fld id="{B24C3CE9-E430-0042-A738-50E8105E4176}" type="slidenum">
+              <a:rPr lang="en-US" smtClean="0"/>
+              <a:t>9</a:t>
+            </a:fld>
+            <a:endParaRPr lang="en-US"/>
+          </a:p>
+        </p:txBody>
+      </p:sp>
+    </p:spTree>
+    <p:extLst>
+      <p:ext uri="{BB962C8B-B14F-4D97-AF65-F5344CB8AC3E}">
+        <p14:creationId xmlns:p14="http://schemas.microsoft.com/office/powerpoint/2010/main" val="3736469973"/>
+      </p:ext>
+    </p:extLst>
+  </p:cSld>
+  <p:clrMapOvr>
+    <a:masterClrMapping/>
+  </p:clrMapOvr>
+</p:notes>
+</file>
+
+<file path=ppt/notesSlides/notesSlide8.xml><?xml version="1.0" encoding="utf-8"?>
+<p:notes xmlns:a="http://schemas.openxmlformats.org/drawingml/2006/main" xmlns:r="http://schemas.openxmlformats.org/officeDocument/2006/relationships" xmlns:p="http://schemas.openxmlformats.org/presentationml/2006/main">
+  <p:cSld>
+    <p:spTree>
+      <p:nvGrpSpPr>
+        <p:cNvPr id="1" name=""/>
+        <p:cNvGrpSpPr/>
+        <p:nvPr/>
+      </p:nvGrpSpPr>
+      <p:grpSpPr>
+        <a:xfrm>
+          <a:off x="0" y="0"/>
+          <a:ext cx="0" cy="0"/>
+          <a:chOff x="0" y="0"/>
+          <a:chExt cx="0" cy="0"/>
+        </a:xfrm>
+      </p:grpSpPr>
+      <p:sp>
+        <p:nvSpPr>
+          <p:cNvPr id="2" name="Slide Image Placeholder 1"/>
+          <p:cNvSpPr>
+            <a:spLocks noGrp="1" noRot="1" noChangeAspect="1"/>
+          </p:cNvSpPr>
+          <p:nvPr>
+            <p:ph type="sldImg"/>
+          </p:nvPr>
+        </p:nvSpPr>
+        <p:spPr/>
+      </p:sp>
+      <p:sp>
+        <p:nvSpPr>
+          <p:cNvPr id="3" name="Notes Placeholder 2"/>
+          <p:cNvSpPr>
+            <a:spLocks noGrp="1"/>
+          </p:cNvSpPr>
+          <p:nvPr>
+            <p:ph type="body" idx="1"/>
+          </p:nvPr>
+        </p:nvSpPr>
+        <p:spPr/>
+        <p:txBody>
+          <a:bodyPr/>
+          <a:lstStyle/>
+          <a:p>
+            <a:endParaRPr lang="en-US" dirty="0"/>
+          </a:p>
+        </p:txBody>
+      </p:sp>
+      <p:sp>
+        <p:nvSpPr>
+          <p:cNvPr id="4" name="Slide Number Placeholder 3"/>
+          <p:cNvSpPr>
+            <a:spLocks noGrp="1"/>
+          </p:cNvSpPr>
+          <p:nvPr>
+            <p:ph type="sldNum" sz="quarter" idx="5"/>
+          </p:nvPr>
+        </p:nvSpPr>
+        <p:spPr/>
+        <p:txBody>
+          <a:bodyPr/>
+          <a:lstStyle/>
+          <a:p>
+            <a:fld id="{B24C3CE9-E430-0042-A738-50E8105E4176}" type="slidenum">
+              <a:rPr lang="en-US" smtClean="0"/>
+              <a:t>10</a:t>
+            </a:fld>
+            <a:endParaRPr lang="en-US"/>
+          </a:p>
+        </p:txBody>
+      </p:sp>
+    </p:spTree>
+    <p:extLst>
+      <p:ext uri="{BB962C8B-B14F-4D97-AF65-F5344CB8AC3E}">
+        <p14:creationId xmlns:p14="http://schemas.microsoft.com/office/powerpoint/2010/main" val="429697880"/>
+      </p:ext>
+    </p:extLst>
+  </p:cSld>
+  <p:clrMapOvr>
+    <a:masterClrMapping/>
+  </p:clrMapOvr>
+</p:notes>
+</file>
+
+<file path=ppt/notesSlides/notesSlide9.xml><?xml version="1.0" encoding="utf-8"?>
+<p:notes xmlns:a="http://schemas.openxmlformats.org/drawingml/2006/main" xmlns:r="http://schemas.openxmlformats.org/officeDocument/2006/relationships" xmlns:p="http://schemas.openxmlformats.org/presentationml/2006/main">
+  <p:cSld>
+    <p:spTree>
+      <p:nvGrpSpPr>
+        <p:cNvPr id="1" name=""/>
+        <p:cNvGrpSpPr/>
+        <p:nvPr/>
+      </p:nvGrpSpPr>
+      <p:grpSpPr>
+        <a:xfrm>
+          <a:off x="0" y="0"/>
+          <a:ext cx="0" cy="0"/>
+          <a:chOff x="0" y="0"/>
+          <a:chExt cx="0" cy="0"/>
+        </a:xfrm>
+      </p:grpSpPr>
+      <p:sp>
+        <p:nvSpPr>
+          <p:cNvPr id="2" name="Slide Image Placeholder 1"/>
+          <p:cNvSpPr>
+            <a:spLocks noGrp="1" noRot="1" noChangeAspect="1"/>
+          </p:cNvSpPr>
+          <p:nvPr>
+            <p:ph type="sldImg"/>
+          </p:nvPr>
+        </p:nvSpPr>
+        <p:spPr/>
+      </p:sp>
+      <p:sp>
+        <p:nvSpPr>
+          <p:cNvPr id="3" name="Notes Placeholder 2"/>
+          <p:cNvSpPr>
+            <a:spLocks noGrp="1"/>
+          </p:cNvSpPr>
+          <p:nvPr>
+            <p:ph type="body" idx="1"/>
+          </p:nvPr>
+        </p:nvSpPr>
+        <p:spPr/>
+        <p:txBody>
+          <a:bodyPr/>
+          <a:lstStyle/>
+          <a:p>
+            <a:r>
+              <a:rPr lang="en-US" dirty="0"/>
+              <a:t>Chapter 13 has Uno Platform project</a:t>
+            </a:r>
+          </a:p>
+          <a:p>
+            <a:endParaRPr lang="en-US" dirty="0"/>
+          </a:p>
+          <a:p>
+            <a:endParaRPr lang="en-US" dirty="0"/>
+          </a:p>
+          <a:p>
+            <a:endParaRPr lang="en-US" dirty="0"/>
+          </a:p>
+        </p:txBody>
+      </p:sp>
+      <p:sp>
+        <p:nvSpPr>
+          <p:cNvPr id="4" name="Slide Number Placeholder 3"/>
+          <p:cNvSpPr>
+            <a:spLocks noGrp="1"/>
+          </p:cNvSpPr>
+          <p:nvPr>
+            <p:ph type="sldNum" sz="quarter" idx="5"/>
+          </p:nvPr>
+        </p:nvSpPr>
+        <p:spPr/>
+        <p:txBody>
+          <a:bodyPr/>
+          <a:lstStyle/>
+          <a:p>
+            <a:fld id="{B24C3CE9-E430-0042-A738-50E8105E4176}" type="slidenum">
+              <a:rPr lang="en-US" smtClean="0"/>
+              <a:t>11</a:t>
+            </a:fld>
+            <a:endParaRPr lang="en-US"/>
+          </a:p>
+        </p:txBody>
+      </p:sp>
+    </p:spTree>
+    <p:extLst>
+      <p:ext uri="{BB962C8B-B14F-4D97-AF65-F5344CB8AC3E}">
+        <p14:creationId xmlns:p14="http://schemas.microsoft.com/office/powerpoint/2010/main" val="1160255955"/>
       </p:ext>
     </p:extLst>
   </p:cSld>
@@ -9728,7 +10487,7 @@
             <a:fld id="{5586B75A-687E-405C-8A0B-8D00578BA2C3}" type="datetimeFigureOut">
               <a:rPr lang="en-US" dirty="0"/>
               <a:pPr/>
-              <a:t>3/2/24</a:t>
+              <a:t>3/10/2024</a:t>
             </a:fld>
             <a:endParaRPr lang="en-US" dirty="0"/>
           </a:p>
@@ -9895,7 +10654,7 @@
             <a:fld id="{5586B75A-687E-405C-8A0B-8D00578BA2C3}" type="datetimeFigureOut">
               <a:rPr lang="en-US" dirty="0"/>
               <a:pPr/>
-              <a:t>3/2/24</a:t>
+              <a:t>3/10/2024</a:t>
             </a:fld>
             <a:endParaRPr lang="en-US" dirty="0"/>
           </a:p>
@@ -10072,7 +10831,7 @@
             <a:fld id="{5586B75A-687E-405C-8A0B-8D00578BA2C3}" type="datetimeFigureOut">
               <a:rPr lang="en-US" dirty="0"/>
               <a:pPr/>
-              <a:t>3/2/24</a:t>
+              <a:t>3/10/2024</a:t>
             </a:fld>
             <a:endParaRPr lang="en-US" dirty="0"/>
           </a:p>
@@ -10239,7 +10998,7 @@
             <a:fld id="{5586B75A-687E-405C-8A0B-8D00578BA2C3}" type="datetimeFigureOut">
               <a:rPr lang="en-US" dirty="0"/>
               <a:pPr/>
-              <a:t>3/2/24</a:t>
+              <a:t>3/10/2024</a:t>
             </a:fld>
             <a:endParaRPr lang="en-US" dirty="0"/>
           </a:p>
@@ -10494,7 +11253,7 @@
             <a:fld id="{5586B75A-687E-405C-8A0B-8D00578BA2C3}" type="datetimeFigureOut">
               <a:rPr lang="en-US" dirty="0"/>
               <a:pPr/>
-              <a:t>3/2/24</a:t>
+              <a:t>3/10/2024</a:t>
             </a:fld>
             <a:endParaRPr lang="en-US" dirty="0"/>
           </a:p>
@@ -10779,7 +11538,7 @@
             <a:fld id="{5586B75A-687E-405C-8A0B-8D00578BA2C3}" type="datetimeFigureOut">
               <a:rPr lang="en-US" dirty="0"/>
               <a:pPr/>
-              <a:t>3/2/24</a:t>
+              <a:t>3/10/2024</a:t>
             </a:fld>
             <a:endParaRPr lang="en-US" dirty="0"/>
           </a:p>
@@ -11218,7 +11977,7 @@
             <a:fld id="{5586B75A-687E-405C-8A0B-8D00578BA2C3}" type="datetimeFigureOut">
               <a:rPr lang="en-US" dirty="0"/>
               <a:pPr/>
-              <a:t>3/2/24</a:t>
+              <a:t>3/10/2024</a:t>
             </a:fld>
             <a:endParaRPr lang="en-US" dirty="0"/>
           </a:p>
@@ -11333,7 +12092,7 @@
             <a:fld id="{5586B75A-687E-405C-8A0B-8D00578BA2C3}" type="datetimeFigureOut">
               <a:rPr lang="en-US" dirty="0"/>
               <a:pPr/>
-              <a:t>3/2/24</a:t>
+              <a:t>3/10/2024</a:t>
             </a:fld>
             <a:endParaRPr lang="en-US" dirty="0"/>
           </a:p>
@@ -11425,7 +12184,7 @@
             <a:fld id="{5586B75A-687E-405C-8A0B-8D00578BA2C3}" type="datetimeFigureOut">
               <a:rPr lang="en-US" dirty="0"/>
               <a:pPr/>
-              <a:t>3/2/24</a:t>
+              <a:t>3/10/2024</a:t>
             </a:fld>
             <a:endParaRPr lang="en-US" dirty="0"/>
           </a:p>
@@ -11710,7 +12469,7 @@
             <a:fld id="{5586B75A-687E-405C-8A0B-8D00578BA2C3}" type="datetimeFigureOut">
               <a:rPr lang="en-US" dirty="0"/>
               <a:pPr/>
-              <a:t>3/2/24</a:t>
+              <a:t>3/10/2024</a:t>
             </a:fld>
             <a:endParaRPr lang="en-US" dirty="0"/>
           </a:p>
@@ -11980,7 +12739,7 @@
             <a:fld id="{5586B75A-687E-405C-8A0B-8D00578BA2C3}" type="datetimeFigureOut">
               <a:rPr lang="en-US" dirty="0"/>
               <a:pPr/>
-              <a:t>3/2/24</a:t>
+              <a:t>3/10/2024</a:t>
             </a:fld>
             <a:endParaRPr lang="en-US" dirty="0"/>
           </a:p>
@@ -12274,7 +13033,7 @@
             <a:fld id="{5586B75A-687E-405C-8A0B-8D00578BA2C3}" type="datetimeFigureOut">
               <a:rPr lang="en-US" dirty="0"/>
               <a:pPr/>
-              <a:t>3/2/24</a:t>
+              <a:t>3/10/2024</a:t>
             </a:fld>
             <a:endParaRPr lang="en-US" dirty="0"/>
           </a:p>
@@ -13197,7 +13956,7 @@
           <p:nvPr/>
         </p:nvPicPr>
         <p:blipFill rotWithShape="1">
-          <a:blip r:embed="rId2">
+          <a:blip r:embed="rId3">
             <a:duotone>
               <a:schemeClr val="bg2">
                 <a:shade val="45000"/>
@@ -13397,7 +14156,7 @@
             </a:r>
             <a:r>
               <a:rPr lang="en-US" dirty="0">
-                <a:hlinkClick r:id="rId3"/>
+                <a:hlinkClick r:id="rId4"/>
               </a:rPr>
               <a:t>https://learn.microsoft.com/en-us/dotnet/maui/windows/deployment/publish-visual-studio-folder?view=net-maui-8.0</a:t>
             </a:r>
@@ -13734,7 +14493,7 @@
           <p:nvPr/>
         </p:nvPicPr>
         <p:blipFill rotWithShape="1">
-          <a:blip r:embed="rId2">
+          <a:blip r:embed="rId3">
             <a:duotone>
               <a:schemeClr val="accent1">
                 <a:shade val="45000"/>
@@ -14073,6 +14832,14 @@
 <file path=ppt/slides/slide12.xml><?xml version="1.0" encoding="utf-8"?>
 <p:sld xmlns:a="http://schemas.openxmlformats.org/drawingml/2006/main" xmlns:r="http://schemas.openxmlformats.org/officeDocument/2006/relationships" xmlns:p="http://schemas.openxmlformats.org/presentationml/2006/main">
   <p:cSld>
+    <p:bg>
+      <p:bgPr>
+        <a:solidFill>
+          <a:schemeClr val="bg1"/>
+        </a:solidFill>
+        <a:effectLst/>
+      </p:bgPr>
+    </p:bg>
     <p:spTree>
       <p:nvGrpSpPr>
         <p:cNvPr id="1" name=""/>
@@ -14103,9 +14870,16 @@
             <p:ph type="title"/>
           </p:nvPr>
         </p:nvSpPr>
-        <p:spPr/>
+        <p:spPr>
+          <a:xfrm>
+            <a:off x="252919" y="1123837"/>
+            <a:ext cx="2947482" cy="4601183"/>
+          </a:xfrm>
+        </p:spPr>
         <p:txBody>
-          <a:bodyPr/>
+          <a:bodyPr>
+            <a:normAutofit/>
+          </a:bodyPr>
           <a:lstStyle/>
           <a:p>
             <a:r>
@@ -14130,11 +14904,16 @@
           </p:cNvGraphicFramePr>
           <p:nvPr>
             <p:ph idx="1"/>
+            <p:extLst>
+              <p:ext uri="{D42A27DB-BD31-4B8C-83A1-F6EECF244321}">
+                <p14:modId xmlns:p14="http://schemas.microsoft.com/office/powerpoint/2010/main" val="19717621"/>
+              </p:ext>
+            </p:extLst>
           </p:nvPr>
         </p:nvGraphicFramePr>
         <p:xfrm>
-          <a:off x="3869268" y="864108"/>
-          <a:ext cx="7315200" cy="5120640"/>
+          <a:off x="3759896" y="885459"/>
+          <a:ext cx="7728267" cy="5087324"/>
         </p:xfrm>
         <a:graphic>
           <a:graphicData uri="http://schemas.openxmlformats.org/drawingml/2006/diagram">
@@ -16492,7 +17271,7 @@
         </p:xfrm>
         <a:graphic>
           <a:graphicData uri="http://schemas.openxmlformats.org/drawingml/2006/diagram">
-            <dgm:relIds xmlns:dgm="http://schemas.openxmlformats.org/drawingml/2006/diagram" xmlns:r="http://schemas.openxmlformats.org/officeDocument/2006/relationships" r:dm="rId2" r:lo="rId3" r:qs="rId4" r:cs="rId5"/>
+            <dgm:relIds xmlns:dgm="http://schemas.openxmlformats.org/drawingml/2006/diagram" xmlns:r="http://schemas.openxmlformats.org/officeDocument/2006/relationships" r:dm="rId3" r:lo="rId4" r:qs="rId5" r:cs="rId6"/>
           </a:graphicData>
         </a:graphic>
       </p:graphicFrame>
@@ -16609,7 +17388,7 @@
           <p:nvPr/>
         </p:nvPicPr>
         <p:blipFill rotWithShape="1">
-          <a:blip r:embed="rId2">
+          <a:blip r:embed="rId3">
             <a:alphaModFix amt="25000"/>
           </a:blip>
           <a:srcRect t="8372" b="7358"/>
@@ -16725,7 +17504,7 @@
                 <a:solidFill>
                   <a:schemeClr val="tx1"/>
                 </a:solidFill>
-                <a:hlinkClick r:id="rId3"/>
+                <a:hlinkClick r:id="rId4"/>
               </a:rPr>
               <a:t>https://github.com/CommunityToolkit/Windows</a:t>
             </a:r>
@@ -16749,7 +17528,7 @@
                 <a:solidFill>
                   <a:schemeClr val="tx1"/>
                 </a:solidFill>
-                <a:hlinkClick r:id="rId4"/>
+                <a:hlinkClick r:id="rId5"/>
               </a:rPr>
               <a:t>https://learn.microsoft.com/dotnet/communitytoolkit/windows/</a:t>
             </a:r>
@@ -16773,7 +17552,7 @@
                 <a:solidFill>
                   <a:schemeClr val="tx1"/>
                 </a:solidFill>
-                <a:hlinkClick r:id="rId5"/>
+                <a:hlinkClick r:id="rId6"/>
               </a:rPr>
               <a:t>https://www.microsoft.com/store/apps/9nblggh4tlcq</a:t>
             </a:r>
@@ -17034,7 +17813,7 @@
           <p:nvPr/>
         </p:nvPicPr>
         <p:blipFill rotWithShape="1">
-          <a:blip r:embed="rId2"/>
+          <a:blip r:embed="rId3"/>
           <a:srcRect t="15709" r="-1" b="-1"/>
           <a:stretch/>
         </p:blipFill>
@@ -17562,7 +18341,7 @@
             </a:r>
             <a:r>
               <a:rPr lang="en-US" sz="1400">
-                <a:hlinkClick r:id="rId2"/>
+                <a:hlinkClick r:id="rId3"/>
               </a:rPr>
               <a:t>https://learn.microsoft.com/en-us/windows/apps/windows-app-sdk/stable-channel#xaml-islands-no-longer-experimental</a:t>
             </a:r>
@@ -17610,7 +18389,7 @@
             </a:r>
             <a:r>
               <a:rPr lang="en-US" sz="1400">
-                <a:hlinkClick r:id="rId3"/>
+                <a:hlinkClick r:id="rId4"/>
               </a:rPr>
               <a:t>https://learn.microsoft.com/microsoft-edge/webview2/get-started/winui</a:t>
             </a:r>
@@ -18255,4 +19034,10 @@
     </a:ext>
   </a:extLst>
 </a:theme>
+</file>
+
+<file path=docMetadata/LabelInfo.xml><?xml version="1.0" encoding="utf-8"?>
+<clbl:labelList xmlns:clbl="http://schemas.microsoft.com/office/2020/mipLabelMetadata">
+  <clbl:label id="{f42aa342-8706-4288-bd11-ebb85995028c}" enabled="1" method="Standard" siteId="{72f988bf-86f1-41af-91ab-2d7cd011db47}" contentBits="0" removed="0"/>
+</clbl:labelList>
 </file>
--- a/2024/0320_BostonDotNetArch/GetStartedWithWinUI3.pptx
+++ b/2024/0320_BostonDotNetArch/GetStartedWithWinUI3.pptx
@@ -9053,7 +9053,7 @@
           <a:p>
             <a:fld id="{45CFAEDD-A751-C04A-A7A5-56DFB8A65EE6}" type="datetimeFigureOut">
               <a:rPr lang="en-US" smtClean="0"/>
-              <a:t>3/10/2024</a:t>
+              <a:t>3/16/2024</a:t>
             </a:fld>
             <a:endParaRPr lang="en-US"/>
           </a:p>
@@ -10487,7 +10487,7 @@
             <a:fld id="{5586B75A-687E-405C-8A0B-8D00578BA2C3}" type="datetimeFigureOut">
               <a:rPr lang="en-US" dirty="0"/>
               <a:pPr/>
-              <a:t>3/10/2024</a:t>
+              <a:t>3/16/2024</a:t>
             </a:fld>
             <a:endParaRPr lang="en-US" dirty="0"/>
           </a:p>
@@ -10654,7 +10654,7 @@
             <a:fld id="{5586B75A-687E-405C-8A0B-8D00578BA2C3}" type="datetimeFigureOut">
               <a:rPr lang="en-US" dirty="0"/>
               <a:pPr/>
-              <a:t>3/10/2024</a:t>
+              <a:t>3/16/2024</a:t>
             </a:fld>
             <a:endParaRPr lang="en-US" dirty="0"/>
           </a:p>
@@ -10831,7 +10831,7 @@
             <a:fld id="{5586B75A-687E-405C-8A0B-8D00578BA2C3}" type="datetimeFigureOut">
               <a:rPr lang="en-US" dirty="0"/>
               <a:pPr/>
-              <a:t>3/10/2024</a:t>
+              <a:t>3/16/2024</a:t>
             </a:fld>
             <a:endParaRPr lang="en-US" dirty="0"/>
           </a:p>
@@ -10998,7 +10998,7 @@
             <a:fld id="{5586B75A-687E-405C-8A0B-8D00578BA2C3}" type="datetimeFigureOut">
               <a:rPr lang="en-US" dirty="0"/>
               <a:pPr/>
-              <a:t>3/10/2024</a:t>
+              <a:t>3/16/2024</a:t>
             </a:fld>
             <a:endParaRPr lang="en-US" dirty="0"/>
           </a:p>
@@ -11253,7 +11253,7 @@
             <a:fld id="{5586B75A-687E-405C-8A0B-8D00578BA2C3}" type="datetimeFigureOut">
               <a:rPr lang="en-US" dirty="0"/>
               <a:pPr/>
-              <a:t>3/10/2024</a:t>
+              <a:t>3/16/2024</a:t>
             </a:fld>
             <a:endParaRPr lang="en-US" dirty="0"/>
           </a:p>
@@ -11538,7 +11538,7 @@
             <a:fld id="{5586B75A-687E-405C-8A0B-8D00578BA2C3}" type="datetimeFigureOut">
               <a:rPr lang="en-US" dirty="0"/>
               <a:pPr/>
-              <a:t>3/10/2024</a:t>
+              <a:t>3/16/2024</a:t>
             </a:fld>
             <a:endParaRPr lang="en-US" dirty="0"/>
           </a:p>
@@ -11977,7 +11977,7 @@
             <a:fld id="{5586B75A-687E-405C-8A0B-8D00578BA2C3}" type="datetimeFigureOut">
               <a:rPr lang="en-US" dirty="0"/>
               <a:pPr/>
-              <a:t>3/10/2024</a:t>
+              <a:t>3/16/2024</a:t>
             </a:fld>
             <a:endParaRPr lang="en-US" dirty="0"/>
           </a:p>
@@ -12092,7 +12092,7 @@
             <a:fld id="{5586B75A-687E-405C-8A0B-8D00578BA2C3}" type="datetimeFigureOut">
               <a:rPr lang="en-US" dirty="0"/>
               <a:pPr/>
-              <a:t>3/10/2024</a:t>
+              <a:t>3/16/2024</a:t>
             </a:fld>
             <a:endParaRPr lang="en-US" dirty="0"/>
           </a:p>
@@ -12184,7 +12184,7 @@
             <a:fld id="{5586B75A-687E-405C-8A0B-8D00578BA2C3}" type="datetimeFigureOut">
               <a:rPr lang="en-US" dirty="0"/>
               <a:pPr/>
-              <a:t>3/10/2024</a:t>
+              <a:t>3/16/2024</a:t>
             </a:fld>
             <a:endParaRPr lang="en-US" dirty="0"/>
           </a:p>
@@ -12469,7 +12469,7 @@
             <a:fld id="{5586B75A-687E-405C-8A0B-8D00578BA2C3}" type="datetimeFigureOut">
               <a:rPr lang="en-US" dirty="0"/>
               <a:pPr/>
-              <a:t>3/10/2024</a:t>
+              <a:t>3/16/2024</a:t>
             </a:fld>
             <a:endParaRPr lang="en-US" dirty="0"/>
           </a:p>
@@ -12739,7 +12739,7 @@
             <a:fld id="{5586B75A-687E-405C-8A0B-8D00578BA2C3}" type="datetimeFigureOut">
               <a:rPr lang="en-US" dirty="0"/>
               <a:pPr/>
-              <a:t>3/10/2024</a:t>
+              <a:t>3/16/2024</a:t>
             </a:fld>
             <a:endParaRPr lang="en-US" dirty="0"/>
           </a:p>
@@ -13033,7 +13033,7 @@
             <a:fld id="{5586B75A-687E-405C-8A0B-8D00578BA2C3}" type="datetimeFigureOut">
               <a:rPr lang="en-US" dirty="0"/>
               <a:pPr/>
-              <a:t>3/10/2024</a:t>
+              <a:t>3/16/2024</a:t>
             </a:fld>
             <a:endParaRPr lang="en-US" dirty="0"/>
           </a:p>
@@ -13883,10 +13883,10 @@
       </p:grpSpPr>
       <p:sp useBgFill="1">
         <p:nvSpPr>
-          <p:cNvPr id="9" name="Rectangle 8">
+          <p:cNvPr id="18" name="Rectangle 17">
             <a:extLst>
               <a:ext uri="{FF2B5EF4-FFF2-40B4-BE49-F238E27FC236}">
-                <a16:creationId xmlns:a16="http://schemas.microsoft.com/office/drawing/2014/main" id="{886D4068-D045-48B0-9A00-198F2FE4B57C}"/>
+                <a16:creationId xmlns:a16="http://schemas.microsoft.com/office/drawing/2014/main" id="{DCCCDCCF-DDE7-4FF9-BA8E-DFD3AC93A6C7}"/>
               </a:ext>
               <a:ext uri="{C183D7F6-B498-43B3-948B-1728B52AA6E4}">
                 <adec:decorative xmlns:adec="http://schemas.microsoft.com/office/drawing/2017/decorative" val="1"/>
@@ -13956,16 +13956,7 @@
           <p:nvPr/>
         </p:nvPicPr>
         <p:blipFill rotWithShape="1">
-          <a:blip r:embed="rId3">
-            <a:duotone>
-              <a:schemeClr val="bg2">
-                <a:shade val="45000"/>
-                <a:satMod val="135000"/>
-              </a:schemeClr>
-              <a:prstClr val="white"/>
-            </a:duotone>
-            <a:alphaModFix amt="25000"/>
-          </a:blip>
+          <a:blip r:embed="rId3"/>
           <a:srcRect l="25"/>
           <a:stretch/>
         </p:blipFill>
@@ -13981,10 +13972,10 @@
       </p:pic>
       <p:sp>
         <p:nvSpPr>
-          <p:cNvPr id="11" name="Rectangle 10">
+          <p:cNvPr id="20" name="Rectangle 19">
             <a:extLst>
               <a:ext uri="{FF2B5EF4-FFF2-40B4-BE49-F238E27FC236}">
-                <a16:creationId xmlns:a16="http://schemas.microsoft.com/office/drawing/2014/main" id="{12664C4B-AAE2-4AA0-8918-134E8086F37E}"/>
+                <a16:creationId xmlns:a16="http://schemas.microsoft.com/office/drawing/2014/main" id="{C2352FE0-ACFA-479E-A574-CED1C035D3F5}"/>
               </a:ext>
               <a:ext uri="{C183D7F6-B498-43B3-948B-1728B52AA6E4}">
                 <adec:decorative xmlns:adec="http://schemas.microsoft.com/office/drawing/2017/decorative" val="1"/>
@@ -14078,6 +14069,70 @@
       </p:sp>
       <p:sp>
         <p:nvSpPr>
+          <p:cNvPr id="22" name="Rectangle 21">
+            <a:extLst>
+              <a:ext uri="{FF2B5EF4-FFF2-40B4-BE49-F238E27FC236}">
+                <a16:creationId xmlns:a16="http://schemas.microsoft.com/office/drawing/2014/main" id="{401F5979-1992-492E-ABBD-62EBC1016CB4}"/>
+              </a:ext>
+              <a:ext uri="{C183D7F6-B498-43B3-948B-1728B52AA6E4}">
+                <adec:decorative xmlns:adec="http://schemas.microsoft.com/office/drawing/2017/decorative" val="1"/>
+              </a:ext>
+            </a:extLst>
+          </p:cNvPr>
+          <p:cNvSpPr>
+            <a:spLocks noGrp="1" noRot="1" noChangeAspect="1" noMove="1" noResize="1" noEditPoints="1" noAdjustHandles="1" noChangeArrowheads="1" noChangeShapeType="1" noTextEdit="1"/>
+          </p:cNvSpPr>
+          <p:nvPr>
+            <p:extLst>
+              <p:ext uri="{386F3935-93C4-4BCD-93E2-E3B085C9AB24}">
+                <p16:designElem xmlns:p16="http://schemas.microsoft.com/office/powerpoint/2015/main" val="1"/>
+              </p:ext>
+            </p:extLst>
+          </p:nvPr>
+        </p:nvSpPr>
+        <p:spPr>
+          <a:xfrm>
+            <a:off x="3697130" y="754144"/>
+            <a:ext cx="7865196" cy="5335760"/>
+          </a:xfrm>
+          <a:prstGeom prst="rect">
+            <a:avLst/>
+          </a:prstGeom>
+          <a:solidFill>
+            <a:schemeClr val="bg1">
+              <a:alpha val="88000"/>
+            </a:schemeClr>
+          </a:solidFill>
+          <a:ln>
+            <a:noFill/>
+          </a:ln>
+        </p:spPr>
+        <p:style>
+          <a:lnRef idx="2">
+            <a:schemeClr val="accent1">
+              <a:shade val="50000"/>
+            </a:schemeClr>
+          </a:lnRef>
+          <a:fillRef idx="1">
+            <a:schemeClr val="accent1"/>
+          </a:fillRef>
+          <a:effectRef idx="0">
+            <a:schemeClr val="accent1"/>
+          </a:effectRef>
+          <a:fontRef idx="minor">
+            <a:schemeClr val="lt1"/>
+          </a:fontRef>
+        </p:style>
+        <p:txBody>
+          <a:bodyPr/>
+          <a:lstStyle/>
+          <a:p>
+            <a:endParaRPr lang="en-US"/>
+          </a:p>
+        </p:txBody>
+      </p:sp>
+      <p:sp>
+        <p:nvSpPr>
           <p:cNvPr id="3" name="Content Placeholder 2">
             <a:extLst>
               <a:ext uri="{FF2B5EF4-FFF2-40B4-BE49-F238E27FC236}">
@@ -14105,97 +14160,146 @@
           <a:lstStyle/>
           <a:p>
             <a:r>
-              <a:rPr lang="en-US" dirty="0"/>
+              <a:rPr lang="en-US" sz="1400" dirty="0"/>
               <a:t>Packaging Options</a:t>
             </a:r>
           </a:p>
           <a:p>
             <a:pPr lvl="1"/>
             <a:r>
-              <a:rPr lang="en-US" dirty="0"/>
+              <a:rPr lang="en-US" sz="1400" dirty="0"/>
               <a:t>Framework-dependent packaged apps</a:t>
             </a:r>
           </a:p>
           <a:p>
             <a:pPr lvl="1"/>
             <a:r>
-              <a:rPr lang="en-US" dirty="0"/>
+              <a:rPr lang="en-US" sz="1400" dirty="0"/>
               <a:t>Framework-dependent unpackaged apps</a:t>
             </a:r>
           </a:p>
           <a:p>
             <a:pPr lvl="1"/>
             <a:r>
-              <a:rPr lang="en-US" dirty="0"/>
+              <a:rPr lang="en-US" sz="1400" dirty="0"/>
               <a:t>Self-contained apps</a:t>
             </a:r>
           </a:p>
           <a:p>
             <a:r>
-              <a:rPr lang="en-US" dirty="0"/>
+              <a:rPr lang="en-US" sz="1400" dirty="0"/>
               <a:t>Microsoft Store</a:t>
             </a:r>
           </a:p>
           <a:p>
-            <a:r>
-              <a:rPr lang="en-US" dirty="0"/>
-              <a:t>Windows Package Manager (WinGet)</a:t>
-            </a:r>
-          </a:p>
-          <a:p>
-            <a:r>
-              <a:rPr lang="en-US" dirty="0"/>
-              <a:t>Sideloading an MSIX</a:t>
-            </a:r>
-          </a:p>
-          <a:p>
             <a:pPr lvl="1"/>
             <a:r>
-              <a:rPr lang="en-US" dirty="0"/>
-              <a:t>Instructions for packaging a .NET MAUI app work with a WinUI 3 Blank App project and a separate Windows Application Packaging (WinUI 3 in Desktop) project: </a:t>
-            </a:r>
-            <a:r>
-              <a:rPr lang="en-US" dirty="0">
+              <a:rPr lang="en-US" sz="1400" dirty="0"/>
+              <a:t>Submit an app: </a:t>
+            </a:r>
+            <a:r>
+              <a:rPr lang="en-US" sz="1400" dirty="0">
                 <a:hlinkClick r:id="rId4"/>
               </a:rPr>
+              <a:t>https://learn.microsoft.com/windows/apps/publish/publish-your-app/overview</a:t>
+            </a:r>
+            <a:r>
+              <a:rPr lang="en-US" sz="1400" dirty="0"/>
+              <a:t> </a:t>
+            </a:r>
+          </a:p>
+          <a:p>
+            <a:r>
+              <a:rPr lang="en-US" sz="1400" dirty="0"/>
+              <a:t>Windows Package Manager (</a:t>
+            </a:r>
+            <a:r>
+              <a:rPr lang="en-US" sz="1400" dirty="0" err="1"/>
+              <a:t>WinGet</a:t>
+            </a:r>
+            <a:r>
+              <a:rPr lang="en-US" sz="1400" dirty="0"/>
+              <a:t>)</a:t>
+            </a:r>
+          </a:p>
+          <a:p>
+            <a:pPr lvl="1"/>
+            <a:r>
+              <a:rPr lang="en-US" sz="1400" dirty="0"/>
+              <a:t>Submit your package: </a:t>
+            </a:r>
+            <a:r>
+              <a:rPr lang="en-US" sz="1400" dirty="0">
+                <a:hlinkClick r:id="rId5"/>
+              </a:rPr>
+              <a:t>https://learn.microsoft.com/windows/package-manager/package/</a:t>
+            </a:r>
+            <a:r>
+              <a:rPr lang="en-US" sz="1400" dirty="0"/>
+              <a:t> </a:t>
+            </a:r>
+          </a:p>
+          <a:p>
+            <a:r>
+              <a:rPr lang="en-US" sz="1400" dirty="0"/>
+              <a:t>Sideloading an MSIX</a:t>
+            </a:r>
+          </a:p>
+          <a:p>
+            <a:pPr lvl="1"/>
+            <a:r>
+              <a:rPr lang="en-US" sz="1400" dirty="0"/>
+              <a:t>Instructions for packaging a .NET MAUI app work with a WinUI 3 Blank App project and a separate Windows Application Packaging (WinUI 3 in Desktop) project: </a:t>
+            </a:r>
+            <a:r>
+              <a:rPr lang="en-US" sz="1400" dirty="0">
+                <a:hlinkClick r:id="rId6"/>
+              </a:rPr>
               <a:t>https://learn.microsoft.com/en-us/dotnet/maui/windows/deployment/publish-visual-studio-folder?view=net-maui-8.0</a:t>
             </a:r>
             <a:r>
-              <a:rPr lang="en-US" dirty="0"/>
+              <a:rPr lang="en-US" sz="1400" dirty="0"/>
               <a:t> </a:t>
             </a:r>
           </a:p>
           <a:p>
             <a:pPr lvl="1"/>
             <a:r>
-              <a:rPr lang="en-US" dirty="0"/>
+              <a:rPr lang="en-US" sz="1400" dirty="0"/>
               <a:t>Also works for deploying MSIX with Enterprise deployment tools</a:t>
             </a:r>
           </a:p>
           <a:p>
             <a:r>
-              <a:rPr lang="en-US" dirty="0"/>
+              <a:rPr lang="en-US" sz="1400" dirty="0"/>
               <a:t>Third-party installers</a:t>
             </a:r>
           </a:p>
           <a:p>
             <a:pPr lvl="1"/>
             <a:r>
-              <a:rPr lang="en-US" dirty="0"/>
+              <a:rPr lang="en-US" sz="1400" dirty="0"/>
               <a:t>Advanced Installer</a:t>
             </a:r>
           </a:p>
           <a:p>
-            <a:endParaRPr lang="en-US" dirty="0"/>
+            <a:pPr lvl="1"/>
+            <a:r>
+              <a:rPr lang="en-US" sz="1400" dirty="0"/>
+              <a:t>InstallShield</a:t>
+            </a:r>
+          </a:p>
+          <a:p>
+            <a:endParaRPr lang="en-US" sz="1400" dirty="0"/>
           </a:p>
         </p:txBody>
       </p:sp>
       <p:sp>
         <p:nvSpPr>
-          <p:cNvPr id="13" name="Rectangle 12">
+          <p:cNvPr id="24" name="Rectangle 23">
             <a:extLst>
               <a:ext uri="{FF2B5EF4-FFF2-40B4-BE49-F238E27FC236}">
-                <a16:creationId xmlns:a16="http://schemas.microsoft.com/office/drawing/2014/main" id="{616F9FD8-4CFE-4C77-8F29-5D801C57E2AB}"/>
+                <a16:creationId xmlns:a16="http://schemas.microsoft.com/office/drawing/2014/main" id="{377CB93F-A0E2-4BBE-B2FC-E93932C7ECEE}"/>
               </a:ext>
               <a:ext uri="{C183D7F6-B498-43B3-948B-1728B52AA6E4}">
                 <adec:decorative xmlns:adec="http://schemas.microsoft.com/office/drawing/2017/decorative" val="1"/>

--- a/2024/0320_BostonDotNetArch/GetStartedWithWinUI3.pptx
+++ b/2024/0320_BostonDotNetArch/GetStartedWithWinUI3.pptx
@@ -3642,7 +3642,7 @@
   <dgm:whole/>
   <dgm:extLst>
     <a:ext uri="http://schemas.microsoft.com/office/drawing/2008/diagram">
-      <dsp:dataModelExt xmlns:dsp="http://schemas.microsoft.com/office/drawing/2008/diagram" relId="rId6" minVer="http://schemas.openxmlformats.org/drawingml/2006/diagram"/>
+      <dsp:dataModelExt xmlns:dsp="http://schemas.microsoft.com/office/drawing/2008/diagram" relId="rId7" minVer="http://schemas.openxmlformats.org/drawingml/2006/diagram"/>
     </a:ext>
   </dgm:extLst>
 </dgm:dataModel>
@@ -3898,7 +3898,7 @@
   <dgm:whole/>
   <dgm:extLst>
     <a:ext uri="http://schemas.microsoft.com/office/drawing/2008/diagram">
-      <dsp:dataModelExt xmlns:dsp="http://schemas.microsoft.com/office/drawing/2008/diagram" relId="rId6" minVer="http://schemas.openxmlformats.org/drawingml/2006/diagram"/>
+      <dsp:dataModelExt xmlns:dsp="http://schemas.microsoft.com/office/drawing/2008/diagram" relId="rId7" minVer="http://schemas.openxmlformats.org/drawingml/2006/diagram"/>
     </a:ext>
   </dgm:extLst>
 </dgm:dataModel>
@@ -9053,7 +9053,7 @@
           <a:p>
             <a:fld id="{45CFAEDD-A751-C04A-A7A5-56DFB8A65EE6}" type="datetimeFigureOut">
               <a:rPr lang="en-US" smtClean="0"/>
-              <a:t>3/16/2024</a:t>
+              <a:t>3/20/2024</a:t>
             </a:fld>
             <a:endParaRPr lang="en-US"/>
           </a:p>
@@ -9425,6 +9425,297 @@
 </p:notes>
 </file>
 
+<file path=ppt/notesSlides/notesSlide10.xml><?xml version="1.0" encoding="utf-8"?>
+<p:notes xmlns:a="http://schemas.openxmlformats.org/drawingml/2006/main" xmlns:r="http://schemas.openxmlformats.org/officeDocument/2006/relationships" xmlns:p="http://schemas.openxmlformats.org/presentationml/2006/main">
+  <p:cSld>
+    <p:spTree>
+      <p:nvGrpSpPr>
+        <p:cNvPr id="1" name=""/>
+        <p:cNvGrpSpPr/>
+        <p:nvPr/>
+      </p:nvGrpSpPr>
+      <p:grpSpPr>
+        <a:xfrm>
+          <a:off x="0" y="0"/>
+          <a:ext cx="0" cy="0"/>
+          <a:chOff x="0" y="0"/>
+          <a:chExt cx="0" cy="0"/>
+        </a:xfrm>
+      </p:grpSpPr>
+      <p:sp>
+        <p:nvSpPr>
+          <p:cNvPr id="2" name="Slide Image Placeholder 1"/>
+          <p:cNvSpPr>
+            <a:spLocks noGrp="1" noRot="1" noChangeAspect="1"/>
+          </p:cNvSpPr>
+          <p:nvPr>
+            <p:ph type="sldImg"/>
+          </p:nvPr>
+        </p:nvSpPr>
+        <p:spPr/>
+      </p:sp>
+      <p:sp>
+        <p:nvSpPr>
+          <p:cNvPr id="3" name="Notes Placeholder 2"/>
+          <p:cNvSpPr>
+            <a:spLocks noGrp="1"/>
+          </p:cNvSpPr>
+          <p:nvPr>
+            <p:ph type="body" idx="1"/>
+          </p:nvPr>
+        </p:nvSpPr>
+        <p:spPr/>
+        <p:txBody>
+          <a:bodyPr/>
+          <a:lstStyle/>
+          <a:p>
+            <a:r>
+              <a:rPr lang="en-US" dirty="0"/>
+              <a:t>Now let’s take a quick look at an Uno Platform version of the My Media Collection app that we looked at in some previous demos. We can try running this in Windows and Android, and if there’s time, we’ll give the </a:t>
+            </a:r>
+            <a:r>
+              <a:rPr lang="en-US" dirty="0" err="1"/>
+              <a:t>WebAssembly</a:t>
+            </a:r>
+            <a:r>
+              <a:rPr lang="en-US" dirty="0"/>
+              <a:t> project a try.</a:t>
+            </a:r>
+          </a:p>
+          <a:p>
+            <a:endParaRPr lang="en-US" dirty="0"/>
+          </a:p>
+          <a:p>
+            <a:r>
+              <a:rPr lang="en-US" dirty="0"/>
+              <a:t>Chapter 13 has Uno Platform project</a:t>
+            </a:r>
+          </a:p>
+          <a:p>
+            <a:endParaRPr lang="en-US" dirty="0"/>
+          </a:p>
+          <a:p>
+            <a:endParaRPr lang="en-US" dirty="0"/>
+          </a:p>
+          <a:p>
+            <a:endParaRPr lang="en-US" dirty="0"/>
+          </a:p>
+        </p:txBody>
+      </p:sp>
+      <p:sp>
+        <p:nvSpPr>
+          <p:cNvPr id="4" name="Slide Number Placeholder 3"/>
+          <p:cNvSpPr>
+            <a:spLocks noGrp="1"/>
+          </p:cNvSpPr>
+          <p:nvPr>
+            <p:ph type="sldNum" sz="quarter" idx="5"/>
+          </p:nvPr>
+        </p:nvSpPr>
+        <p:spPr/>
+        <p:txBody>
+          <a:bodyPr/>
+          <a:lstStyle/>
+          <a:p>
+            <a:fld id="{B24C3CE9-E430-0042-A738-50E8105E4176}" type="slidenum">
+              <a:rPr lang="en-US" smtClean="0"/>
+              <a:t>11</a:t>
+            </a:fld>
+            <a:endParaRPr lang="en-US"/>
+          </a:p>
+        </p:txBody>
+      </p:sp>
+    </p:spTree>
+    <p:extLst>
+      <p:ext uri="{BB962C8B-B14F-4D97-AF65-F5344CB8AC3E}">
+        <p14:creationId xmlns:p14="http://schemas.microsoft.com/office/powerpoint/2010/main" val="1160255955"/>
+      </p:ext>
+    </p:extLst>
+  </p:cSld>
+  <p:clrMapOvr>
+    <a:masterClrMapping/>
+  </p:clrMapOvr>
+</p:notes>
+</file>
+
+<file path=ppt/notesSlides/notesSlide11.xml><?xml version="1.0" encoding="utf-8"?>
+<p:notes xmlns:a="http://schemas.openxmlformats.org/drawingml/2006/main" xmlns:r="http://schemas.openxmlformats.org/officeDocument/2006/relationships" xmlns:p="http://schemas.openxmlformats.org/presentationml/2006/main">
+  <p:cSld>
+    <p:spTree>
+      <p:nvGrpSpPr>
+        <p:cNvPr id="1" name=""/>
+        <p:cNvGrpSpPr/>
+        <p:nvPr/>
+      </p:nvGrpSpPr>
+      <p:grpSpPr>
+        <a:xfrm>
+          <a:off x="0" y="0"/>
+          <a:ext cx="0" cy="0"/>
+          <a:chOff x="0" y="0"/>
+          <a:chExt cx="0" cy="0"/>
+        </a:xfrm>
+      </p:grpSpPr>
+      <p:sp>
+        <p:nvSpPr>
+          <p:cNvPr id="2" name="Slide Image Placeholder 1"/>
+          <p:cNvSpPr>
+            <a:spLocks noGrp="1" noRot="1" noChangeAspect="1"/>
+          </p:cNvSpPr>
+          <p:nvPr>
+            <p:ph type="sldImg"/>
+          </p:nvPr>
+        </p:nvSpPr>
+        <p:spPr/>
+      </p:sp>
+      <p:sp>
+        <p:nvSpPr>
+          <p:cNvPr id="3" name="Notes Placeholder 2"/>
+          <p:cNvSpPr>
+            <a:spLocks noGrp="1"/>
+          </p:cNvSpPr>
+          <p:nvPr>
+            <p:ph type="body" idx="1"/>
+          </p:nvPr>
+        </p:nvSpPr>
+        <p:spPr/>
+        <p:txBody>
+          <a:bodyPr/>
+          <a:lstStyle/>
+          <a:p>
+            <a:r>
+              <a:rPr lang="en-US" dirty="0"/>
+              <a:t>You can check out the WinUI 3 and Windows App SDK roadmaps on GitHub, but these are some of the items currently slated for the next version.</a:t>
+            </a:r>
+          </a:p>
+        </p:txBody>
+      </p:sp>
+      <p:sp>
+        <p:nvSpPr>
+          <p:cNvPr id="4" name="Slide Number Placeholder 3"/>
+          <p:cNvSpPr>
+            <a:spLocks noGrp="1"/>
+          </p:cNvSpPr>
+          <p:nvPr>
+            <p:ph type="sldNum" sz="quarter" idx="5"/>
+          </p:nvPr>
+        </p:nvSpPr>
+        <p:spPr/>
+        <p:txBody>
+          <a:bodyPr/>
+          <a:lstStyle/>
+          <a:p>
+            <a:fld id="{B24C3CE9-E430-0042-A738-50E8105E4176}" type="slidenum">
+              <a:rPr lang="en-US" smtClean="0"/>
+              <a:t>12</a:t>
+            </a:fld>
+            <a:endParaRPr lang="en-US"/>
+          </a:p>
+        </p:txBody>
+      </p:sp>
+    </p:spTree>
+    <p:extLst>
+      <p:ext uri="{BB962C8B-B14F-4D97-AF65-F5344CB8AC3E}">
+        <p14:creationId xmlns:p14="http://schemas.microsoft.com/office/powerpoint/2010/main" val="3116935414"/>
+      </p:ext>
+    </p:extLst>
+  </p:cSld>
+  <p:clrMapOvr>
+    <a:masterClrMapping/>
+  </p:clrMapOvr>
+</p:notes>
+</file>
+
+<file path=ppt/notesSlides/notesSlide12.xml><?xml version="1.0" encoding="utf-8"?>
+<p:notes xmlns:a="http://schemas.openxmlformats.org/drawingml/2006/main" xmlns:r="http://schemas.openxmlformats.org/officeDocument/2006/relationships" xmlns:p="http://schemas.openxmlformats.org/presentationml/2006/main">
+  <p:cSld>
+    <p:spTree>
+      <p:nvGrpSpPr>
+        <p:cNvPr id="1" name=""/>
+        <p:cNvGrpSpPr/>
+        <p:nvPr/>
+      </p:nvGrpSpPr>
+      <p:grpSpPr>
+        <a:xfrm>
+          <a:off x="0" y="0"/>
+          <a:ext cx="0" cy="0"/>
+          <a:chOff x="0" y="0"/>
+          <a:chExt cx="0" cy="0"/>
+        </a:xfrm>
+      </p:grpSpPr>
+      <p:sp>
+        <p:nvSpPr>
+          <p:cNvPr id="2" name="Slide Image Placeholder 1"/>
+          <p:cNvSpPr>
+            <a:spLocks noGrp="1" noRot="1" noChangeAspect="1"/>
+          </p:cNvSpPr>
+          <p:nvPr>
+            <p:ph type="sldImg"/>
+          </p:nvPr>
+        </p:nvSpPr>
+        <p:spPr/>
+      </p:sp>
+      <p:sp>
+        <p:nvSpPr>
+          <p:cNvPr id="3" name="Notes Placeholder 2"/>
+          <p:cNvSpPr>
+            <a:spLocks noGrp="1"/>
+          </p:cNvSpPr>
+          <p:nvPr>
+            <p:ph type="body" idx="1"/>
+          </p:nvPr>
+        </p:nvSpPr>
+        <p:spPr/>
+        <p:txBody>
+          <a:bodyPr/>
+          <a:lstStyle/>
+          <a:p>
+            <a:r>
+              <a:rPr lang="en-US" dirty="0"/>
+              <a:t>And that’s all we’ve got for this month. Thank you! </a:t>
+            </a:r>
+            <a:r>
+              <a:rPr lang="en-US"/>
+              <a:t>Any questions?</a:t>
+            </a:r>
+          </a:p>
+        </p:txBody>
+      </p:sp>
+      <p:sp>
+        <p:nvSpPr>
+          <p:cNvPr id="4" name="Slide Number Placeholder 3"/>
+          <p:cNvSpPr>
+            <a:spLocks noGrp="1"/>
+          </p:cNvSpPr>
+          <p:nvPr>
+            <p:ph type="sldNum" sz="quarter" idx="5"/>
+          </p:nvPr>
+        </p:nvSpPr>
+        <p:spPr/>
+        <p:txBody>
+          <a:bodyPr/>
+          <a:lstStyle/>
+          <a:p>
+            <a:fld id="{B24C3CE9-E430-0042-A738-50E8105E4176}" type="slidenum">
+              <a:rPr lang="en-US" smtClean="0"/>
+              <a:t>13</a:t>
+            </a:fld>
+            <a:endParaRPr lang="en-US"/>
+          </a:p>
+        </p:txBody>
+      </p:sp>
+    </p:spTree>
+    <p:extLst>
+      <p:ext uri="{BB962C8B-B14F-4D97-AF65-F5344CB8AC3E}">
+        <p14:creationId xmlns:p14="http://schemas.microsoft.com/office/powerpoint/2010/main" val="355955949"/>
+      </p:ext>
+    </p:extLst>
+  </p:cSld>
+  <p:clrMapOvr>
+    <a:masterClrMapping/>
+  </p:clrMapOvr>
+</p:notes>
+</file>
+
 <file path=ppt/notesSlides/notesSlide2.xml><?xml version="1.0" encoding="utf-8"?>
 <p:notes xmlns:a="http://schemas.openxmlformats.org/drawingml/2006/main" xmlns:r="http://schemas.openxmlformats.org/officeDocument/2006/relationships" xmlns:p="http://schemas.openxmlformats.org/presentationml/2006/main">
   <p:cSld>
@@ -9747,7 +10038,7 @@
           <a:p>
             <a:r>
               <a:rPr lang="en-US" dirty="0"/>
-              <a:t>Create new WinUI 3 in Desktop project</a:t>
+              <a:t>A brief history and some background  on WinUI 3 and the Windows App SDK.</a:t>
             </a:r>
           </a:p>
           <a:p>
@@ -9756,11 +10047,62 @@
           <a:p>
             <a:r>
               <a:rPr lang="en-US" dirty="0"/>
-              <a:t>Open Chapter 5 to explore controls and MVVM concepts</a:t>
+              <a:t>WinUI 3 is a part of the Windows App SDK. It’s probably the main thing that most people associate with Windows App SDK, but the SDK has APIs and capabilities that can be leveraged from WinUI 3 apps and other Windows apps.</a:t>
             </a:r>
           </a:p>
           <a:p>
             <a:endParaRPr lang="en-US" dirty="0"/>
+          </a:p>
+          <a:p>
+            <a:r>
+              <a:rPr lang="en-US" dirty="0"/>
+              <a:t>WinUI 3 was released in March of 2021 along with version 1.0 of Windows App SDK. It came out about a week after the first edition of my WinUI book was published.</a:t>
+            </a:r>
+          </a:p>
+          <a:p>
+            <a:endParaRPr lang="en-US" dirty="0"/>
+          </a:p>
+          <a:p>
+            <a:r>
+              <a:rPr lang="en-US" dirty="0"/>
+              <a:t>WinUI 3 C# apps run on the .NET runtime. You can create WinUI 3 apps on .NET 8 today. I know some developers who are experimenting with WinUI 3 running on .NET 9 previews.</a:t>
+            </a:r>
+          </a:p>
+          <a:p>
+            <a:endParaRPr lang="en-US" dirty="0"/>
+          </a:p>
+          <a:p>
+            <a:r>
+              <a:rPr lang="en-US" dirty="0"/>
+              <a:t>The most popular project type is a C# app with a XAML UI, but you can also use C++ and XAML. You can technically construct the contents of your UI in your C# code-behind files, but you still need to have a XAML file to host the root page or Window element.</a:t>
+            </a:r>
+          </a:p>
+          <a:p>
+            <a:endParaRPr lang="en-US" dirty="0"/>
+          </a:p>
+          <a:p>
+            <a:r>
+              <a:rPr lang="en-US" dirty="0"/>
+              <a:t>The latest stable release of Windows App SDK is version 1.5, which was released a few weeks ago.</a:t>
+            </a:r>
+          </a:p>
+          <a:p>
+            <a:endParaRPr lang="en-US" dirty="0"/>
+          </a:p>
+          <a:p>
+            <a:r>
+              <a:rPr lang="en-US" dirty="0"/>
+              <a:t>If you attended my session last month, we compared WinUI 3 to some of the other Windows development frameworks. You can also check out this link to a Microsoft Learn page that compares the options, breaking down the differences between them.</a:t>
+            </a:r>
+          </a:p>
+          <a:p>
+            <a:endParaRPr lang="en-US" dirty="0"/>
+          </a:p>
+          <a:p>
+            <a:r>
+              <a:rPr lang="en-US" dirty="0"/>
+              <a:t>WinUI 3 is released as read-only on open source. That means that while you can’t contribute PRs to the framework, you can use the source for some enhanced debugging. The last WinUI Community Call demonstrated how debugging with the source can help pinpoint problems while debugging.</a:t>
+            </a:r>
           </a:p>
         </p:txBody>
       </p:sp>
@@ -9781,7 +10123,7 @@
           <a:p>
             <a:fld id="{B24C3CE9-E430-0042-A738-50E8105E4176}" type="slidenum">
               <a:rPr lang="en-US" smtClean="0"/>
-              <a:t>6</a:t>
+              <a:t>5</a:t>
             </a:fld>
             <a:endParaRPr lang="en-US"/>
           </a:p>
@@ -9790,7 +10132,7 @@
     </p:spTree>
     <p:extLst>
       <p:ext uri="{BB962C8B-B14F-4D97-AF65-F5344CB8AC3E}">
-        <p14:creationId xmlns:p14="http://schemas.microsoft.com/office/powerpoint/2010/main" val="1307438610"/>
+        <p14:creationId xmlns:p14="http://schemas.microsoft.com/office/powerpoint/2010/main" val="2260534931"/>
       </p:ext>
     </p:extLst>
   </p:cSld>
@@ -9846,19 +10188,44 @@
           <a:p>
             <a:r>
               <a:rPr lang="en-US" dirty="0"/>
-              <a:t>Show WCT gallery app</a:t>
+              <a:t>We’ll do a couple of quick demos next. One will be starting a new WinUI project in Visual Studio. The second project is taken from Chapter 5 of my book. We’ll examine some of the controls and see how I used the MVVM Toolkit from the .NET Community Toolkit to leverage the MVVM pattern in my code.</a:t>
             </a:r>
           </a:p>
           <a:p>
             <a:endParaRPr lang="en-US" dirty="0"/>
           </a:p>
           <a:p>
+            <a:pPr marL="171450" indent="-171450">
+              <a:buFontTx/>
+              <a:buChar char="-"/>
+            </a:pPr>
             <a:r>
               <a:rPr lang="en-US" dirty="0"/>
-              <a:t>Chapter 9 code has Community Toolkit controls</a:t>
-            </a:r>
-          </a:p>
-          <a:p>
+              <a:t>Create new WinUI 3 in Desktop project.</a:t>
+            </a:r>
+          </a:p>
+          <a:p>
+            <a:pPr marL="0" indent="0">
+              <a:buFontTx/>
+              <a:buNone/>
+            </a:pPr>
+            <a:endParaRPr lang="en-US" dirty="0"/>
+          </a:p>
+          <a:p>
+            <a:pPr marL="171450" indent="-171450">
+              <a:buFontTx/>
+              <a:buChar char="-"/>
+            </a:pPr>
+            <a:r>
+              <a:rPr lang="en-US" dirty="0"/>
+              <a:t>Open Chapter 5 to explore controls and MVVM concepts</a:t>
+            </a:r>
+          </a:p>
+          <a:p>
+            <a:pPr marL="0" indent="0">
+              <a:buFontTx/>
+              <a:buNone/>
+            </a:pPr>
             <a:endParaRPr lang="en-US" dirty="0"/>
           </a:p>
           <a:p>
@@ -9883,7 +10250,7 @@
           <a:p>
             <a:fld id="{B24C3CE9-E430-0042-A738-50E8105E4176}" type="slidenum">
               <a:rPr lang="en-US" smtClean="0"/>
-              <a:t>7</a:t>
+              <a:t>6</a:t>
             </a:fld>
             <a:endParaRPr lang="en-US"/>
           </a:p>
@@ -9892,7 +10259,7 @@
     </p:spTree>
     <p:extLst>
       <p:ext uri="{BB962C8B-B14F-4D97-AF65-F5344CB8AC3E}">
-        <p14:creationId xmlns:p14="http://schemas.microsoft.com/office/powerpoint/2010/main" val="2436207506"/>
+        <p14:creationId xmlns:p14="http://schemas.microsoft.com/office/powerpoint/2010/main" val="1307438610"/>
       </p:ext>
     </p:extLst>
   </p:cSld>
@@ -9948,8 +10315,50 @@
           <a:p>
             <a:r>
               <a:rPr lang="en-US" dirty="0"/>
-              <a:t>Chapter 8 code has notifications API code</a:t>
-            </a:r>
+              <a:t>The Windows Community Toolkit, like the .NET Community Toolkit is an open-source project with controls, helpers, animations, behaviors, and lots more.</a:t>
+            </a:r>
+          </a:p>
+          <a:p>
+            <a:endParaRPr lang="en-US" dirty="0"/>
+          </a:p>
+          <a:p>
+            <a:r>
+              <a:rPr lang="en-US" dirty="0"/>
+              <a:t>The source and documentation are both stored in GitHub, and the documentation is surfaced on Microsoft Learn under the .NET docs.</a:t>
+            </a:r>
+          </a:p>
+          <a:p>
+            <a:endParaRPr lang="en-US" dirty="0"/>
+          </a:p>
+          <a:p>
+            <a:pPr marL="171450" indent="-171450">
+              <a:buFontTx/>
+              <a:buChar char="-"/>
+            </a:pPr>
+            <a:r>
+              <a:rPr lang="en-US" dirty="0"/>
+              <a:t>Explore the Windows Community Toolkit Gallery app</a:t>
+            </a:r>
+          </a:p>
+          <a:p>
+            <a:pPr marL="0" indent="0">
+              <a:buFontTx/>
+              <a:buNone/>
+            </a:pPr>
+            <a:endParaRPr lang="en-US" dirty="0"/>
+          </a:p>
+          <a:p>
+            <a:pPr marL="171450" indent="-171450">
+              <a:buFontTx/>
+              <a:buChar char="-"/>
+            </a:pPr>
+            <a:r>
+              <a:rPr lang="en-US" dirty="0"/>
+              <a:t>Chapter 9 code has Community Toolkit controls</a:t>
+            </a:r>
+          </a:p>
+          <a:p>
+            <a:endParaRPr lang="en-US" dirty="0"/>
           </a:p>
           <a:p>
             <a:endParaRPr lang="en-US" dirty="0"/>
@@ -9973,7 +10382,7 @@
           <a:p>
             <a:fld id="{B24C3CE9-E430-0042-A738-50E8105E4176}" type="slidenum">
               <a:rPr lang="en-US" smtClean="0"/>
-              <a:t>8</a:t>
+              <a:t>7</a:t>
             </a:fld>
             <a:endParaRPr lang="en-US"/>
           </a:p>
@@ -9982,7 +10391,7 @@
     </p:spTree>
     <p:extLst>
       <p:ext uri="{BB962C8B-B14F-4D97-AF65-F5344CB8AC3E}">
-        <p14:creationId xmlns:p14="http://schemas.microsoft.com/office/powerpoint/2010/main" val="866739980"/>
+        <p14:creationId xmlns:p14="http://schemas.microsoft.com/office/powerpoint/2010/main" val="2436207506"/>
       </p:ext>
     </p:extLst>
   </p:cSld>
@@ -10038,11 +10447,8 @@
           <a:p>
             <a:r>
               <a:rPr lang="en-US" dirty="0"/>
-              <a:t>Chapter 12 has WebView2 with Blazor demo</a:t>
-            </a:r>
-          </a:p>
-          <a:p>
-            <a:endParaRPr lang="en-US" dirty="0"/>
+              <a:t>The next demo is taken from Chapter 8 in my book. We’ll see how Windows App SDK app notifications are implemented in a WinUI 3 app.</a:t>
+            </a:r>
           </a:p>
         </p:txBody>
       </p:sp>
@@ -10063,7 +10469,7 @@
           <a:p>
             <a:fld id="{B24C3CE9-E430-0042-A738-50E8105E4176}" type="slidenum">
               <a:rPr lang="en-US" smtClean="0"/>
-              <a:t>9</a:t>
+              <a:t>8</a:t>
             </a:fld>
             <a:endParaRPr lang="en-US"/>
           </a:p>
@@ -10072,7 +10478,7 @@
     </p:spTree>
     <p:extLst>
       <p:ext uri="{BB962C8B-B14F-4D97-AF65-F5344CB8AC3E}">
-        <p14:creationId xmlns:p14="http://schemas.microsoft.com/office/powerpoint/2010/main" val="3736469973"/>
+        <p14:creationId xmlns:p14="http://schemas.microsoft.com/office/powerpoint/2010/main" val="866739980"/>
       </p:ext>
     </p:extLst>
   </p:cSld>
@@ -10126,6 +10532,55 @@
           <a:bodyPr/>
           <a:lstStyle/>
           <a:p>
+            <a:r>
+              <a:rPr lang="en-US" dirty="0"/>
+              <a:t>There are a few options for different types of interop in a WinUI 3 app.</a:t>
+            </a:r>
+          </a:p>
+          <a:p>
+            <a:endParaRPr lang="en-US" dirty="0"/>
+          </a:p>
+          <a:p>
+            <a:r>
+              <a:rPr lang="en-US" dirty="0"/>
+              <a:t>There isn’t a full-featured interop host yet for WinUI 3 like you have to host WPF controls in a WinForms app or vice-versa. There is a new </a:t>
+            </a:r>
+            <a:r>
+              <a:rPr lang="en-US" dirty="0" err="1"/>
+              <a:t>ContentIsland</a:t>
+            </a:r>
+            <a:r>
+              <a:rPr lang="en-US" dirty="0"/>
+              <a:t> and related controls. They were released in Windows App SDK 1.4 but they’re currently only recommended in C++ WinUI apps. There’s no wrapper to use Islands in WinForms or WPF yet either. You can check out the release notes for more information about their current state.</a:t>
+            </a:r>
+          </a:p>
+          <a:p>
+            <a:endParaRPr lang="en-US" dirty="0"/>
+          </a:p>
+          <a:p>
+            <a:r>
+              <a:rPr lang="en-US" dirty="0"/>
+              <a:t>Another option is to embed some web content in your WinUI 3 app with a WebView2 control. In chapter 12 of my book, I created and deployed a Blazor app and host in a WinUI 3 client app. There are also some folks who have gotten the .NET MAUI Blazor Hybrid </a:t>
+            </a:r>
+            <a:r>
+              <a:rPr lang="en-US" dirty="0" err="1"/>
+              <a:t>webview</a:t>
+            </a:r>
+            <a:r>
+              <a:rPr lang="en-US" dirty="0"/>
+              <a:t> control to work in a WinUI 3 app. Using that, you can run a Blazor app embedded in your project rather than loading it from the cloud. This way, you could potentially share local resources and run some functionality offline.</a:t>
+            </a:r>
+          </a:p>
+          <a:p>
+            <a:endParaRPr lang="en-US" dirty="0"/>
+          </a:p>
+          <a:p>
+            <a:r>
+              <a:rPr lang="en-US" dirty="0"/>
+              <a:t>Let’s take a look at that WebView2 with Blazor demo from Chapter 12.</a:t>
+            </a:r>
+          </a:p>
+          <a:p>
             <a:endParaRPr lang="en-US" dirty="0"/>
           </a:p>
         </p:txBody>
@@ -10147,7 +10602,7 @@
           <a:p>
             <a:fld id="{B24C3CE9-E430-0042-A738-50E8105E4176}" type="slidenum">
               <a:rPr lang="en-US" smtClean="0"/>
-              <a:t>10</a:t>
+              <a:t>9</a:t>
             </a:fld>
             <a:endParaRPr lang="en-US"/>
           </a:p>
@@ -10156,7 +10611,7 @@
     </p:spTree>
     <p:extLst>
       <p:ext uri="{BB962C8B-B14F-4D97-AF65-F5344CB8AC3E}">
-        <p14:creationId xmlns:p14="http://schemas.microsoft.com/office/powerpoint/2010/main" val="429697880"/>
+        <p14:creationId xmlns:p14="http://schemas.microsoft.com/office/powerpoint/2010/main" val="3736469973"/>
       </p:ext>
     </p:extLst>
   </p:cSld>
@@ -10212,17 +10667,72 @@
           <a:p>
             <a:r>
               <a:rPr lang="en-US" dirty="0"/>
-              <a:t>Chapter 13 has Uno Platform project</a:t>
+              <a:t>Deployment options.</a:t>
             </a:r>
           </a:p>
           <a:p>
             <a:endParaRPr lang="en-US" dirty="0"/>
           </a:p>
           <a:p>
+            <a:r>
+              <a:rPr lang="en-US" dirty="0"/>
+              <a:t>WinUI has several packaging options.</a:t>
+            </a:r>
+          </a:p>
+          <a:p>
             <a:endParaRPr lang="en-US" dirty="0"/>
           </a:p>
           <a:p>
+            <a:r>
+              <a:rPr lang="en-US" dirty="0"/>
+              <a:t>First off, your apps can be either “framework-dependent” or “self-contained”. Framework dependent apps rely on the Windows App SDK runtime being present on client machines. Self-contained apps deploy the runtime with your app. Each method has pros and cons.</a:t>
+            </a:r>
+          </a:p>
+          <a:p>
+            <a:r>
+              <a:rPr lang="en-US" dirty="0"/>
+              <a:t>	Self contained – Larger installer but you control the runtime version. But that also means you need to deploy updates to your app to provide any runtime bug-fixes.</a:t>
+            </a:r>
+          </a:p>
+          <a:p>
+            <a:r>
+              <a:rPr lang="en-US" dirty="0"/>
+              <a:t>	Framework dependent (the default) – Smaller installer but you’re relying on users to keep updated with SDK updates and fixes.</a:t>
+            </a:r>
+          </a:p>
+          <a:p>
             <a:endParaRPr lang="en-US" dirty="0"/>
+          </a:p>
+          <a:p>
+            <a:r>
+              <a:rPr lang="en-US" dirty="0"/>
+              <a:t>As far as how you get your app to your users, you can package and submit it to the Microsoft Store, you can use </a:t>
+            </a:r>
+            <a:r>
+              <a:rPr lang="en-US" dirty="0" err="1"/>
+              <a:t>WinGet</a:t>
+            </a:r>
+            <a:r>
+              <a:rPr lang="en-US" dirty="0"/>
+              <a:t> (the Windows Package Manager), you can sideload your app (deploy it without the Store or </a:t>
+            </a:r>
+            <a:r>
+              <a:rPr lang="en-US" dirty="0" err="1"/>
+              <a:t>WinGet</a:t>
+            </a:r>
+            <a:r>
+              <a:rPr lang="en-US" dirty="0"/>
+              <a:t> – this isn’t officially documented for WinUI 3, but the .NET MAUI method for Windows does work). You can also use some third-party installer solutions. Advanced Installer and InstallShield are a couple of the well-known options.</a:t>
+            </a:r>
+          </a:p>
+          <a:p>
+            <a:endParaRPr lang="en-US" dirty="0"/>
+          </a:p>
+          <a:p>
+            <a:r>
+              <a:rPr lang="en-US" dirty="0"/>
+              <a:t>We’re not going to do a live demo of this, but the online documentation and the deployment chapter in my book get into plenty of detail.</a:t>
+            </a:r>
           </a:p>
         </p:txBody>
       </p:sp>
@@ -10243,7 +10753,7 @@
           <a:p>
             <a:fld id="{B24C3CE9-E430-0042-A738-50E8105E4176}" type="slidenum">
               <a:rPr lang="en-US" smtClean="0"/>
-              <a:t>11</a:t>
+              <a:t>10</a:t>
             </a:fld>
             <a:endParaRPr lang="en-US"/>
           </a:p>
@@ -10252,7 +10762,7 @@
     </p:spTree>
     <p:extLst>
       <p:ext uri="{BB962C8B-B14F-4D97-AF65-F5344CB8AC3E}">
-        <p14:creationId xmlns:p14="http://schemas.microsoft.com/office/powerpoint/2010/main" val="1160255955"/>
+        <p14:creationId xmlns:p14="http://schemas.microsoft.com/office/powerpoint/2010/main" val="429697880"/>
       </p:ext>
     </p:extLst>
   </p:cSld>
@@ -10487,7 +10997,7 @@
             <a:fld id="{5586B75A-687E-405C-8A0B-8D00578BA2C3}" type="datetimeFigureOut">
               <a:rPr lang="en-US" dirty="0"/>
               <a:pPr/>
-              <a:t>3/16/2024</a:t>
+              <a:t>3/20/2024</a:t>
             </a:fld>
             <a:endParaRPr lang="en-US" dirty="0"/>
           </a:p>
@@ -10654,7 +11164,7 @@
             <a:fld id="{5586B75A-687E-405C-8A0B-8D00578BA2C3}" type="datetimeFigureOut">
               <a:rPr lang="en-US" dirty="0"/>
               <a:pPr/>
-              <a:t>3/16/2024</a:t>
+              <a:t>3/20/2024</a:t>
             </a:fld>
             <a:endParaRPr lang="en-US" dirty="0"/>
           </a:p>
@@ -10831,7 +11341,7 @@
             <a:fld id="{5586B75A-687E-405C-8A0B-8D00578BA2C3}" type="datetimeFigureOut">
               <a:rPr lang="en-US" dirty="0"/>
               <a:pPr/>
-              <a:t>3/16/2024</a:t>
+              <a:t>3/20/2024</a:t>
             </a:fld>
             <a:endParaRPr lang="en-US" dirty="0"/>
           </a:p>
@@ -10998,7 +11508,7 @@
             <a:fld id="{5586B75A-687E-405C-8A0B-8D00578BA2C3}" type="datetimeFigureOut">
               <a:rPr lang="en-US" dirty="0"/>
               <a:pPr/>
-              <a:t>3/16/2024</a:t>
+              <a:t>3/20/2024</a:t>
             </a:fld>
             <a:endParaRPr lang="en-US" dirty="0"/>
           </a:p>
@@ -11253,7 +11763,7 @@
             <a:fld id="{5586B75A-687E-405C-8A0B-8D00578BA2C3}" type="datetimeFigureOut">
               <a:rPr lang="en-US" dirty="0"/>
               <a:pPr/>
-              <a:t>3/16/2024</a:t>
+              <a:t>3/20/2024</a:t>
             </a:fld>
             <a:endParaRPr lang="en-US" dirty="0"/>
           </a:p>
@@ -11538,7 +12048,7 @@
             <a:fld id="{5586B75A-687E-405C-8A0B-8D00578BA2C3}" type="datetimeFigureOut">
               <a:rPr lang="en-US" dirty="0"/>
               <a:pPr/>
-              <a:t>3/16/2024</a:t>
+              <a:t>3/20/2024</a:t>
             </a:fld>
             <a:endParaRPr lang="en-US" dirty="0"/>
           </a:p>
@@ -11977,7 +12487,7 @@
             <a:fld id="{5586B75A-687E-405C-8A0B-8D00578BA2C3}" type="datetimeFigureOut">
               <a:rPr lang="en-US" dirty="0"/>
               <a:pPr/>
-              <a:t>3/16/2024</a:t>
+              <a:t>3/20/2024</a:t>
             </a:fld>
             <a:endParaRPr lang="en-US" dirty="0"/>
           </a:p>
@@ -12092,7 +12602,7 @@
             <a:fld id="{5586B75A-687E-405C-8A0B-8D00578BA2C3}" type="datetimeFigureOut">
               <a:rPr lang="en-US" dirty="0"/>
               <a:pPr/>
-              <a:t>3/16/2024</a:t>
+              <a:t>3/20/2024</a:t>
             </a:fld>
             <a:endParaRPr lang="en-US" dirty="0"/>
           </a:p>
@@ -12184,7 +12694,7 @@
             <a:fld id="{5586B75A-687E-405C-8A0B-8D00578BA2C3}" type="datetimeFigureOut">
               <a:rPr lang="en-US" dirty="0"/>
               <a:pPr/>
-              <a:t>3/16/2024</a:t>
+              <a:t>3/20/2024</a:t>
             </a:fld>
             <a:endParaRPr lang="en-US" dirty="0"/>
           </a:p>
@@ -12469,7 +12979,7 @@
             <a:fld id="{5586B75A-687E-405C-8A0B-8D00578BA2C3}" type="datetimeFigureOut">
               <a:rPr lang="en-US" dirty="0"/>
               <a:pPr/>
-              <a:t>3/16/2024</a:t>
+              <a:t>3/20/2024</a:t>
             </a:fld>
             <a:endParaRPr lang="en-US" dirty="0"/>
           </a:p>
@@ -12739,7 +13249,7 @@
             <a:fld id="{5586B75A-687E-405C-8A0B-8D00578BA2C3}" type="datetimeFigureOut">
               <a:rPr lang="en-US" dirty="0"/>
               <a:pPr/>
-              <a:t>3/16/2024</a:t>
+              <a:t>3/20/2024</a:t>
             </a:fld>
             <a:endParaRPr lang="en-US" dirty="0"/>
           </a:p>
@@ -13033,7 +13543,7 @@
             <a:fld id="{5586B75A-687E-405C-8A0B-8D00578BA2C3}" type="datetimeFigureOut">
               <a:rPr lang="en-US" dirty="0"/>
               <a:pPr/>
-              <a:t>3/16/2024</a:t>
+              <a:t>3/20/2024</a:t>
             </a:fld>
             <a:endParaRPr lang="en-US" dirty="0"/>
           </a:p>
@@ -15021,7 +15531,7 @@
         </p:xfrm>
         <a:graphic>
           <a:graphicData uri="http://schemas.openxmlformats.org/drawingml/2006/diagram">
-            <dgm:relIds xmlns:dgm="http://schemas.openxmlformats.org/drawingml/2006/diagram" xmlns:r="http://schemas.openxmlformats.org/officeDocument/2006/relationships" r:dm="rId2" r:lo="rId3" r:qs="rId4" r:cs="rId5"/>
+            <dgm:relIds xmlns:dgm="http://schemas.openxmlformats.org/drawingml/2006/diagram" xmlns:r="http://schemas.openxmlformats.org/officeDocument/2006/relationships" r:dm="rId3" r:lo="rId4" r:qs="rId5" r:cs="rId6"/>
           </a:graphicData>
         </a:graphic>
       </p:graphicFrame>
@@ -15191,7 +15701,7 @@
         </p:xfrm>
         <a:graphic>
           <a:graphicData uri="http://schemas.openxmlformats.org/drawingml/2006/diagram">
-            <dgm:relIds xmlns:dgm="http://schemas.openxmlformats.org/drawingml/2006/diagram" xmlns:r="http://schemas.openxmlformats.org/officeDocument/2006/relationships" r:dm="rId2" r:lo="rId3" r:qs="rId4" r:cs="rId5"/>
+            <dgm:relIds xmlns:dgm="http://schemas.openxmlformats.org/drawingml/2006/diagram" xmlns:r="http://schemas.openxmlformats.org/officeDocument/2006/relationships" r:dm="rId3" r:lo="rId4" r:qs="rId5" r:cs="rId6"/>
           </a:graphicData>
         </a:graphic>
       </p:graphicFrame>
@@ -17014,7 +17524,7 @@
           <p:nvPr/>
         </p:nvPicPr>
         <p:blipFill rotWithShape="1">
-          <a:blip r:embed="rId2">
+          <a:blip r:embed="rId3">
             <a:alphaModFix amt="25000"/>
           </a:blip>
           <a:srcRect t="15730"/>
@@ -17170,7 +17680,7 @@
                 <a:solidFill>
                   <a:schemeClr val="tx1"/>
                 </a:solidFill>
-                <a:hlinkClick r:id="rId3"/>
+                <a:hlinkClick r:id="rId4"/>
               </a:rPr>
               <a:t>https://learn.microsoft.com/windows/apps/get-started/dev-options</a:t>
             </a:r>
@@ -17194,7 +17704,7 @@
                 <a:solidFill>
                   <a:schemeClr val="tx1"/>
                 </a:solidFill>
-                <a:hlinkClick r:id="rId4"/>
+                <a:hlinkClick r:id="rId5"/>
               </a:rPr>
               <a:t>https://github.com/microsoft/microsoft-ui-xaml/tree/winui3/release/1.5-stable</a:t>
             </a:r>
@@ -17673,7 +18183,7 @@
                   <a:schemeClr val="tx1"/>
                 </a:solidFill>
               </a:rPr>
-              <a:t>Demo – Adding WCT controls to our app</a:t>
+              <a:t>Demo – Viewing the gallery and using toolkit controls in an app</a:t>
             </a:r>
           </a:p>
         </p:txBody>
